--- a/DGE_Tools Rollout 2017.pptx
+++ b/DGE_Tools Rollout 2017.pptx
@@ -7158,213 +7158,33 @@
               <a:t>and zFPKM packages have been deposited in the BMS </a:t>
             </a:r>
             <a:r>
-              <a:rPr lang="en-US" sz="1400" b="0" dirty="0" err="1"/>
+              <a:rPr lang="en-US" sz="1400" b="0" dirty="0" err="1" smtClean="0"/>
               <a:t>Github</a:t>
             </a:r>
             <a:r>
+              <a:rPr lang="en-US" sz="1400" b="0" dirty="0" smtClean="0"/>
+              <a:t>. </a:t>
+            </a:r>
+          </a:p>
+          <a:p>
+            <a:endParaRPr lang="en-US" sz="1400" b="0" dirty="0" smtClean="0"/>
+          </a:p>
+          <a:p>
+            <a:r>
+              <a:rPr lang="en-US" sz="1400" b="0" dirty="0" smtClean="0"/>
+              <a:t>For </a:t>
+            </a:r>
+            <a:r>
               <a:rPr lang="en-US" sz="1400" b="0" dirty="0"/>
-              <a:t> and can be installed with </a:t>
-            </a:r>
-            <a:r>
-              <a:rPr lang="en-US" sz="1400" b="0" dirty="0" smtClean="0"/>
-              <a:t>the following </a:t>
-            </a:r>
-            <a:r>
-              <a:rPr lang="en-US" sz="1400" b="0" dirty="0"/>
-              <a:t>commands</a:t>
-            </a:r>
-            <a:r>
-              <a:rPr lang="en-US" sz="1400" b="0" dirty="0" smtClean="0"/>
-              <a:t>:</a:t>
-            </a:r>
-          </a:p>
-          <a:p>
-            <a:endParaRPr lang="en-US" sz="1400" b="0" dirty="0"/>
-          </a:p>
-          <a:p>
-            <a:pPr lvl="1">
-              <a:spcBef>
-                <a:spcPts val="300"/>
-              </a:spcBef>
-            </a:pPr>
-            <a:r>
-              <a:rPr lang="en-US" sz="1200" b="0" dirty="0" smtClean="0">
-                <a:solidFill>
-                  <a:schemeClr val="accent2">
-                    <a:lumMod val="50000"/>
-                  </a:schemeClr>
-                </a:solidFill>
-              </a:rPr>
-              <a:t>Library(</a:t>
-            </a:r>
-            <a:r>
-              <a:rPr lang="en-US" sz="1200" b="0" dirty="0" err="1" smtClean="0">
-                <a:solidFill>
-                  <a:schemeClr val="accent2">
-                    <a:lumMod val="50000"/>
-                  </a:schemeClr>
-                </a:solidFill>
-              </a:rPr>
-              <a:t>devtools</a:t>
-            </a:r>
-            <a:r>
-              <a:rPr lang="en-US" sz="1200" b="0" dirty="0" smtClean="0">
-                <a:solidFill>
-                  <a:schemeClr val="accent2">
-                    <a:lumMod val="50000"/>
-                  </a:schemeClr>
-                </a:solidFill>
-              </a:rPr>
-              <a:t>)</a:t>
-            </a:r>
-          </a:p>
-          <a:p>
-            <a:pPr lvl="1">
-              <a:spcBef>
-                <a:spcPts val="300"/>
-              </a:spcBef>
-            </a:pPr>
-            <a:r>
-              <a:rPr lang="en-US" sz="1200" b="0" dirty="0" err="1" smtClean="0">
-                <a:solidFill>
-                  <a:schemeClr val="accent2">
-                    <a:lumMod val="50000"/>
-                  </a:schemeClr>
-                </a:solidFill>
-              </a:rPr>
-              <a:t>install_git</a:t>
-            </a:r>
-            <a:r>
-              <a:rPr lang="en-US" sz="1200" b="0" dirty="0">
-                <a:solidFill>
-                  <a:schemeClr val="accent2">
-                    <a:lumMod val="50000"/>
-                  </a:schemeClr>
-                </a:solidFill>
-              </a:rPr>
-              <a:t>("http://biogit.pri.bms.com/thompj27/</a:t>
-            </a:r>
-            <a:r>
-              <a:rPr lang="en-US" sz="1200" b="0" dirty="0" err="1">
-                <a:solidFill>
-                  <a:schemeClr val="accent2">
-                    <a:lumMod val="50000"/>
-                  </a:schemeClr>
-                </a:solidFill>
-              </a:rPr>
-              <a:t>zFPKM</a:t>
-            </a:r>
-            <a:r>
-              <a:rPr lang="en-US" sz="1200" b="0" dirty="0" smtClean="0">
-                <a:solidFill>
-                  <a:schemeClr val="accent2">
-                    <a:lumMod val="50000"/>
-                  </a:schemeClr>
-                </a:solidFill>
-              </a:rPr>
-              <a:t>")</a:t>
-            </a:r>
-          </a:p>
-          <a:p>
-            <a:pPr lvl="1">
-              <a:spcBef>
-                <a:spcPts val="300"/>
-              </a:spcBef>
-            </a:pPr>
-            <a:r>
-              <a:rPr lang="sv-SE" sz="1200" b="0" dirty="0">
-                <a:solidFill>
-                  <a:schemeClr val="accent2">
-                    <a:lumMod val="50000"/>
-                  </a:schemeClr>
-                </a:solidFill>
-              </a:rPr>
-              <a:t>install_git("http://</a:t>
-            </a:r>
-            <a:r>
-              <a:rPr lang="sv-SE" sz="1200" b="0" dirty="0" smtClean="0">
-                <a:solidFill>
-                  <a:schemeClr val="accent2">
-                    <a:lumMod val="50000"/>
-                  </a:schemeClr>
-                </a:solidFill>
-              </a:rPr>
-              <a:t>biogit.pri.bms.com/thompj27/DGEobj", </a:t>
-            </a:r>
-            <a:r>
-              <a:rPr lang="sv-SE" sz="1200" b="0" dirty="0">
-                <a:solidFill>
-                  <a:schemeClr val="accent2">
-                    <a:lumMod val="50000"/>
-                  </a:schemeClr>
-                </a:solidFill>
-              </a:rPr>
-              <a:t>repos=BiocInstaller::biocinstallRepos()) </a:t>
-            </a:r>
-            <a:endParaRPr lang="sv-SE" sz="1200" b="0" dirty="0" smtClean="0">
-              <a:solidFill>
-                <a:schemeClr val="accent2">
-                  <a:lumMod val="50000"/>
-                </a:schemeClr>
-              </a:solidFill>
-            </a:endParaRPr>
-          </a:p>
-          <a:p>
-            <a:pPr lvl="1">
-              <a:spcBef>
-                <a:spcPts val="300"/>
-              </a:spcBef>
-            </a:pPr>
-            <a:r>
-              <a:rPr lang="sv-SE" sz="1200" b="0" dirty="0">
-                <a:solidFill>
-                  <a:schemeClr val="accent2">
-                    <a:lumMod val="50000"/>
-                  </a:schemeClr>
-                </a:solidFill>
-              </a:rPr>
-              <a:t>install_git("http://</a:t>
-            </a:r>
-            <a:r>
-              <a:rPr lang="sv-SE" sz="1200" b="0" dirty="0" smtClean="0">
-                <a:solidFill>
-                  <a:schemeClr val="accent2">
-                    <a:lumMod val="50000"/>
-                  </a:schemeClr>
-                </a:solidFill>
-              </a:rPr>
-              <a:t>biogit.pri.bms.com/thompj27/DGE.Tools2", </a:t>
-            </a:r>
-            <a:r>
-              <a:rPr lang="sv-SE" sz="1200" b="0" dirty="0">
-                <a:solidFill>
-                  <a:schemeClr val="accent2">
-                    <a:lumMod val="50000"/>
-                  </a:schemeClr>
-                </a:solidFill>
-              </a:rPr>
-              <a:t>repos=BiocInstaller::biocinstallRepos</a:t>
-            </a:r>
-            <a:r>
-              <a:rPr lang="sv-SE" sz="1200" b="0" dirty="0" smtClean="0">
-                <a:solidFill>
-                  <a:schemeClr val="accent2">
-                    <a:lumMod val="50000"/>
-                  </a:schemeClr>
-                </a:solidFill>
-              </a:rPr>
-              <a:t>())</a:t>
+              <a:t>install instructions: https://biogit.pri.bms.com/thompj27/DGE.Tools2</a:t>
             </a:r>
           </a:p>
           <a:p>
             <a:r>
               <a:rPr lang="en-US" sz="2400" dirty="0" smtClean="0"/>
-              <a:t>Sample </a:t>
-            </a:r>
-            <a:r>
-              <a:rPr lang="en-US" sz="2400" dirty="0"/>
-              <a:t>Data</a:t>
-            </a:r>
+              <a:t>Sample Data: (packaged with DGE.Tools2)</a:t>
+            </a:r>
+            <a:endParaRPr lang="en-US" sz="2400" dirty="0"/>
           </a:p>
           <a:p>
             <a:pPr marL="920750" lvl="1" indent="-457200">
@@ -7781,11 +7601,7 @@
             </a:r>
             <a:r>
               <a:rPr lang="en-US" dirty="0" smtClean="0"/>
-              <a:t> </a:t>
-            </a:r>
-            <a:r>
-              <a:rPr lang="en-US" dirty="0" smtClean="0"/>
-              <a:t>Motivation</a:t>
+              <a:t> Motivation</a:t>
             </a:r>
             <a:endParaRPr lang="en-US" dirty="0"/>
           </a:p>
@@ -8629,11 +8445,7 @@
             </a:r>
             <a:r>
               <a:rPr lang="en-US" dirty="0" smtClean="0"/>
-              <a:t> </a:t>
-            </a:r>
-            <a:r>
-              <a:rPr lang="en-US" dirty="0" smtClean="0"/>
-              <a:t>Support Areas</a:t>
+              <a:t> Support Areas</a:t>
             </a:r>
             <a:endParaRPr lang="en-US" dirty="0"/>
           </a:p>
@@ -9767,11 +9579,7 @@
             </a:r>
             <a:r>
               <a:rPr lang="en-US" dirty="0" smtClean="0"/>
-              <a:t>: </a:t>
-            </a:r>
-            <a:r>
-              <a:rPr lang="en-US" dirty="0" smtClean="0"/>
-              <a:t>DGE Pipeline Functions</a:t>
+              <a:t>: DGE Pipeline Functions</a:t>
             </a:r>
             <a:endParaRPr lang="en-US" dirty="0"/>
           </a:p>
@@ -10365,11 +10173,7 @@
             </a:r>
             <a:r>
               <a:rPr lang="en-US" dirty="0" smtClean="0"/>
-              <a:t>: </a:t>
-            </a:r>
-            <a:r>
-              <a:rPr lang="en-US" dirty="0" smtClean="0"/>
-              <a:t>DGE Plotting Functions</a:t>
+              <a:t>: DGE Plotting Functions</a:t>
             </a:r>
             <a:endParaRPr lang="en-US" dirty="0"/>
           </a:p>
@@ -14113,24 +13917,6 @@
 </file>
 
 <file path=customXml/item1.xml><?xml version="1.0" encoding="utf-8"?>
-<p:properties xmlns:p="http://schemas.microsoft.com/office/2006/metadata/properties" xmlns:xsi="http://www.w3.org/2001/XMLSchema-instance">
-  <documentManagement>
-    <PublishingExpirationDate xmlns="http://schemas.microsoft.com/sharepoint/v3" xsi:nil="true"/>
-    <PublishingStartDate xmlns="http://schemas.microsoft.com/sharepoint/v3" xsi:nil="true"/>
-  </documentManagement>
-</p:properties>
-</file>
-
-<file path=customXml/item2.xml><?xml version="1.0" encoding="utf-8"?>
-<?mso-contentType ?>
-<FormTemplates xmlns="http://schemas.microsoft.com/sharepoint/v3/contenttype/forms">
-  <Display>DocumentLibraryForm</Display>
-  <Edit>DocumentLibraryForm</Edit>
-  <New>DocumentLibraryForm</New>
-</FormTemplates>
-</file>
-
-<file path=customXml/item3.xml><?xml version="1.0" encoding="utf-8"?>
 <ct:contentTypeSchema xmlns:ct="http://schemas.microsoft.com/office/2006/metadata/contentType" xmlns:ma="http://schemas.microsoft.com/office/2006/metadata/properties/metaAttributes" ct:_="" ma:_="" ma:contentTypeName="Document" ma:contentTypeID="0x010100B7D717AD26BB54428463ED26CB0D7E9E" ma:contentTypeVersion="3" ma:contentTypeDescription="Create a new document." ma:contentTypeScope="" ma:versionID="bf8986cc7c868353b5915001fefac325">
   <xsd:schema xmlns:xsd="http://www.w3.org/2001/XMLSchema" xmlns:p="http://schemas.microsoft.com/office/2006/metadata/properties" xmlns:ns1="http://schemas.microsoft.com/sharepoint/v3" targetNamespace="http://schemas.microsoft.com/office/2006/metadata/properties" ma:root="true" ma:fieldsID="ddb0c952b897a810c8a4e377cff6bff8" ns1:_="">
     <xsd:import namespace="http://schemas.microsoft.com/sharepoint/v3"/>
@@ -14196,30 +13982,25 @@
 </ct:contentTypeSchema>
 </file>
 
-<file path=customXml/itemProps1.xml><?xml version="1.0" encoding="utf-8"?>
-<ds:datastoreItem xmlns:ds="http://schemas.openxmlformats.org/officeDocument/2006/customXml" ds:itemID="{22D02B40-73A0-49EC-984E-6E21484878D7}">
-  <ds:schemaRefs>
-    <ds:schemaRef ds:uri="http://www.w3.org/XML/1998/namespace"/>
-    <ds:schemaRef ds:uri="http://schemas.microsoft.com/sharepoint/v3"/>
-    <ds:schemaRef ds:uri="http://purl.org/dc/elements/1.1/"/>
-    <ds:schemaRef ds:uri="http://schemas.microsoft.com/office/2006/documentManagement/types"/>
-    <ds:schemaRef ds:uri="http://schemas.microsoft.com/office/2006/metadata/properties"/>
-    <ds:schemaRef ds:uri="http://schemas.openxmlformats.org/package/2006/metadata/core-properties"/>
-    <ds:schemaRef ds:uri="http://purl.org/dc/dcmitype/"/>
-    <ds:schemaRef ds:uri="http://purl.org/dc/terms/"/>
-  </ds:schemaRefs>
-</ds:datastoreItem>
+<file path=customXml/item2.xml><?xml version="1.0" encoding="utf-8"?>
+<?mso-contentType ?>
+<FormTemplates xmlns="http://schemas.microsoft.com/sharepoint/v3/contenttype/forms">
+  <Display>DocumentLibraryForm</Display>
+  <Edit>DocumentLibraryForm</Edit>
+  <New>DocumentLibraryForm</New>
+</FormTemplates>
 </file>
 
-<file path=customXml/itemProps2.xml><?xml version="1.0" encoding="utf-8"?>
-<ds:datastoreItem xmlns:ds="http://schemas.openxmlformats.org/officeDocument/2006/customXml" ds:itemID="{7BEEAFA4-C65A-43C8-B565-5092855FE3D8}">
-  <ds:schemaRefs>
-    <ds:schemaRef ds:uri="http://schemas.microsoft.com/sharepoint/v3/contenttype/forms"/>
-  </ds:schemaRefs>
-</ds:datastoreItem>
+<file path=customXml/item3.xml><?xml version="1.0" encoding="utf-8"?>
+<p:properties xmlns:p="http://schemas.microsoft.com/office/2006/metadata/properties" xmlns:xsi="http://www.w3.org/2001/XMLSchema-instance">
+  <documentManagement>
+    <PublishingExpirationDate xmlns="http://schemas.microsoft.com/sharepoint/v3" xsi:nil="true"/>
+    <PublishingStartDate xmlns="http://schemas.microsoft.com/sharepoint/v3" xsi:nil="true"/>
+  </documentManagement>
+</p:properties>
 </file>
 
-<file path=customXml/itemProps3.xml><?xml version="1.0" encoding="utf-8"?>
+<file path=customXml/itemProps1.xml><?xml version="1.0" encoding="utf-8"?>
 <ds:datastoreItem xmlns:ds="http://schemas.openxmlformats.org/officeDocument/2006/customXml" ds:itemID="{419E58A6-6FDB-417D-B366-2AEECAC86031}">
   <ds:schemaRefs>
     <ds:schemaRef ds:uri="http://schemas.microsoft.com/office/2006/metadata/contentType"/>
@@ -14234,4 +14015,27 @@
     <ds:schemaRef ds:uri="http://schemas.microsoft.com/office/internal/2005/internalDocumentation"/>
   </ds:schemaRefs>
 </ds:datastoreItem>
+</file>
+
+<file path=customXml/itemProps2.xml><?xml version="1.0" encoding="utf-8"?>
+<ds:datastoreItem xmlns:ds="http://schemas.openxmlformats.org/officeDocument/2006/customXml" ds:itemID="{7BEEAFA4-C65A-43C8-B565-5092855FE3D8}">
+  <ds:schemaRefs>
+    <ds:schemaRef ds:uri="http://schemas.microsoft.com/sharepoint/v3/contenttype/forms"/>
+  </ds:schemaRefs>
+</ds:datastoreItem>
+</file>
+
+<file path=customXml/itemProps3.xml><?xml version="1.0" encoding="utf-8"?>
+<ds:datastoreItem xmlns:ds="http://schemas.openxmlformats.org/officeDocument/2006/customXml" ds:itemID="{22D02B40-73A0-49EC-984E-6E21484878D7}">
+  <ds:schemaRefs>
+    <ds:schemaRef ds:uri="http://www.w3.org/XML/1998/namespace"/>
+    <ds:schemaRef ds:uri="http://schemas.microsoft.com/sharepoint/v3"/>
+    <ds:schemaRef ds:uri="http://purl.org/dc/elements/1.1/"/>
+    <ds:schemaRef ds:uri="http://schemas.microsoft.com/office/2006/documentManagement/types"/>
+    <ds:schemaRef ds:uri="http://schemas.microsoft.com/office/2006/metadata/properties"/>
+    <ds:schemaRef ds:uri="http://schemas.openxmlformats.org/package/2006/metadata/core-properties"/>
+    <ds:schemaRef ds:uri="http://purl.org/dc/dcmitype/"/>
+    <ds:schemaRef ds:uri="http://purl.org/dc/terms/"/>
+  </ds:schemaRefs>
+</ds:datastoreItem>
 </file>
--- a/DGE_Tools Rollout 2017.pptx
+++ b/DGE_Tools Rollout 2017.pptx
@@ -5,10 +5,10 @@
     <p:sldMasterId id="2147483650" r:id="rId4"/>
   </p:sldMasterIdLst>
   <p:notesMasterIdLst>
-    <p:notesMasterId r:id="rId26"/>
+    <p:notesMasterId r:id="rId30"/>
   </p:notesMasterIdLst>
   <p:handoutMasterIdLst>
-    <p:handoutMasterId r:id="rId27"/>
+    <p:handoutMasterId r:id="rId31"/>
   </p:handoutMasterIdLst>
   <p:sldIdLst>
     <p:sldId id="1271" r:id="rId5"/>
@@ -16,27 +16,31 @@
     <p:sldId id="1307" r:id="rId7"/>
     <p:sldId id="1272" r:id="rId8"/>
     <p:sldId id="1313" r:id="rId9"/>
-    <p:sldId id="1308" r:id="rId10"/>
-    <p:sldId id="1284" r:id="rId11"/>
-    <p:sldId id="1316" r:id="rId12"/>
-    <p:sldId id="1310" r:id="rId13"/>
-    <p:sldId id="1291" r:id="rId14"/>
-    <p:sldId id="1314" r:id="rId15"/>
-    <p:sldId id="1315" r:id="rId16"/>
-    <p:sldId id="1288" r:id="rId17"/>
-    <p:sldId id="1297" r:id="rId18"/>
-    <p:sldId id="1309" r:id="rId19"/>
-    <p:sldId id="1290" r:id="rId20"/>
-    <p:sldId id="1311" r:id="rId21"/>
-    <p:sldId id="1295" r:id="rId22"/>
-    <p:sldId id="1302" r:id="rId23"/>
-    <p:sldId id="1300" r:id="rId24"/>
-    <p:sldId id="1301" r:id="rId25"/>
+    <p:sldId id="1317" r:id="rId10"/>
+    <p:sldId id="1318" r:id="rId11"/>
+    <p:sldId id="1319" r:id="rId12"/>
+    <p:sldId id="1320" r:id="rId13"/>
+    <p:sldId id="1308" r:id="rId14"/>
+    <p:sldId id="1284" r:id="rId15"/>
+    <p:sldId id="1316" r:id="rId16"/>
+    <p:sldId id="1310" r:id="rId17"/>
+    <p:sldId id="1291" r:id="rId18"/>
+    <p:sldId id="1314" r:id="rId19"/>
+    <p:sldId id="1315" r:id="rId20"/>
+    <p:sldId id="1288" r:id="rId21"/>
+    <p:sldId id="1297" r:id="rId22"/>
+    <p:sldId id="1309" r:id="rId23"/>
+    <p:sldId id="1290" r:id="rId24"/>
+    <p:sldId id="1311" r:id="rId25"/>
+    <p:sldId id="1295" r:id="rId26"/>
+    <p:sldId id="1302" r:id="rId27"/>
+    <p:sldId id="1300" r:id="rId28"/>
+    <p:sldId id="1301" r:id="rId29"/>
   </p:sldIdLst>
   <p:sldSz cx="9144000" cy="6858000" type="screen4x3"/>
   <p:notesSz cx="7010400" cy="9296400"/>
   <p:custDataLst>
-    <p:tags r:id="rId28"/>
+    <p:tags r:id="rId32"/>
   </p:custDataLst>
   <p:defaultTextStyle>
     <a:defPPr>
@@ -2696,12 +2700,8 @@
           <a:lstStyle/>
           <a:p>
             <a:r>
-              <a:rPr lang="en-US" dirty="0" err="1" smtClean="0"/>
-              <a:t>DGE.Tools</a:t>
-            </a:r>
-            <a:r>
               <a:rPr lang="en-US" dirty="0" smtClean="0"/>
-              <a:t> </a:t>
+              <a:t>DGE.Tools2 </a:t>
             </a:r>
             <a:r>
               <a:rPr lang="en-US" dirty="0" err="1" smtClean="0"/>
@@ -2837,7 +2837,7 @@
                   <a:schemeClr val="tx1"/>
                 </a:solidFill>
               </a:rPr>
-              <a:t>27Feb2017</a:t>
+              <a:t>22Mar2017</a:t>
             </a:r>
             <a:endParaRPr lang="en-US" sz="2400" dirty="0">
               <a:solidFill>
@@ -2921,6 +2921,2855 @@
           <a:lstStyle/>
           <a:p>
             <a:r>
+              <a:rPr lang="en-US" dirty="0" err="1" smtClean="0"/>
+              <a:t>DGE.Tools</a:t>
+            </a:r>
+            <a:r>
+              <a:rPr lang="en-US" dirty="0" smtClean="0"/>
+              <a:t>: DGE Pipeline Functions</a:t>
+            </a:r>
+            <a:endParaRPr lang="en-US" dirty="0"/>
+          </a:p>
+        </p:txBody>
+      </p:sp>
+      <p:sp>
+        <p:nvSpPr>
+          <p:cNvPr id="3" name="Content Placeholder 2"/>
+          <p:cNvSpPr>
+            <a:spLocks noGrp="1"/>
+          </p:cNvSpPr>
+          <p:nvPr>
+            <p:ph idx="1"/>
+          </p:nvPr>
+        </p:nvSpPr>
+        <p:spPr>
+          <a:xfrm>
+            <a:off x="545284" y="1302036"/>
+            <a:ext cx="8196044" cy="5014873"/>
+          </a:xfrm>
+        </p:spPr>
+        <p:txBody>
+          <a:bodyPr/>
+          <a:lstStyle/>
+          <a:p>
+            <a:r>
+              <a:rPr lang="en-US" sz="2000" dirty="0" smtClean="0"/>
+              <a:t>Main Functions: </a:t>
+            </a:r>
+            <a:r>
+              <a:rPr lang="en-US" sz="2000" b="0" dirty="0" smtClean="0"/>
+              <a:t>listed in typical order of use</a:t>
+            </a:r>
+          </a:p>
+          <a:p>
+            <a:pPr marL="227013" indent="-227013">
+              <a:buFont typeface="Arial" panose="020B0604020202020204" pitchFamily="34" charset="0"/>
+              <a:buChar char="•"/>
+            </a:pPr>
+            <a:r>
+              <a:rPr lang="en-US" sz="1600" b="0" dirty="0" err="1" smtClean="0"/>
+              <a:t>initDGEobj</a:t>
+            </a:r>
+            <a:r>
+              <a:rPr lang="en-US" sz="1600" b="0" dirty="0" smtClean="0"/>
+              <a:t>: Convert Text Files to RSE data structure</a:t>
+            </a:r>
+          </a:p>
+          <a:p>
+            <a:pPr marL="558801" lvl="2" indent="-227013">
+              <a:spcBef>
+                <a:spcPts val="500"/>
+              </a:spcBef>
+              <a:buFont typeface="Arial" panose="020B0604020202020204" pitchFamily="34" charset="0"/>
+              <a:buChar char="•"/>
+            </a:pPr>
+            <a:r>
+              <a:rPr lang="en-US" sz="1200" b="0" dirty="0" smtClean="0"/>
+              <a:t>Minimally requires Counts, Gene Annotation and Sample Annotation</a:t>
+            </a:r>
+          </a:p>
+          <a:p>
+            <a:pPr marL="558801" lvl="2" indent="-227013">
+              <a:spcBef>
+                <a:spcPts val="500"/>
+              </a:spcBef>
+              <a:buFont typeface="Arial" panose="020B0604020202020204" pitchFamily="34" charset="0"/>
+              <a:buChar char="•"/>
+            </a:pPr>
+            <a:r>
+              <a:rPr lang="en-US" sz="1200" b="0" dirty="0" smtClean="0"/>
+              <a:t>Produces a class </a:t>
+            </a:r>
+            <a:r>
+              <a:rPr lang="en-US" sz="1200" b="0" dirty="0" err="1" smtClean="0"/>
+              <a:t>DGEobj</a:t>
+            </a:r>
+            <a:r>
+              <a:rPr lang="en-US" sz="1200" b="0" dirty="0" smtClean="0"/>
+              <a:t> variable</a:t>
+            </a:r>
+            <a:endParaRPr lang="en-US" sz="1200" b="0" dirty="0"/>
+          </a:p>
+          <a:p>
+            <a:pPr marL="227013" indent="-227013">
+              <a:buFont typeface="Arial" panose="020B0604020202020204" pitchFamily="34" charset="0"/>
+              <a:buChar char="•"/>
+            </a:pPr>
+            <a:r>
+              <a:rPr lang="en-US" sz="1600" b="0" dirty="0" smtClean="0"/>
+              <a:t>runEdgeRNorm:  Perform </a:t>
+            </a:r>
+            <a:r>
+              <a:rPr lang="en-US" sz="1600" b="0" dirty="0" err="1" smtClean="0"/>
+              <a:t>edgeR</a:t>
+            </a:r>
+            <a:r>
+              <a:rPr lang="en-US" sz="1600" b="0" dirty="0" smtClean="0"/>
+              <a:t> TMM normalization</a:t>
+            </a:r>
+          </a:p>
+          <a:p>
+            <a:pPr marL="558801" lvl="2" indent="-227013">
+              <a:spcBef>
+                <a:spcPts val="500"/>
+              </a:spcBef>
+              <a:buFont typeface="Arial" panose="020B0604020202020204" pitchFamily="34" charset="0"/>
+              <a:buChar char="•"/>
+            </a:pPr>
+            <a:r>
+              <a:rPr lang="en-US" sz="1200" b="0" dirty="0"/>
+              <a:t>Requires an </a:t>
+            </a:r>
+            <a:r>
+              <a:rPr lang="en-US" sz="1200" b="0" dirty="0" err="1" smtClean="0"/>
+              <a:t>DGEobj</a:t>
+            </a:r>
+            <a:endParaRPr lang="en-US" sz="1200" b="0" dirty="0"/>
+          </a:p>
+          <a:p>
+            <a:pPr marL="558801" lvl="2" indent="-227013">
+              <a:spcBef>
+                <a:spcPts val="500"/>
+              </a:spcBef>
+              <a:buFont typeface="Arial" panose="020B0604020202020204" pitchFamily="34" charset="0"/>
+              <a:buChar char="•"/>
+            </a:pPr>
+            <a:r>
+              <a:rPr lang="en-US" sz="1200" b="0" dirty="0" smtClean="0"/>
+              <a:t>Add an </a:t>
+            </a:r>
+            <a:r>
+              <a:rPr lang="en-US" sz="1200" b="0" dirty="0" err="1" smtClean="0"/>
+              <a:t>edgeR</a:t>
+            </a:r>
+            <a:r>
+              <a:rPr lang="en-US" sz="1200" b="0" dirty="0" smtClean="0"/>
+              <a:t> </a:t>
+            </a:r>
+            <a:r>
+              <a:rPr lang="en-US" sz="1200" b="0" dirty="0" err="1" smtClean="0"/>
+              <a:t>DGEList</a:t>
+            </a:r>
+            <a:r>
+              <a:rPr lang="en-US" sz="1200" b="0" dirty="0" smtClean="0"/>
+              <a:t> object containing counts and </a:t>
+            </a:r>
+            <a:r>
+              <a:rPr lang="en-US" sz="1200" b="0" dirty="0" err="1" smtClean="0"/>
+              <a:t>normFactors</a:t>
+            </a:r>
+            <a:endParaRPr lang="en-US" sz="1200" b="0" dirty="0"/>
+          </a:p>
+          <a:p>
+            <a:pPr marL="227013" indent="-227013">
+              <a:buFont typeface="Arial" panose="020B0604020202020204" pitchFamily="34" charset="0"/>
+              <a:buChar char="•"/>
+            </a:pPr>
+            <a:r>
+              <a:rPr lang="en-US" sz="1600" b="0" dirty="0" err="1"/>
+              <a:t>runVoom</a:t>
+            </a:r>
+            <a:r>
+              <a:rPr lang="en-US" sz="1600" b="0" dirty="0"/>
+              <a:t>: run </a:t>
+            </a:r>
+            <a:r>
+              <a:rPr lang="en-US" sz="1600" b="0" dirty="0" err="1"/>
+              <a:t>limma</a:t>
+            </a:r>
+            <a:r>
+              <a:rPr lang="en-US" sz="1600" b="0" dirty="0"/>
+              <a:t> </a:t>
+            </a:r>
+            <a:r>
+              <a:rPr lang="en-US" sz="1600" b="0" dirty="0" err="1"/>
+              <a:t>voom</a:t>
+            </a:r>
+            <a:r>
+              <a:rPr lang="en-US" sz="1600" b="0" dirty="0"/>
+              <a:t> and </a:t>
+            </a:r>
+            <a:r>
+              <a:rPr lang="en-US" sz="1600" b="0" dirty="0" err="1" smtClean="0"/>
+              <a:t>lmFit</a:t>
+            </a:r>
+            <a:endParaRPr lang="en-US" sz="1600" b="0" dirty="0"/>
+          </a:p>
+          <a:p>
+            <a:pPr marL="558801" lvl="2" indent="-227013">
+              <a:spcBef>
+                <a:spcPts val="500"/>
+              </a:spcBef>
+              <a:buFont typeface="Arial" panose="020B0604020202020204" pitchFamily="34" charset="0"/>
+              <a:buChar char="•"/>
+            </a:pPr>
+            <a:r>
+              <a:rPr lang="en-US" sz="1200" b="0" dirty="0"/>
+              <a:t>Require an </a:t>
+            </a:r>
+            <a:r>
+              <a:rPr lang="en-US" sz="1200" b="0" dirty="0" err="1" smtClean="0"/>
+              <a:t>DGEobj</a:t>
+            </a:r>
+            <a:r>
+              <a:rPr lang="en-US" sz="1200" b="0" dirty="0" smtClean="0"/>
+              <a:t> (with </a:t>
+            </a:r>
+            <a:r>
+              <a:rPr lang="en-US" sz="1200" b="0" dirty="0" err="1" smtClean="0"/>
+              <a:t>DGEList</a:t>
+            </a:r>
+            <a:r>
+              <a:rPr lang="en-US" sz="1200" b="0" dirty="0" smtClean="0"/>
+              <a:t>), and design matrix </a:t>
+            </a:r>
+          </a:p>
+          <a:p>
+            <a:pPr marL="558801" lvl="2" indent="-227013">
+              <a:spcBef>
+                <a:spcPts val="500"/>
+              </a:spcBef>
+              <a:buFont typeface="Arial" panose="020B0604020202020204" pitchFamily="34" charset="0"/>
+              <a:buChar char="•"/>
+            </a:pPr>
+            <a:r>
+              <a:rPr lang="en-US" sz="1200" b="0" dirty="0" smtClean="0"/>
+              <a:t>Fits </a:t>
+            </a:r>
+            <a:r>
+              <a:rPr lang="en-US" sz="1200" b="0" dirty="0"/>
+              <a:t>the model and adds the Fit object to the </a:t>
+            </a:r>
+            <a:r>
+              <a:rPr lang="en-US" sz="1200" b="0" dirty="0" err="1" smtClean="0"/>
+              <a:t>DGEobj</a:t>
+            </a:r>
+            <a:endParaRPr lang="en-US" sz="1200" b="0" dirty="0"/>
+          </a:p>
+          <a:p>
+            <a:pPr marL="558801" lvl="2" indent="-227013">
+              <a:spcBef>
+                <a:spcPts val="500"/>
+              </a:spcBef>
+              <a:buFont typeface="Arial" panose="020B0604020202020204" pitchFamily="34" charset="0"/>
+              <a:buChar char="•"/>
+            </a:pPr>
+            <a:r>
+              <a:rPr lang="en-US" sz="1200" b="0" dirty="0"/>
+              <a:t>Optionally supports </a:t>
+            </a:r>
+            <a:r>
+              <a:rPr lang="en-US" sz="1200" b="0" dirty="0" err="1"/>
+              <a:t>QualityWeights</a:t>
+            </a:r>
+            <a:r>
+              <a:rPr lang="en-US" sz="1200" b="0" dirty="0"/>
+              <a:t> and </a:t>
+            </a:r>
+            <a:r>
+              <a:rPr lang="en-US" sz="1200" b="0" dirty="0" err="1"/>
+              <a:t>DuplicateCorrelation</a:t>
+            </a:r>
+            <a:r>
+              <a:rPr lang="en-US" sz="1200" b="0" dirty="0"/>
+              <a:t> analyses</a:t>
+            </a:r>
+          </a:p>
+          <a:p>
+            <a:pPr marL="227013" indent="-227013">
+              <a:buFont typeface="Arial" panose="020B0604020202020204" pitchFamily="34" charset="0"/>
+              <a:buChar char="•"/>
+            </a:pPr>
+            <a:r>
+              <a:rPr lang="en-US" sz="1600" b="0" dirty="0" err="1" smtClean="0"/>
+              <a:t>runSVA</a:t>
+            </a:r>
+            <a:r>
+              <a:rPr lang="en-US" sz="1600" b="0" dirty="0" smtClean="0"/>
+              <a:t>: Surrogate Variable analysis for </a:t>
+            </a:r>
+            <a:r>
+              <a:rPr lang="en-US" sz="1600" b="0" dirty="0" err="1" smtClean="0"/>
+              <a:t>detrending</a:t>
+            </a:r>
+            <a:r>
+              <a:rPr lang="en-US" sz="1600" b="0" dirty="0" smtClean="0"/>
+              <a:t> unknown factors</a:t>
+            </a:r>
+          </a:p>
+          <a:p>
+            <a:pPr marL="558801" lvl="2" indent="-227013">
+              <a:spcBef>
+                <a:spcPts val="500"/>
+              </a:spcBef>
+              <a:buFont typeface="Arial" panose="020B0604020202020204" pitchFamily="34" charset="0"/>
+              <a:buChar char="•"/>
+            </a:pPr>
+            <a:r>
+              <a:rPr lang="en-US" sz="1200" b="0" dirty="0"/>
+              <a:t>Requires </a:t>
+            </a:r>
+            <a:r>
+              <a:rPr lang="en-US" sz="1200" b="0" dirty="0" smtClean="0"/>
+              <a:t>a </a:t>
+            </a:r>
+            <a:r>
+              <a:rPr lang="en-US" sz="1200" b="0" dirty="0" err="1" smtClean="0"/>
+              <a:t>DGEobj</a:t>
+            </a:r>
+            <a:r>
+              <a:rPr lang="en-US" sz="1200" b="0" dirty="0" smtClean="0"/>
+              <a:t> with a Fit object and design matrix  </a:t>
+            </a:r>
+          </a:p>
+          <a:p>
+            <a:pPr marL="558801" lvl="2" indent="-227013">
+              <a:spcBef>
+                <a:spcPts val="500"/>
+              </a:spcBef>
+              <a:buFont typeface="Arial" panose="020B0604020202020204" pitchFamily="34" charset="0"/>
+              <a:buChar char="•"/>
+            </a:pPr>
+            <a:r>
+              <a:rPr lang="en-US" sz="1200" b="0" dirty="0" smtClean="0"/>
+              <a:t>Adds </a:t>
+            </a:r>
+            <a:r>
+              <a:rPr lang="en-US" sz="1200" b="0" dirty="0"/>
+              <a:t>surrogate factors to </a:t>
+            </a:r>
+            <a:r>
+              <a:rPr lang="en-US" sz="1200" b="0" dirty="0" smtClean="0"/>
+              <a:t>the design matrix</a:t>
+            </a:r>
+          </a:p>
+          <a:p>
+            <a:pPr marL="558801" lvl="2" indent="-227013">
+              <a:spcBef>
+                <a:spcPts val="500"/>
+              </a:spcBef>
+              <a:buFont typeface="Arial" panose="020B0604020202020204" pitchFamily="34" charset="0"/>
+              <a:buChar char="•"/>
+            </a:pPr>
+            <a:r>
+              <a:rPr lang="en-US" sz="1200" b="0" dirty="0" smtClean="0"/>
+              <a:t>Captures the </a:t>
+            </a:r>
+            <a:r>
+              <a:rPr lang="en-US" sz="1200" b="0" dirty="0" err="1" smtClean="0"/>
+              <a:t>svobj</a:t>
+            </a:r>
+            <a:r>
+              <a:rPr lang="en-US" sz="1200" b="0" dirty="0" smtClean="0"/>
+              <a:t> for further inspection</a:t>
+            </a:r>
+            <a:endParaRPr lang="en-US" sz="1200" b="0" dirty="0"/>
+          </a:p>
+          <a:p>
+            <a:pPr marL="227013" indent="-227013">
+              <a:buFont typeface="Arial" panose="020B0604020202020204" pitchFamily="34" charset="0"/>
+              <a:buChar char="•"/>
+            </a:pPr>
+            <a:r>
+              <a:rPr lang="en-US" sz="1600" b="0" dirty="0" err="1" smtClean="0"/>
+              <a:t>runContrasts</a:t>
+            </a:r>
+            <a:r>
+              <a:rPr lang="en-US" sz="1600" b="0" dirty="0" smtClean="0"/>
+              <a:t>: run multiple contrasts against the </a:t>
+            </a:r>
+            <a:r>
+              <a:rPr lang="en-US" sz="1600" b="0" dirty="0" err="1" smtClean="0"/>
+              <a:t>lmFit</a:t>
+            </a:r>
+            <a:r>
+              <a:rPr lang="en-US" sz="1600" b="0" dirty="0" smtClean="0"/>
+              <a:t> Fit object</a:t>
+            </a:r>
+          </a:p>
+          <a:p>
+            <a:pPr marL="558801" lvl="2" indent="-227013">
+              <a:spcBef>
+                <a:spcPts val="500"/>
+              </a:spcBef>
+              <a:buFont typeface="Arial" panose="020B0604020202020204" pitchFamily="34" charset="0"/>
+              <a:buChar char="•"/>
+            </a:pPr>
+            <a:r>
+              <a:rPr lang="en-US" sz="1200" b="0" dirty="0"/>
+              <a:t>Requires </a:t>
+            </a:r>
+            <a:r>
+              <a:rPr lang="en-US" sz="1200" b="0" dirty="0" smtClean="0"/>
+              <a:t>a </a:t>
+            </a:r>
+            <a:r>
+              <a:rPr lang="en-US" sz="1200" b="0" dirty="0" err="1" smtClean="0"/>
+              <a:t>DGEobj</a:t>
+            </a:r>
+            <a:r>
+              <a:rPr lang="en-US" sz="1200" b="0" dirty="0" smtClean="0"/>
+              <a:t> with </a:t>
+            </a:r>
+            <a:r>
+              <a:rPr lang="en-US" sz="1200" b="0" dirty="0"/>
+              <a:t>Fit; </a:t>
+            </a:r>
+            <a:r>
+              <a:rPr lang="en-US" sz="1200" b="0" dirty="0" smtClean="0"/>
+              <a:t>Adds </a:t>
+            </a:r>
+            <a:r>
+              <a:rPr lang="en-US" sz="1200" b="0" dirty="0" err="1" smtClean="0"/>
+              <a:t>topTable</a:t>
+            </a:r>
+            <a:r>
+              <a:rPr lang="en-US" sz="1200" b="0" dirty="0" smtClean="0"/>
+              <a:t> </a:t>
+            </a:r>
+            <a:r>
+              <a:rPr lang="en-US" sz="1200" b="0" dirty="0"/>
+              <a:t>and </a:t>
+            </a:r>
+            <a:r>
+              <a:rPr lang="en-US" sz="1200" b="0" dirty="0" err="1"/>
+              <a:t>topTreat</a:t>
+            </a:r>
+            <a:r>
+              <a:rPr lang="en-US" sz="1200" b="0" dirty="0"/>
+              <a:t> contrast </a:t>
+            </a:r>
+            <a:r>
+              <a:rPr lang="en-US" sz="1200" b="0" dirty="0" smtClean="0"/>
+              <a:t>tables</a:t>
+            </a:r>
+            <a:endParaRPr lang="en-US" sz="1800" b="0" dirty="0"/>
+          </a:p>
+          <a:p>
+            <a:pPr marL="227013" lvl="1" indent="-227013">
+              <a:spcBef>
+                <a:spcPts val="500"/>
+              </a:spcBef>
+              <a:buFont typeface="Arial" panose="020B0604020202020204" pitchFamily="34" charset="0"/>
+              <a:buChar char="•"/>
+            </a:pPr>
+            <a:r>
+              <a:rPr lang="en-US" sz="1600" b="0" dirty="0" err="1">
+                <a:solidFill>
+                  <a:srgbClr val="0066CC"/>
+                </a:solidFill>
+                <a:ea typeface="+mn-ea"/>
+                <a:cs typeface="+mn-cs"/>
+              </a:rPr>
+              <a:t>runQvalue</a:t>
+            </a:r>
+            <a:r>
+              <a:rPr lang="en-US" sz="1600" b="0" dirty="0">
+                <a:solidFill>
+                  <a:srgbClr val="0066CC"/>
+                </a:solidFill>
+                <a:ea typeface="+mn-ea"/>
+                <a:cs typeface="+mn-cs"/>
+              </a:rPr>
+              <a:t>, </a:t>
+            </a:r>
+            <a:r>
+              <a:rPr lang="en-US" sz="1600" b="0" dirty="0" err="1">
+                <a:solidFill>
+                  <a:srgbClr val="0066CC"/>
+                </a:solidFill>
+                <a:ea typeface="+mn-ea"/>
+                <a:cs typeface="+mn-cs"/>
+              </a:rPr>
+              <a:t>runIHW</a:t>
+            </a:r>
+            <a:r>
+              <a:rPr lang="en-US" sz="1600" b="0" dirty="0">
+                <a:solidFill>
+                  <a:srgbClr val="0066CC"/>
+                </a:solidFill>
+                <a:ea typeface="+mn-ea"/>
+                <a:cs typeface="+mn-cs"/>
+              </a:rPr>
+              <a:t>:  </a:t>
+            </a:r>
+            <a:r>
+              <a:rPr lang="en-US" sz="1600" b="0" dirty="0" smtClean="0">
+                <a:solidFill>
+                  <a:srgbClr val="0066CC"/>
+                </a:solidFill>
+                <a:ea typeface="+mn-ea"/>
+                <a:cs typeface="+mn-cs"/>
+              </a:rPr>
+              <a:t>Provide Alternative </a:t>
+            </a:r>
+            <a:r>
+              <a:rPr lang="en-US" sz="1600" b="0" dirty="0">
+                <a:solidFill>
+                  <a:srgbClr val="0066CC"/>
+                </a:solidFill>
+                <a:ea typeface="+mn-ea"/>
+                <a:cs typeface="+mn-cs"/>
+              </a:rPr>
+              <a:t>FDR methods</a:t>
+            </a:r>
+          </a:p>
+        </p:txBody>
+      </p:sp>
+      <p:sp>
+        <p:nvSpPr>
+          <p:cNvPr id="4" name="Footer Placeholder 3"/>
+          <p:cNvSpPr>
+            <a:spLocks noGrp="1"/>
+          </p:cNvSpPr>
+          <p:nvPr>
+            <p:ph type="ftr" sz="quarter" idx="11"/>
+          </p:nvPr>
+        </p:nvSpPr>
+        <p:spPr/>
+        <p:txBody>
+          <a:bodyPr/>
+          <a:lstStyle/>
+          <a:p>
+            <a:r>
+              <a:rPr lang="en-US" smtClean="0"/>
+              <a:t>BMS Confidential</a:t>
+            </a:r>
+            <a:endParaRPr lang="en-US"/>
+          </a:p>
+        </p:txBody>
+      </p:sp>
+    </p:spTree>
+    <p:extLst>
+      <p:ext uri="{BB962C8B-B14F-4D97-AF65-F5344CB8AC3E}">
+        <p14:creationId xmlns:p14="http://schemas.microsoft.com/office/powerpoint/2010/main" val="4186631559"/>
+      </p:ext>
+    </p:extLst>
+  </p:cSld>
+  <p:clrMapOvr>
+    <a:masterClrMapping/>
+  </p:clrMapOvr>
+  <p:transition>
+    <p:wipe dir="r"/>
+  </p:transition>
+  <p:timing>
+    <p:tnLst>
+      <p:par>
+        <p:cTn id="1" dur="indefinite" restart="never" nodeType="tmRoot"/>
+      </p:par>
+    </p:tnLst>
+  </p:timing>
+</p:sld>
+</file>
+
+<file path=ppt/slides/slide11.xml><?xml version="1.0" encoding="utf-8"?>
+<p:sld xmlns:a="http://schemas.openxmlformats.org/drawingml/2006/main" xmlns:r="http://schemas.openxmlformats.org/officeDocument/2006/relationships" xmlns:p="http://schemas.openxmlformats.org/presentationml/2006/main">
+  <p:cSld>
+    <p:spTree>
+      <p:nvGrpSpPr>
+        <p:cNvPr id="1" name=""/>
+        <p:cNvGrpSpPr/>
+        <p:nvPr/>
+      </p:nvGrpSpPr>
+      <p:grpSpPr>
+        <a:xfrm>
+          <a:off x="0" y="0"/>
+          <a:ext cx="0" cy="0"/>
+          <a:chOff x="0" y="0"/>
+          <a:chExt cx="0" cy="0"/>
+        </a:xfrm>
+      </p:grpSpPr>
+      <p:sp>
+        <p:nvSpPr>
+          <p:cNvPr id="2" name="Title 1"/>
+          <p:cNvSpPr>
+            <a:spLocks noGrp="1"/>
+          </p:cNvSpPr>
+          <p:nvPr>
+            <p:ph type="title"/>
+          </p:nvPr>
+        </p:nvSpPr>
+        <p:spPr/>
+        <p:txBody>
+          <a:bodyPr/>
+          <a:lstStyle/>
+          <a:p>
+            <a:r>
+              <a:rPr lang="en-US" dirty="0" err="1" smtClean="0"/>
+              <a:t>DGE.Tools</a:t>
+            </a:r>
+            <a:r>
+              <a:rPr lang="en-US" dirty="0" smtClean="0"/>
+              <a:t>: DGE Plotting Functions</a:t>
+            </a:r>
+            <a:endParaRPr lang="en-US" dirty="0"/>
+          </a:p>
+        </p:txBody>
+      </p:sp>
+      <p:sp>
+        <p:nvSpPr>
+          <p:cNvPr id="3" name="Content Placeholder 2"/>
+          <p:cNvSpPr>
+            <a:spLocks noGrp="1"/>
+          </p:cNvSpPr>
+          <p:nvPr>
+            <p:ph idx="1"/>
+          </p:nvPr>
+        </p:nvSpPr>
+        <p:spPr>
+          <a:xfrm>
+            <a:off x="685800" y="1302037"/>
+            <a:ext cx="7769225" cy="4785756"/>
+          </a:xfrm>
+        </p:spPr>
+        <p:txBody>
+          <a:bodyPr/>
+          <a:lstStyle/>
+          <a:p>
+            <a:r>
+              <a:rPr lang="en-US" dirty="0" smtClean="0"/>
+              <a:t>QC Plots:</a:t>
+            </a:r>
+          </a:p>
+          <a:p>
+            <a:pPr marL="457200" indent="-457200">
+              <a:buFont typeface="Arial" panose="020B0604020202020204" pitchFamily="34" charset="0"/>
+              <a:buChar char="•"/>
+            </a:pPr>
+            <a:r>
+              <a:rPr lang="en-US" sz="1800" b="0" dirty="0" err="1" smtClean="0"/>
+              <a:t>plotDisp</a:t>
+            </a:r>
+            <a:r>
+              <a:rPr lang="en-US" sz="1800" b="0" dirty="0" smtClean="0"/>
+              <a:t>: </a:t>
+            </a:r>
+            <a:r>
+              <a:rPr lang="en-US" sz="1800" b="0" dirty="0" err="1" smtClean="0"/>
+              <a:t>ggplot</a:t>
+            </a:r>
+            <a:r>
+              <a:rPr lang="en-US" sz="1800" b="0" dirty="0" smtClean="0"/>
+              <a:t> version of </a:t>
+            </a:r>
+            <a:r>
+              <a:rPr lang="en-US" sz="1800" b="0" dirty="0" err="1" smtClean="0"/>
+              <a:t>EdgeR</a:t>
+            </a:r>
+            <a:r>
+              <a:rPr lang="en-US" sz="1800" b="0" dirty="0" smtClean="0"/>
+              <a:t> dispersion plot</a:t>
+            </a:r>
+            <a:endParaRPr lang="en-US" sz="1800" b="0" dirty="0"/>
+          </a:p>
+          <a:p>
+            <a:pPr marL="457200" indent="-457200">
+              <a:buFont typeface="Arial" panose="020B0604020202020204" pitchFamily="34" charset="0"/>
+              <a:buChar char="•"/>
+            </a:pPr>
+            <a:r>
+              <a:rPr lang="en-US" sz="1800" b="0" dirty="0" smtClean="0"/>
+              <a:t>Mean-variance:  </a:t>
+            </a:r>
+            <a:r>
+              <a:rPr lang="en-US" sz="1800" b="0" dirty="0" err="1" smtClean="0"/>
+              <a:t>voom</a:t>
+            </a:r>
+            <a:r>
+              <a:rPr lang="en-US" sz="1800" b="0" dirty="0" smtClean="0"/>
+              <a:t> mean variance plots</a:t>
+            </a:r>
+          </a:p>
+          <a:p>
+            <a:pPr marL="457200" indent="-457200">
+              <a:buFont typeface="Arial" panose="020B0604020202020204" pitchFamily="34" charset="0"/>
+              <a:buChar char="•"/>
+            </a:pPr>
+            <a:r>
+              <a:rPr lang="en-US" sz="1800" b="0" dirty="0" smtClean="0"/>
+              <a:t>Quality Weights: </a:t>
+            </a:r>
+            <a:r>
+              <a:rPr lang="en-US" sz="1800" b="0" dirty="0" err="1" smtClean="0"/>
+              <a:t>voom</a:t>
+            </a:r>
+            <a:r>
+              <a:rPr lang="en-US" sz="1800" b="0" dirty="0" smtClean="0"/>
+              <a:t> </a:t>
+            </a:r>
+            <a:r>
+              <a:rPr lang="en-US" sz="1800" b="0" dirty="0" err="1" smtClean="0"/>
+              <a:t>barplot</a:t>
+            </a:r>
+            <a:r>
+              <a:rPr lang="en-US" sz="1800" b="0" dirty="0" smtClean="0"/>
+              <a:t> of quality weights</a:t>
+            </a:r>
+          </a:p>
+          <a:p>
+            <a:pPr marL="457200" indent="-457200">
+              <a:buFont typeface="Arial" panose="020B0604020202020204" pitchFamily="34" charset="0"/>
+              <a:buChar char="•"/>
+            </a:pPr>
+            <a:r>
+              <a:rPr lang="en-US" sz="1800" b="0" dirty="0" err="1" smtClean="0"/>
+              <a:t>plotPvalHist</a:t>
+            </a:r>
+            <a:r>
+              <a:rPr lang="en-US" sz="1800" b="0" dirty="0" smtClean="0"/>
+              <a:t>: evaluate distribution of </a:t>
+            </a:r>
+            <a:r>
+              <a:rPr lang="en-US" sz="1800" b="0" dirty="0" err="1" smtClean="0"/>
+              <a:t>pvalues</a:t>
+            </a:r>
+            <a:endParaRPr lang="en-US" sz="1800" b="0" dirty="0" smtClean="0"/>
+          </a:p>
+          <a:p>
+            <a:pPr marL="457200" indent="-457200">
+              <a:buFont typeface="Arial" panose="020B0604020202020204" pitchFamily="34" charset="0"/>
+              <a:buChar char="•"/>
+            </a:pPr>
+            <a:r>
+              <a:rPr lang="en-US" sz="1800" b="0" dirty="0" err="1" smtClean="0"/>
+              <a:t>plotCDF</a:t>
+            </a:r>
+            <a:r>
+              <a:rPr lang="en-US" sz="1800" b="0" dirty="0" smtClean="0"/>
+              <a:t>: alternative way to evaluate </a:t>
+            </a:r>
+            <a:r>
+              <a:rPr lang="en-US" sz="1800" b="0" dirty="0" err="1" smtClean="0"/>
+              <a:t>pvalue</a:t>
+            </a:r>
+            <a:r>
+              <a:rPr lang="en-US" sz="1800" b="0" dirty="0" smtClean="0"/>
+              <a:t> distributions</a:t>
+            </a:r>
+          </a:p>
+          <a:p>
+            <a:r>
+              <a:rPr lang="en-US" dirty="0" smtClean="0"/>
+              <a:t>Data Exploration Plots</a:t>
+            </a:r>
+          </a:p>
+          <a:p>
+            <a:pPr marL="457200" indent="-457200">
+              <a:buFont typeface="Arial" panose="020B0604020202020204" pitchFamily="34" charset="0"/>
+              <a:buChar char="•"/>
+            </a:pPr>
+            <a:r>
+              <a:rPr lang="en-US" sz="2000" b="0" dirty="0" err="1" smtClean="0"/>
+              <a:t>profilePlot</a:t>
+            </a:r>
+            <a:r>
+              <a:rPr lang="en-US" sz="2000" b="0" dirty="0" smtClean="0"/>
+              <a:t>:  </a:t>
+            </a:r>
+            <a:r>
+              <a:rPr lang="en-US" sz="2000" b="0" dirty="0" err="1" smtClean="0"/>
+              <a:t>LogIntensity</a:t>
+            </a:r>
+            <a:r>
+              <a:rPr lang="en-US" sz="2000" b="0" dirty="0" smtClean="0"/>
+              <a:t> vs </a:t>
+            </a:r>
+            <a:r>
+              <a:rPr lang="en-US" sz="2000" b="0" dirty="0" err="1" smtClean="0"/>
+              <a:t>LogRatio</a:t>
+            </a:r>
+            <a:endParaRPr lang="en-US" sz="2000" b="0" dirty="0" smtClean="0"/>
+          </a:p>
+          <a:p>
+            <a:pPr marL="457200" indent="-457200">
+              <a:buFont typeface="Arial" panose="020B0604020202020204" pitchFamily="34" charset="0"/>
+              <a:buChar char="•"/>
+            </a:pPr>
+            <a:r>
+              <a:rPr lang="en-US" sz="2000" b="0" dirty="0" err="1" smtClean="0"/>
+              <a:t>volcanoPlot</a:t>
+            </a:r>
+            <a:r>
+              <a:rPr lang="en-US" sz="2000" b="0" dirty="0" smtClean="0"/>
+              <a:t>: </a:t>
+            </a:r>
+            <a:r>
+              <a:rPr lang="en-US" sz="2000" b="0" dirty="0" err="1" smtClean="0"/>
+              <a:t>LogRatio</a:t>
+            </a:r>
+            <a:r>
+              <a:rPr lang="en-US" sz="2000" b="0" dirty="0" smtClean="0"/>
+              <a:t> vs </a:t>
+            </a:r>
+            <a:r>
+              <a:rPr lang="en-US" sz="2000" b="0" dirty="0" err="1" smtClean="0"/>
+              <a:t>NegLogPval</a:t>
+            </a:r>
+            <a:endParaRPr lang="en-US" sz="2000" b="0" dirty="0" smtClean="0"/>
+          </a:p>
+          <a:p>
+            <a:pPr marL="457200" indent="-457200">
+              <a:buFont typeface="Arial" panose="020B0604020202020204" pitchFamily="34" charset="0"/>
+              <a:buChar char="•"/>
+            </a:pPr>
+            <a:r>
+              <a:rPr lang="en-US" sz="2000" b="0" dirty="0" err="1" smtClean="0"/>
+              <a:t>comparePlot</a:t>
+            </a:r>
+            <a:r>
+              <a:rPr lang="en-US" sz="2000" b="0" dirty="0" smtClean="0"/>
+              <a:t>: </a:t>
+            </a:r>
+            <a:r>
+              <a:rPr lang="en-US" sz="2000" b="0" dirty="0" err="1" smtClean="0"/>
+              <a:t>LogRatio</a:t>
+            </a:r>
+            <a:r>
+              <a:rPr lang="en-US" sz="2000" b="0" dirty="0" smtClean="0"/>
+              <a:t> of 2 treatment groups</a:t>
+            </a:r>
+          </a:p>
+          <a:p>
+            <a:pPr marL="457200" indent="-457200">
+              <a:buFont typeface="Arial" panose="020B0604020202020204" pitchFamily="34" charset="0"/>
+              <a:buChar char="•"/>
+            </a:pPr>
+            <a:r>
+              <a:rPr lang="en-US" sz="2000" b="0" dirty="0" err="1" smtClean="0"/>
+              <a:t>JRT_heatmap</a:t>
+            </a:r>
+            <a:r>
+              <a:rPr lang="en-US" sz="2000" b="0" dirty="0" smtClean="0"/>
+              <a:t>: Convenience wrapper for </a:t>
+            </a:r>
+            <a:r>
+              <a:rPr lang="en-US" sz="2000" b="0" dirty="0" err="1" smtClean="0"/>
+              <a:t>pheatmap</a:t>
+            </a:r>
+            <a:r>
+              <a:rPr lang="en-US" sz="2000" b="0" dirty="0" smtClean="0"/>
+              <a:t> function</a:t>
+            </a:r>
+          </a:p>
+          <a:p>
+            <a:pPr marL="457200" indent="-457200">
+              <a:buFont typeface="Arial" panose="020B0604020202020204" pitchFamily="34" charset="0"/>
+              <a:buChar char="•"/>
+            </a:pPr>
+            <a:endParaRPr lang="en-US" sz="2000" b="0" dirty="0"/>
+          </a:p>
+        </p:txBody>
+      </p:sp>
+      <p:sp>
+        <p:nvSpPr>
+          <p:cNvPr id="4" name="Footer Placeholder 3"/>
+          <p:cNvSpPr>
+            <a:spLocks noGrp="1"/>
+          </p:cNvSpPr>
+          <p:nvPr>
+            <p:ph type="ftr" sz="quarter" idx="11"/>
+          </p:nvPr>
+        </p:nvSpPr>
+        <p:spPr/>
+        <p:txBody>
+          <a:bodyPr/>
+          <a:lstStyle/>
+          <a:p>
+            <a:r>
+              <a:rPr lang="en-US" smtClean="0"/>
+              <a:t>BMS Confidential</a:t>
+            </a:r>
+            <a:endParaRPr lang="en-US"/>
+          </a:p>
+        </p:txBody>
+      </p:sp>
+    </p:spTree>
+    <p:extLst>
+      <p:ext uri="{BB962C8B-B14F-4D97-AF65-F5344CB8AC3E}">
+        <p14:creationId xmlns:p14="http://schemas.microsoft.com/office/powerpoint/2010/main" val="3947087361"/>
+      </p:ext>
+    </p:extLst>
+  </p:cSld>
+  <p:clrMapOvr>
+    <a:masterClrMapping/>
+  </p:clrMapOvr>
+  <p:transition>
+    <p:wipe dir="r"/>
+  </p:transition>
+  <p:timing>
+    <p:tnLst>
+      <p:par>
+        <p:cTn id="1" dur="indefinite" restart="never" nodeType="tmRoot"/>
+      </p:par>
+    </p:tnLst>
+  </p:timing>
+</p:sld>
+</file>
+
+<file path=ppt/slides/slide12.xml><?xml version="1.0" encoding="utf-8"?>
+<p:sld xmlns:a="http://schemas.openxmlformats.org/drawingml/2006/main" xmlns:r="http://schemas.openxmlformats.org/officeDocument/2006/relationships" xmlns:p="http://schemas.openxmlformats.org/presentationml/2006/main">
+  <p:cSld>
+    <p:spTree>
+      <p:nvGrpSpPr>
+        <p:cNvPr id="1" name=""/>
+        <p:cNvGrpSpPr/>
+        <p:nvPr/>
+      </p:nvGrpSpPr>
+      <p:grpSpPr>
+        <a:xfrm>
+          <a:off x="0" y="0"/>
+          <a:ext cx="0" cy="0"/>
+          <a:chOff x="0" y="0"/>
+          <a:chExt cx="0" cy="0"/>
+        </a:xfrm>
+      </p:grpSpPr>
+      <p:sp>
+        <p:nvSpPr>
+          <p:cNvPr id="2" name="Title 1"/>
+          <p:cNvSpPr>
+            <a:spLocks noGrp="1"/>
+          </p:cNvSpPr>
+          <p:nvPr>
+            <p:ph type="title"/>
+          </p:nvPr>
+        </p:nvSpPr>
+        <p:spPr/>
+        <p:txBody>
+          <a:bodyPr/>
+          <a:lstStyle/>
+          <a:p>
+            <a:r>
+              <a:rPr lang="en-US" dirty="0" smtClean="0"/>
+              <a:t>Basic </a:t>
+            </a:r>
+            <a:r>
+              <a:rPr lang="en-US" dirty="0" err="1" smtClean="0"/>
+              <a:t>Voom</a:t>
+            </a:r>
+            <a:r>
+              <a:rPr lang="en-US" dirty="0" smtClean="0"/>
+              <a:t> – </a:t>
+            </a:r>
+            <a:r>
+              <a:rPr lang="en-US" dirty="0" err="1" smtClean="0"/>
+              <a:t>lmFit</a:t>
+            </a:r>
+            <a:r>
+              <a:rPr lang="en-US" dirty="0" smtClean="0"/>
+              <a:t> pipeline</a:t>
+            </a:r>
+            <a:endParaRPr lang="en-US" dirty="0"/>
+          </a:p>
+        </p:txBody>
+      </p:sp>
+      <p:sp>
+        <p:nvSpPr>
+          <p:cNvPr id="3" name="Content Placeholder 2"/>
+          <p:cNvSpPr>
+            <a:spLocks noGrp="1"/>
+          </p:cNvSpPr>
+          <p:nvPr>
+            <p:ph idx="1"/>
+          </p:nvPr>
+        </p:nvSpPr>
+        <p:spPr>
+          <a:xfrm>
+            <a:off x="684213" y="1377538"/>
+            <a:ext cx="8127278" cy="3757170"/>
+          </a:xfrm>
+        </p:spPr>
+        <p:txBody>
+          <a:bodyPr/>
+          <a:lstStyle/>
+          <a:p>
+            <a:r>
+              <a:rPr lang="en-US" dirty="0" err="1" smtClean="0"/>
+              <a:t>MyFit</a:t>
+            </a:r>
+            <a:r>
+              <a:rPr lang="en-US" dirty="0" smtClean="0"/>
+              <a:t> &lt;- Counts %&gt;% </a:t>
+            </a:r>
+          </a:p>
+          <a:p>
+            <a:r>
+              <a:rPr lang="en-US" dirty="0"/>
+              <a:t>	</a:t>
+            </a:r>
+            <a:r>
+              <a:rPr lang="en-US" dirty="0" smtClean="0"/>
+              <a:t>edger::</a:t>
+            </a:r>
+            <a:r>
+              <a:rPr lang="en-US" dirty="0" err="1" smtClean="0"/>
+              <a:t>calcNormFactors</a:t>
+            </a:r>
+            <a:r>
+              <a:rPr lang="en-US" dirty="0" smtClean="0"/>
+              <a:t>() %&gt;%</a:t>
+            </a:r>
+          </a:p>
+          <a:p>
+            <a:r>
+              <a:rPr lang="en-US" dirty="0"/>
+              <a:t>	</a:t>
+            </a:r>
+            <a:r>
+              <a:rPr lang="en-US" dirty="0" err="1" smtClean="0"/>
+              <a:t>limma</a:t>
+            </a:r>
+            <a:r>
+              <a:rPr lang="en-US" dirty="0" smtClean="0"/>
+              <a:t>::</a:t>
+            </a:r>
+            <a:r>
+              <a:rPr lang="en-US" dirty="0" err="1" smtClean="0"/>
+              <a:t>voom</a:t>
+            </a:r>
+            <a:r>
+              <a:rPr lang="en-US" dirty="0" smtClean="0"/>
+              <a:t>(design=</a:t>
+            </a:r>
+            <a:r>
+              <a:rPr lang="en-US" dirty="0" err="1" smtClean="0"/>
+              <a:t>mydesignmatrix</a:t>
+            </a:r>
+            <a:r>
+              <a:rPr lang="en-US" dirty="0" smtClean="0"/>
+              <a:t>) %&gt;%</a:t>
+            </a:r>
+          </a:p>
+          <a:p>
+            <a:r>
+              <a:rPr lang="en-US" dirty="0"/>
+              <a:t>	</a:t>
+            </a:r>
+            <a:r>
+              <a:rPr lang="en-US" dirty="0" err="1" smtClean="0"/>
+              <a:t>limma</a:t>
+            </a:r>
+            <a:r>
+              <a:rPr lang="en-US" dirty="0" smtClean="0"/>
+              <a:t>::</a:t>
+            </a:r>
+            <a:r>
+              <a:rPr lang="en-US" dirty="0" err="1" smtClean="0"/>
+              <a:t>lmFit</a:t>
+            </a:r>
+            <a:r>
+              <a:rPr lang="en-US" dirty="0" smtClean="0"/>
+              <a:t> (design=</a:t>
+            </a:r>
+            <a:r>
+              <a:rPr lang="en-US" dirty="0" err="1" smtClean="0"/>
+              <a:t>mydesignmatrix</a:t>
+            </a:r>
+            <a:r>
+              <a:rPr lang="en-US" dirty="0" smtClean="0"/>
+              <a:t>)</a:t>
+            </a:r>
+          </a:p>
+          <a:p>
+            <a:endParaRPr lang="en-US" dirty="0"/>
+          </a:p>
+          <a:p>
+            <a:r>
+              <a:rPr lang="en-US" dirty="0" err="1" smtClean="0"/>
+              <a:t>MyContrasts</a:t>
+            </a:r>
+            <a:r>
+              <a:rPr lang="en-US" dirty="0" smtClean="0"/>
+              <a:t> &lt;- </a:t>
+            </a:r>
+            <a:r>
+              <a:rPr lang="en-US" dirty="0" err="1" smtClean="0"/>
+              <a:t>topTable</a:t>
+            </a:r>
+            <a:r>
+              <a:rPr lang="en-US" dirty="0" smtClean="0"/>
+              <a:t>(</a:t>
+            </a:r>
+            <a:r>
+              <a:rPr lang="en-US" dirty="0" err="1" smtClean="0"/>
+              <a:t>MyFit</a:t>
+            </a:r>
+            <a:r>
+              <a:rPr lang="en-US" dirty="0" smtClean="0"/>
+              <a:t>, …)</a:t>
+            </a:r>
+          </a:p>
+          <a:p>
+            <a:r>
+              <a:rPr lang="en-US" dirty="0" smtClean="0"/>
+              <a:t>	Result is </a:t>
+            </a:r>
+            <a:r>
+              <a:rPr lang="en-US" dirty="0" err="1" smtClean="0"/>
+              <a:t>Dataframe</a:t>
+            </a:r>
+            <a:r>
+              <a:rPr lang="en-US" dirty="0" smtClean="0"/>
+              <a:t> with </a:t>
+            </a:r>
+            <a:r>
+              <a:rPr lang="en-US" dirty="0" err="1" smtClean="0"/>
+              <a:t>logFC</a:t>
+            </a:r>
+            <a:r>
+              <a:rPr lang="en-US" dirty="0" smtClean="0"/>
+              <a:t>, </a:t>
+            </a:r>
+            <a:r>
+              <a:rPr lang="en-US" dirty="0" err="1" smtClean="0"/>
+              <a:t>pval</a:t>
+            </a:r>
+            <a:r>
+              <a:rPr lang="en-US" dirty="0" smtClean="0"/>
+              <a:t> etc.</a:t>
+            </a:r>
+            <a:endParaRPr lang="en-US" dirty="0"/>
+          </a:p>
+        </p:txBody>
+      </p:sp>
+      <p:sp>
+        <p:nvSpPr>
+          <p:cNvPr id="4" name="Footer Placeholder 3"/>
+          <p:cNvSpPr>
+            <a:spLocks noGrp="1"/>
+          </p:cNvSpPr>
+          <p:nvPr>
+            <p:ph type="ftr" sz="quarter" idx="11"/>
+          </p:nvPr>
+        </p:nvSpPr>
+        <p:spPr/>
+        <p:txBody>
+          <a:bodyPr/>
+          <a:lstStyle/>
+          <a:p>
+            <a:r>
+              <a:rPr lang="en-US" smtClean="0"/>
+              <a:t>BMS Confidential</a:t>
+            </a:r>
+            <a:endParaRPr lang="en-US"/>
+          </a:p>
+        </p:txBody>
+      </p:sp>
+    </p:spTree>
+    <p:extLst>
+      <p:ext uri="{BB962C8B-B14F-4D97-AF65-F5344CB8AC3E}">
+        <p14:creationId xmlns:p14="http://schemas.microsoft.com/office/powerpoint/2010/main" val="4264999029"/>
+      </p:ext>
+    </p:extLst>
+  </p:cSld>
+  <p:clrMapOvr>
+    <a:masterClrMapping/>
+  </p:clrMapOvr>
+  <p:transition>
+    <p:wipe dir="r"/>
+  </p:transition>
+</p:sld>
+</file>
+
+<file path=ppt/slides/slide13.xml><?xml version="1.0" encoding="utf-8"?>
+<p:sld xmlns:a="http://schemas.openxmlformats.org/drawingml/2006/main" xmlns:r="http://schemas.openxmlformats.org/officeDocument/2006/relationships" xmlns:p="http://schemas.openxmlformats.org/presentationml/2006/main">
+  <p:cSld>
+    <p:spTree>
+      <p:nvGrpSpPr>
+        <p:cNvPr id="1" name=""/>
+        <p:cNvGrpSpPr/>
+        <p:nvPr/>
+      </p:nvGrpSpPr>
+      <p:grpSpPr>
+        <a:xfrm>
+          <a:off x="0" y="0"/>
+          <a:ext cx="0" cy="0"/>
+          <a:chOff x="0" y="0"/>
+          <a:chExt cx="0" cy="0"/>
+        </a:xfrm>
+      </p:grpSpPr>
+      <p:sp>
+        <p:nvSpPr>
+          <p:cNvPr id="2" name="Title 1"/>
+          <p:cNvSpPr>
+            <a:spLocks noGrp="1"/>
+          </p:cNvSpPr>
+          <p:nvPr>
+            <p:ph type="title"/>
+          </p:nvPr>
+        </p:nvSpPr>
+        <p:spPr/>
+        <p:txBody>
+          <a:bodyPr/>
+          <a:lstStyle/>
+          <a:p>
+            <a:r>
+              <a:rPr lang="en-US" dirty="0" smtClean="0"/>
+              <a:t>DGE </a:t>
+            </a:r>
+            <a:r>
+              <a:rPr lang="en-US" smtClean="0"/>
+              <a:t>Workflows : Illustrated </a:t>
+            </a:r>
+            <a:r>
+              <a:rPr lang="en-US" dirty="0" smtClean="0"/>
+              <a:t>Overview</a:t>
+            </a:r>
+            <a:endParaRPr lang="en-US" dirty="0"/>
+          </a:p>
+        </p:txBody>
+      </p:sp>
+      <p:sp>
+        <p:nvSpPr>
+          <p:cNvPr id="4" name="Footer Placeholder 3"/>
+          <p:cNvSpPr>
+            <a:spLocks noGrp="1"/>
+          </p:cNvSpPr>
+          <p:nvPr>
+            <p:ph type="ftr" sz="quarter" idx="11"/>
+          </p:nvPr>
+        </p:nvSpPr>
+        <p:spPr/>
+        <p:txBody>
+          <a:bodyPr/>
+          <a:lstStyle/>
+          <a:p>
+            <a:r>
+              <a:rPr lang="en-US" smtClean="0"/>
+              <a:t>BMS Confidential</a:t>
+            </a:r>
+            <a:endParaRPr lang="en-US"/>
+          </a:p>
+        </p:txBody>
+      </p:sp>
+      <p:sp>
+        <p:nvSpPr>
+          <p:cNvPr id="5" name="Rounded Rectangle 4"/>
+          <p:cNvSpPr/>
+          <p:nvPr/>
+        </p:nvSpPr>
+        <p:spPr bwMode="auto">
+          <a:xfrm>
+            <a:off x="523875" y="1562100"/>
+            <a:ext cx="1390650" cy="457200"/>
+          </a:xfrm>
+          <a:prstGeom prst="roundRect">
+            <a:avLst/>
+          </a:prstGeom>
+          <a:gradFill rotWithShape="1">
+            <a:gsLst>
+              <a:gs pos="0">
+                <a:srgbClr val="E5FCFF"/>
+              </a:gs>
+              <a:gs pos="100000">
+                <a:schemeClr val="hlink"/>
+              </a:gs>
+            </a:gsLst>
+            <a:lin ang="18900000" scaled="1"/>
+          </a:gradFill>
+          <a:ln w="19050" cap="flat" cmpd="sng" algn="ctr">
+            <a:solidFill>
+              <a:schemeClr val="hlink"/>
+            </a:solidFill>
+            <a:prstDash val="solid"/>
+            <a:round/>
+            <a:headEnd type="none" w="med" len="med"/>
+            <a:tailEnd type="none" w="med" len="med"/>
+          </a:ln>
+          <a:effectLst/>
+        </p:spPr>
+        <p:txBody>
+          <a:bodyPr vert="horz" wrap="none" lIns="0" tIns="0" rIns="0" bIns="0" numCol="1" rtlCol="0" anchor="ctr" anchorCtr="0" compatLnSpc="1">
+            <a:prstTxWarp prst="textNoShape">
+              <a:avLst/>
+            </a:prstTxWarp>
+          </a:bodyPr>
+          <a:lstStyle/>
+          <a:p>
+            <a:pPr marL="0" marR="0" indent="0" algn="ctr" defTabSz="914400" rtl="0" eaLnBrk="1" fontAlgn="base" latinLnBrk="0" hangingPunct="1">
+              <a:lnSpc>
+                <a:spcPct val="100000"/>
+              </a:lnSpc>
+              <a:spcBef>
+                <a:spcPct val="0"/>
+              </a:spcBef>
+              <a:spcAft>
+                <a:spcPct val="0"/>
+              </a:spcAft>
+              <a:buClrTx/>
+              <a:buSzTx/>
+              <a:buFontTx/>
+              <a:buNone/>
+              <a:tabLst/>
+            </a:pPr>
+            <a:r>
+              <a:rPr kumimoji="0" lang="en-US" sz="1800" b="0" i="0" u="none" strike="noStrike" cap="none" normalizeH="0" baseline="0" dirty="0" err="1" smtClean="0">
+                <a:ln>
+                  <a:noFill/>
+                </a:ln>
+                <a:solidFill>
+                  <a:srgbClr val="000000"/>
+                </a:solidFill>
+                <a:effectLst/>
+                <a:latin typeface="Arial" charset="0"/>
+              </a:rPr>
+              <a:t>initDGEobj</a:t>
+            </a:r>
+            <a:endParaRPr kumimoji="0" lang="en-US" sz="1800" b="0" i="0" u="none" strike="noStrike" cap="none" normalizeH="0" baseline="0" dirty="0" smtClean="0">
+              <a:ln>
+                <a:noFill/>
+              </a:ln>
+              <a:solidFill>
+                <a:srgbClr val="000000"/>
+              </a:solidFill>
+              <a:effectLst/>
+              <a:latin typeface="Arial" charset="0"/>
+            </a:endParaRPr>
+          </a:p>
+        </p:txBody>
+      </p:sp>
+      <p:sp>
+        <p:nvSpPr>
+          <p:cNvPr id="6" name="Rounded Rectangle 5"/>
+          <p:cNvSpPr/>
+          <p:nvPr/>
+        </p:nvSpPr>
+        <p:spPr bwMode="auto">
+          <a:xfrm>
+            <a:off x="2855792" y="1562100"/>
+            <a:ext cx="1682158" cy="457200"/>
+          </a:xfrm>
+          <a:prstGeom prst="roundRect">
+            <a:avLst/>
+          </a:prstGeom>
+          <a:gradFill rotWithShape="1">
+            <a:gsLst>
+              <a:gs pos="0">
+                <a:srgbClr val="E5FCFF"/>
+              </a:gs>
+              <a:gs pos="100000">
+                <a:schemeClr val="hlink"/>
+              </a:gs>
+            </a:gsLst>
+            <a:lin ang="18900000" scaled="1"/>
+          </a:gradFill>
+          <a:ln w="19050" cap="flat" cmpd="sng" algn="ctr">
+            <a:solidFill>
+              <a:schemeClr val="hlink"/>
+            </a:solidFill>
+            <a:prstDash val="solid"/>
+            <a:round/>
+            <a:headEnd type="none" w="med" len="med"/>
+            <a:tailEnd type="none" w="med" len="med"/>
+          </a:ln>
+          <a:effectLst/>
+        </p:spPr>
+        <p:txBody>
+          <a:bodyPr vert="horz" wrap="none" lIns="0" tIns="0" rIns="0" bIns="0" numCol="1" rtlCol="0" anchor="ctr" anchorCtr="0" compatLnSpc="1">
+            <a:prstTxWarp prst="textNoShape">
+              <a:avLst/>
+            </a:prstTxWarp>
+          </a:bodyPr>
+          <a:lstStyle/>
+          <a:p>
+            <a:pPr marL="0" marR="0" indent="0" algn="ctr" defTabSz="914400" rtl="0" eaLnBrk="1" fontAlgn="base" latinLnBrk="0" hangingPunct="1">
+              <a:lnSpc>
+                <a:spcPct val="100000"/>
+              </a:lnSpc>
+              <a:spcBef>
+                <a:spcPct val="0"/>
+              </a:spcBef>
+              <a:spcAft>
+                <a:spcPct val="0"/>
+              </a:spcAft>
+              <a:buClrTx/>
+              <a:buSzTx/>
+              <a:buFontTx/>
+              <a:buNone/>
+              <a:tabLst/>
+            </a:pPr>
+            <a:r>
+              <a:rPr kumimoji="0" lang="en-US" sz="1800" b="0" i="0" u="none" strike="noStrike" cap="none" normalizeH="0" baseline="0" dirty="0" smtClean="0">
+                <a:ln>
+                  <a:noFill/>
+                </a:ln>
+                <a:solidFill>
+                  <a:srgbClr val="000000"/>
+                </a:solidFill>
+                <a:effectLst/>
+                <a:latin typeface="Arial" charset="0"/>
+              </a:rPr>
+              <a:t>Low </a:t>
+            </a:r>
+            <a:r>
+              <a:rPr kumimoji="0" lang="en-US" sz="1800" b="0" i="0" u="none" strike="noStrike" cap="none" normalizeH="0" baseline="0" dirty="0" err="1" smtClean="0">
+                <a:ln>
+                  <a:noFill/>
+                </a:ln>
+                <a:solidFill>
+                  <a:srgbClr val="000000"/>
+                </a:solidFill>
+                <a:effectLst/>
+                <a:latin typeface="Arial" charset="0"/>
+              </a:rPr>
+              <a:t>int</a:t>
+            </a:r>
+            <a:r>
+              <a:rPr kumimoji="0" lang="en-US" sz="1800" b="0" i="0" u="none" strike="noStrike" cap="none" normalizeH="0" baseline="0" dirty="0" smtClean="0">
+                <a:ln>
+                  <a:noFill/>
+                </a:ln>
+                <a:solidFill>
+                  <a:srgbClr val="000000"/>
+                </a:solidFill>
+                <a:effectLst/>
+                <a:latin typeface="Arial" charset="0"/>
+              </a:rPr>
+              <a:t> filtering</a:t>
+            </a:r>
+          </a:p>
+        </p:txBody>
+      </p:sp>
+      <p:sp>
+        <p:nvSpPr>
+          <p:cNvPr id="7" name="Rounded Rectangle 6"/>
+          <p:cNvSpPr/>
+          <p:nvPr/>
+        </p:nvSpPr>
+        <p:spPr bwMode="auto">
+          <a:xfrm>
+            <a:off x="5531643" y="1562100"/>
+            <a:ext cx="1900238" cy="457200"/>
+          </a:xfrm>
+          <a:prstGeom prst="roundRect">
+            <a:avLst/>
+          </a:prstGeom>
+          <a:gradFill rotWithShape="1">
+            <a:gsLst>
+              <a:gs pos="0">
+                <a:srgbClr val="E5FCFF"/>
+              </a:gs>
+              <a:gs pos="100000">
+                <a:schemeClr val="hlink"/>
+              </a:gs>
+            </a:gsLst>
+            <a:lin ang="18900000" scaled="1"/>
+          </a:gradFill>
+          <a:ln w="19050" cap="flat" cmpd="sng" algn="ctr">
+            <a:solidFill>
+              <a:schemeClr val="hlink"/>
+            </a:solidFill>
+            <a:prstDash val="solid"/>
+            <a:round/>
+            <a:headEnd type="none" w="med" len="med"/>
+            <a:tailEnd type="none" w="med" len="med"/>
+          </a:ln>
+          <a:effectLst/>
+        </p:spPr>
+        <p:txBody>
+          <a:bodyPr vert="horz" wrap="none" lIns="0" tIns="0" rIns="0" bIns="0" numCol="1" rtlCol="0" anchor="ctr" anchorCtr="0" compatLnSpc="1">
+            <a:prstTxWarp prst="textNoShape">
+              <a:avLst/>
+            </a:prstTxWarp>
+          </a:bodyPr>
+          <a:lstStyle/>
+          <a:p>
+            <a:pPr marL="0" marR="0" indent="0" algn="ctr" defTabSz="914400" rtl="0" eaLnBrk="1" fontAlgn="base" latinLnBrk="0" hangingPunct="1">
+              <a:lnSpc>
+                <a:spcPct val="100000"/>
+              </a:lnSpc>
+              <a:spcBef>
+                <a:spcPct val="0"/>
+              </a:spcBef>
+              <a:spcAft>
+                <a:spcPct val="0"/>
+              </a:spcAft>
+              <a:buClrTx/>
+              <a:buSzTx/>
+              <a:buFontTx/>
+              <a:buNone/>
+              <a:tabLst/>
+            </a:pPr>
+            <a:r>
+              <a:rPr kumimoji="0" lang="en-US" sz="1800" b="0" i="0" u="none" strike="noStrike" cap="none" normalizeH="0" baseline="0" dirty="0" smtClean="0">
+                <a:ln>
+                  <a:noFill/>
+                </a:ln>
+                <a:solidFill>
+                  <a:srgbClr val="000000"/>
+                </a:solidFill>
+                <a:effectLst/>
+                <a:latin typeface="Arial" charset="0"/>
+              </a:rPr>
+              <a:t>runEdgeRNorm</a:t>
+            </a:r>
+          </a:p>
+        </p:txBody>
+      </p:sp>
+      <p:sp>
+        <p:nvSpPr>
+          <p:cNvPr id="8" name="Rounded Rectangle 7"/>
+          <p:cNvSpPr/>
+          <p:nvPr/>
+        </p:nvSpPr>
+        <p:spPr bwMode="auto">
+          <a:xfrm>
+            <a:off x="883213" y="4071049"/>
+            <a:ext cx="1643462" cy="552450"/>
+          </a:xfrm>
+          <a:prstGeom prst="roundRect">
+            <a:avLst/>
+          </a:prstGeom>
+          <a:gradFill rotWithShape="1">
+            <a:gsLst>
+              <a:gs pos="0">
+                <a:srgbClr val="E5FCFF"/>
+              </a:gs>
+              <a:gs pos="100000">
+                <a:schemeClr val="hlink"/>
+              </a:gs>
+            </a:gsLst>
+            <a:lin ang="18900000" scaled="1"/>
+          </a:gradFill>
+          <a:ln w="19050" cap="flat" cmpd="sng" algn="ctr">
+            <a:solidFill>
+              <a:schemeClr val="hlink"/>
+            </a:solidFill>
+            <a:prstDash val="solid"/>
+            <a:round/>
+            <a:headEnd type="none" w="med" len="med"/>
+            <a:tailEnd type="none" w="med" len="med"/>
+          </a:ln>
+          <a:effectLst/>
+        </p:spPr>
+        <p:txBody>
+          <a:bodyPr vert="horz" wrap="none" lIns="0" tIns="0" rIns="0" bIns="0" numCol="1" rtlCol="0" anchor="ctr" anchorCtr="0" compatLnSpc="1">
+            <a:prstTxWarp prst="textNoShape">
+              <a:avLst/>
+            </a:prstTxWarp>
+          </a:bodyPr>
+          <a:lstStyle/>
+          <a:p>
+            <a:pPr marL="0" marR="0" indent="0" algn="ctr" defTabSz="914400" rtl="0" eaLnBrk="1" fontAlgn="base" latinLnBrk="0" hangingPunct="1">
+              <a:lnSpc>
+                <a:spcPct val="100000"/>
+              </a:lnSpc>
+              <a:spcBef>
+                <a:spcPct val="0"/>
+              </a:spcBef>
+              <a:spcAft>
+                <a:spcPct val="0"/>
+              </a:spcAft>
+              <a:buClrTx/>
+              <a:buSzTx/>
+              <a:buFontTx/>
+              <a:buNone/>
+              <a:tabLst/>
+            </a:pPr>
+            <a:r>
+              <a:rPr kumimoji="0" lang="en-US" sz="1800" b="0" i="0" u="none" strike="noStrike" cap="none" normalizeH="0" baseline="0" dirty="0" smtClean="0">
+                <a:ln>
+                  <a:noFill/>
+                </a:ln>
+                <a:solidFill>
+                  <a:srgbClr val="000000"/>
+                </a:solidFill>
+                <a:effectLst/>
+              </a:rPr>
+              <a:t>runVoom</a:t>
+            </a:r>
+          </a:p>
+          <a:p>
+            <a:pPr marL="0" marR="0" indent="0" algn="ctr" defTabSz="914400" rtl="0" eaLnBrk="1" fontAlgn="base" latinLnBrk="0" hangingPunct="1">
+              <a:lnSpc>
+                <a:spcPct val="100000"/>
+              </a:lnSpc>
+              <a:spcBef>
+                <a:spcPct val="0"/>
+              </a:spcBef>
+              <a:spcAft>
+                <a:spcPct val="0"/>
+              </a:spcAft>
+              <a:buClrTx/>
+              <a:buSzTx/>
+              <a:buFontTx/>
+              <a:buNone/>
+              <a:tabLst/>
+            </a:pPr>
+            <a:r>
+              <a:rPr lang="en-US" sz="1200" b="0" dirty="0" smtClean="0"/>
+              <a:t>qualityWeights=FALSE</a:t>
+            </a:r>
+            <a:endParaRPr kumimoji="0" lang="en-US" sz="1200" b="0" i="0" u="none" strike="noStrike" cap="none" normalizeH="0" baseline="0" dirty="0" smtClean="0">
+              <a:ln>
+                <a:noFill/>
+              </a:ln>
+              <a:solidFill>
+                <a:srgbClr val="000000"/>
+              </a:solidFill>
+              <a:effectLst/>
+            </a:endParaRPr>
+          </a:p>
+        </p:txBody>
+      </p:sp>
+      <p:sp>
+        <p:nvSpPr>
+          <p:cNvPr id="9" name="Rounded Rectangle 8"/>
+          <p:cNvSpPr/>
+          <p:nvPr/>
+        </p:nvSpPr>
+        <p:spPr bwMode="auto">
+          <a:xfrm>
+            <a:off x="4409206" y="4071049"/>
+            <a:ext cx="1514475" cy="552450"/>
+          </a:xfrm>
+          <a:prstGeom prst="roundRect">
+            <a:avLst/>
+          </a:prstGeom>
+          <a:gradFill rotWithShape="1">
+            <a:gsLst>
+              <a:gs pos="0">
+                <a:srgbClr val="E5FCFF"/>
+              </a:gs>
+              <a:gs pos="100000">
+                <a:schemeClr val="hlink"/>
+              </a:gs>
+            </a:gsLst>
+            <a:lin ang="18900000" scaled="1"/>
+          </a:gradFill>
+          <a:ln w="19050" cap="flat" cmpd="sng" algn="ctr">
+            <a:solidFill>
+              <a:schemeClr val="hlink"/>
+            </a:solidFill>
+            <a:prstDash val="solid"/>
+            <a:round/>
+            <a:headEnd type="none" w="med" len="med"/>
+            <a:tailEnd type="none" w="med" len="med"/>
+          </a:ln>
+          <a:effectLst/>
+        </p:spPr>
+        <p:txBody>
+          <a:bodyPr vert="horz" wrap="none" lIns="0" tIns="0" rIns="0" bIns="0" numCol="1" rtlCol="0" anchor="ctr" anchorCtr="0" compatLnSpc="1">
+            <a:prstTxWarp prst="textNoShape">
+              <a:avLst/>
+            </a:prstTxWarp>
+          </a:bodyPr>
+          <a:lstStyle/>
+          <a:p>
+            <a:r>
+              <a:rPr kumimoji="0" lang="en-US" sz="1800" b="0" i="0" u="none" strike="noStrike" cap="none" normalizeH="0" baseline="0" dirty="0" smtClean="0">
+                <a:ln>
+                  <a:noFill/>
+                </a:ln>
+                <a:solidFill>
+                  <a:srgbClr val="000000"/>
+                </a:solidFill>
+                <a:effectLst/>
+              </a:rPr>
+              <a:t>runVoom</a:t>
+            </a:r>
+          </a:p>
+          <a:p>
+            <a:r>
+              <a:rPr lang="en-US" sz="1200" b="0" dirty="0" smtClean="0"/>
+              <a:t>dupCor=TRUE</a:t>
+            </a:r>
+            <a:endParaRPr lang="en-US" sz="1200" b="0" dirty="0"/>
+          </a:p>
+        </p:txBody>
+      </p:sp>
+      <p:sp>
+        <p:nvSpPr>
+          <p:cNvPr id="10" name="Rounded Rectangle 9"/>
+          <p:cNvSpPr/>
+          <p:nvPr/>
+        </p:nvSpPr>
+        <p:spPr bwMode="auto">
+          <a:xfrm>
+            <a:off x="6965192" y="4149940"/>
+            <a:ext cx="1357313" cy="381632"/>
+          </a:xfrm>
+          <a:prstGeom prst="roundRect">
+            <a:avLst/>
+          </a:prstGeom>
+          <a:gradFill rotWithShape="1">
+            <a:gsLst>
+              <a:gs pos="0">
+                <a:srgbClr val="E5FCFF"/>
+              </a:gs>
+              <a:gs pos="100000">
+                <a:schemeClr val="hlink"/>
+              </a:gs>
+            </a:gsLst>
+            <a:lin ang="18900000" scaled="1"/>
+          </a:gradFill>
+          <a:ln w="19050" cap="flat" cmpd="sng" algn="ctr">
+            <a:solidFill>
+              <a:schemeClr val="hlink"/>
+            </a:solidFill>
+            <a:prstDash val="solid"/>
+            <a:round/>
+            <a:headEnd type="none" w="med" len="med"/>
+            <a:tailEnd type="none" w="med" len="med"/>
+          </a:ln>
+          <a:effectLst/>
+        </p:spPr>
+        <p:txBody>
+          <a:bodyPr vert="horz" wrap="none" lIns="0" tIns="0" rIns="0" bIns="0" numCol="1" rtlCol="0" anchor="ctr" anchorCtr="0" compatLnSpc="1">
+            <a:prstTxWarp prst="textNoShape">
+              <a:avLst/>
+            </a:prstTxWarp>
+          </a:bodyPr>
+          <a:lstStyle/>
+          <a:p>
+            <a:pPr marL="0" marR="0" indent="0" algn="ctr" defTabSz="914400" rtl="0" eaLnBrk="1" fontAlgn="base" latinLnBrk="0" hangingPunct="1">
+              <a:lnSpc>
+                <a:spcPct val="100000"/>
+              </a:lnSpc>
+              <a:spcBef>
+                <a:spcPct val="0"/>
+              </a:spcBef>
+              <a:spcAft>
+                <a:spcPct val="0"/>
+              </a:spcAft>
+              <a:buClrTx/>
+              <a:buSzTx/>
+              <a:buFontTx/>
+              <a:buNone/>
+              <a:tabLst/>
+            </a:pPr>
+            <a:r>
+              <a:rPr kumimoji="0" lang="en-US" sz="1800" b="0" i="0" u="none" strike="noStrike" cap="none" normalizeH="0" baseline="0" dirty="0" smtClean="0">
+                <a:ln>
+                  <a:noFill/>
+                </a:ln>
+                <a:solidFill>
+                  <a:srgbClr val="000000"/>
+                </a:solidFill>
+                <a:effectLst/>
+              </a:rPr>
+              <a:t>runSVA</a:t>
+            </a:r>
+          </a:p>
+        </p:txBody>
+      </p:sp>
+      <p:cxnSp>
+        <p:nvCxnSpPr>
+          <p:cNvPr id="13" name="Straight Arrow Connector 12"/>
+          <p:cNvCxnSpPr>
+            <a:stCxn id="5" idx="3"/>
+            <a:endCxn id="6" idx="1"/>
+          </p:cNvCxnSpPr>
+          <p:nvPr/>
+        </p:nvCxnSpPr>
+        <p:spPr bwMode="auto">
+          <a:xfrm>
+            <a:off x="1914525" y="1790700"/>
+            <a:ext cx="941267" cy="0"/>
+          </a:xfrm>
+          <a:prstGeom prst="straightConnector1">
+            <a:avLst/>
+          </a:prstGeom>
+          <a:gradFill rotWithShape="1">
+            <a:gsLst>
+              <a:gs pos="0">
+                <a:srgbClr val="E5FCFF"/>
+              </a:gs>
+              <a:gs pos="100000">
+                <a:schemeClr val="hlink"/>
+              </a:gs>
+            </a:gsLst>
+            <a:lin ang="18900000" scaled="1"/>
+          </a:gradFill>
+          <a:ln w="19050" cap="flat" cmpd="sng" algn="ctr">
+            <a:solidFill>
+              <a:schemeClr val="accent2">
+                <a:lumMod val="75000"/>
+              </a:schemeClr>
+            </a:solidFill>
+            <a:prstDash val="solid"/>
+            <a:round/>
+            <a:headEnd type="none" w="lg" len="lg"/>
+            <a:tailEnd type="stealth" w="lg" len="lg"/>
+          </a:ln>
+          <a:effectLst/>
+        </p:spPr>
+      </p:cxnSp>
+      <p:cxnSp>
+        <p:nvCxnSpPr>
+          <p:cNvPr id="17" name="Straight Arrow Connector 16"/>
+          <p:cNvCxnSpPr>
+            <a:stCxn id="6" idx="3"/>
+            <a:endCxn id="7" idx="1"/>
+          </p:cNvCxnSpPr>
+          <p:nvPr/>
+        </p:nvCxnSpPr>
+        <p:spPr bwMode="auto">
+          <a:xfrm>
+            <a:off x="4537950" y="1790700"/>
+            <a:ext cx="993693" cy="0"/>
+          </a:xfrm>
+          <a:prstGeom prst="straightConnector1">
+            <a:avLst/>
+          </a:prstGeom>
+          <a:gradFill rotWithShape="1">
+            <a:gsLst>
+              <a:gs pos="0">
+                <a:srgbClr val="E5FCFF"/>
+              </a:gs>
+              <a:gs pos="100000">
+                <a:schemeClr val="hlink"/>
+              </a:gs>
+            </a:gsLst>
+            <a:lin ang="18900000" scaled="1"/>
+          </a:gradFill>
+          <a:ln w="19050" cap="flat" cmpd="sng" algn="ctr">
+            <a:solidFill>
+              <a:schemeClr val="accent2">
+                <a:lumMod val="75000"/>
+              </a:schemeClr>
+            </a:solidFill>
+            <a:prstDash val="solid"/>
+            <a:round/>
+            <a:headEnd type="none" w="lg" len="lg"/>
+            <a:tailEnd type="stealth" w="lg" len="lg"/>
+          </a:ln>
+          <a:effectLst/>
+        </p:spPr>
+      </p:cxnSp>
+      <p:sp>
+        <p:nvSpPr>
+          <p:cNvPr id="19" name="Rounded Rectangle 18"/>
+          <p:cNvSpPr/>
+          <p:nvPr/>
+        </p:nvSpPr>
+        <p:spPr bwMode="auto">
+          <a:xfrm>
+            <a:off x="2710704" y="5530828"/>
+            <a:ext cx="1514475" cy="552450"/>
+          </a:xfrm>
+          <a:prstGeom prst="roundRect">
+            <a:avLst/>
+          </a:prstGeom>
+          <a:gradFill rotWithShape="1">
+            <a:gsLst>
+              <a:gs pos="0">
+                <a:srgbClr val="E5FCFF"/>
+              </a:gs>
+              <a:gs pos="100000">
+                <a:schemeClr val="hlink"/>
+              </a:gs>
+            </a:gsLst>
+            <a:lin ang="18900000" scaled="1"/>
+          </a:gradFill>
+          <a:ln w="19050" cap="flat" cmpd="sng" algn="ctr">
+            <a:solidFill>
+              <a:schemeClr val="hlink"/>
+            </a:solidFill>
+            <a:prstDash val="solid"/>
+            <a:round/>
+            <a:headEnd type="none" w="med" len="med"/>
+            <a:tailEnd type="none" w="med" len="med"/>
+          </a:ln>
+          <a:effectLst/>
+        </p:spPr>
+        <p:txBody>
+          <a:bodyPr vert="horz" wrap="none" lIns="0" tIns="0" rIns="0" bIns="0" numCol="1" rtlCol="0" anchor="ctr" anchorCtr="0" compatLnSpc="1">
+            <a:prstTxWarp prst="textNoShape">
+              <a:avLst/>
+            </a:prstTxWarp>
+          </a:bodyPr>
+          <a:lstStyle/>
+          <a:p>
+            <a:pPr marL="0" marR="0" indent="0" algn="ctr" defTabSz="914400" rtl="0" eaLnBrk="1" fontAlgn="base" latinLnBrk="0" hangingPunct="1">
+              <a:lnSpc>
+                <a:spcPct val="100000"/>
+              </a:lnSpc>
+              <a:spcBef>
+                <a:spcPct val="0"/>
+              </a:spcBef>
+              <a:spcAft>
+                <a:spcPct val="0"/>
+              </a:spcAft>
+              <a:buClrTx/>
+              <a:buSzTx/>
+              <a:buFontTx/>
+              <a:buNone/>
+              <a:tabLst/>
+            </a:pPr>
+            <a:r>
+              <a:rPr kumimoji="0" lang="en-US" sz="1800" b="0" i="0" u="none" strike="noStrike" cap="none" normalizeH="0" baseline="0" dirty="0" err="1" smtClean="0">
+                <a:ln>
+                  <a:noFill/>
+                </a:ln>
+                <a:solidFill>
+                  <a:srgbClr val="000000"/>
+                </a:solidFill>
+                <a:effectLst/>
+              </a:rPr>
+              <a:t>runContrasts</a:t>
+            </a:r>
+            <a:endParaRPr kumimoji="0" lang="en-US" sz="1800" b="0" i="0" u="none" strike="noStrike" cap="none" normalizeH="0" baseline="0" dirty="0" smtClean="0">
+              <a:ln>
+                <a:noFill/>
+              </a:ln>
+              <a:solidFill>
+                <a:srgbClr val="000000"/>
+              </a:solidFill>
+              <a:effectLst/>
+            </a:endParaRPr>
+          </a:p>
+        </p:txBody>
+      </p:sp>
+      <p:sp>
+        <p:nvSpPr>
+          <p:cNvPr id="23" name="TextBox 22"/>
+          <p:cNvSpPr txBox="1"/>
+          <p:nvPr/>
+        </p:nvSpPr>
+        <p:spPr>
+          <a:xfrm>
+            <a:off x="1997550" y="1542294"/>
+            <a:ext cx="841898" cy="307777"/>
+          </a:xfrm>
+          <a:prstGeom prst="rect">
+            <a:avLst/>
+          </a:prstGeom>
+          <a:noFill/>
+        </p:spPr>
+        <p:txBody>
+          <a:bodyPr wrap="none" rtlCol="0">
+            <a:spAutoFit/>
+          </a:bodyPr>
+          <a:lstStyle/>
+          <a:p>
+            <a:r>
+              <a:rPr lang="en-US" sz="1400" dirty="0" err="1" smtClean="0">
+                <a:solidFill>
+                  <a:srgbClr val="FF0000"/>
+                </a:solidFill>
+              </a:rPr>
+              <a:t>DGEobj</a:t>
+            </a:r>
+            <a:endParaRPr lang="en-US" sz="1400" dirty="0">
+              <a:solidFill>
+                <a:srgbClr val="FF0000"/>
+              </a:solidFill>
+            </a:endParaRPr>
+          </a:p>
+        </p:txBody>
+      </p:sp>
+      <p:sp>
+        <p:nvSpPr>
+          <p:cNvPr id="24" name="TextBox 23"/>
+          <p:cNvSpPr txBox="1"/>
+          <p:nvPr/>
+        </p:nvSpPr>
+        <p:spPr>
+          <a:xfrm>
+            <a:off x="4468017" y="1542295"/>
+            <a:ext cx="841898" cy="307777"/>
+          </a:xfrm>
+          <a:prstGeom prst="rect">
+            <a:avLst/>
+          </a:prstGeom>
+          <a:noFill/>
+        </p:spPr>
+        <p:txBody>
+          <a:bodyPr wrap="none" rtlCol="0">
+            <a:spAutoFit/>
+          </a:bodyPr>
+          <a:lstStyle/>
+          <a:p>
+            <a:r>
+              <a:rPr lang="en-US" sz="1400" dirty="0" err="1" smtClean="0">
+                <a:solidFill>
+                  <a:srgbClr val="FF0000"/>
+                </a:solidFill>
+              </a:rPr>
+              <a:t>DGEobj</a:t>
+            </a:r>
+            <a:endParaRPr lang="en-US" sz="1400" dirty="0">
+              <a:solidFill>
+                <a:srgbClr val="FF0000"/>
+              </a:solidFill>
+            </a:endParaRPr>
+          </a:p>
+        </p:txBody>
+      </p:sp>
+      <p:cxnSp>
+        <p:nvCxnSpPr>
+          <p:cNvPr id="27" name="Elbow Connector 26"/>
+          <p:cNvCxnSpPr>
+            <a:stCxn id="7" idx="2"/>
+            <a:endCxn id="9" idx="0"/>
+          </p:cNvCxnSpPr>
+          <p:nvPr/>
+        </p:nvCxnSpPr>
+        <p:spPr bwMode="auto">
+          <a:xfrm rot="5400000">
+            <a:off x="4798229" y="2387515"/>
+            <a:ext cx="2051749" cy="1315318"/>
+          </a:xfrm>
+          <a:prstGeom prst="bentConnector3">
+            <a:avLst/>
+          </a:prstGeom>
+          <a:gradFill rotWithShape="1">
+            <a:gsLst>
+              <a:gs pos="0">
+                <a:srgbClr val="E5FCFF"/>
+              </a:gs>
+              <a:gs pos="100000">
+                <a:schemeClr val="hlink"/>
+              </a:gs>
+            </a:gsLst>
+            <a:lin ang="18900000" scaled="1"/>
+          </a:gradFill>
+          <a:ln w="19050" cap="flat" cmpd="sng" algn="ctr">
+            <a:solidFill>
+              <a:schemeClr val="accent2">
+                <a:lumMod val="75000"/>
+              </a:schemeClr>
+            </a:solidFill>
+            <a:prstDash val="solid"/>
+            <a:round/>
+            <a:headEnd type="none" w="med" len="med"/>
+            <a:tailEnd type="stealth" w="lg" len="lg"/>
+          </a:ln>
+          <a:effectLst/>
+        </p:spPr>
+      </p:cxnSp>
+      <p:cxnSp>
+        <p:nvCxnSpPr>
+          <p:cNvPr id="28" name="Elbow Connector 27"/>
+          <p:cNvCxnSpPr>
+            <a:stCxn id="7" idx="2"/>
+            <a:endCxn id="8" idx="0"/>
+          </p:cNvCxnSpPr>
+          <p:nvPr/>
+        </p:nvCxnSpPr>
+        <p:spPr bwMode="auto">
+          <a:xfrm rot="5400000">
+            <a:off x="3067479" y="656765"/>
+            <a:ext cx="2051749" cy="4776818"/>
+          </a:xfrm>
+          <a:prstGeom prst="bentConnector3">
+            <a:avLst>
+              <a:gd name="adj1" fmla="val 50000"/>
+            </a:avLst>
+          </a:prstGeom>
+          <a:gradFill rotWithShape="1">
+            <a:gsLst>
+              <a:gs pos="0">
+                <a:srgbClr val="E5FCFF"/>
+              </a:gs>
+              <a:gs pos="100000">
+                <a:schemeClr val="hlink"/>
+              </a:gs>
+            </a:gsLst>
+            <a:lin ang="18900000" scaled="1"/>
+          </a:gradFill>
+          <a:ln w="19050" cap="flat" cmpd="sng" algn="ctr">
+            <a:solidFill>
+              <a:schemeClr val="accent2">
+                <a:lumMod val="75000"/>
+              </a:schemeClr>
+            </a:solidFill>
+            <a:prstDash val="solid"/>
+            <a:round/>
+            <a:headEnd type="none" w="med" len="med"/>
+            <a:tailEnd type="stealth" w="lg" len="lg"/>
+          </a:ln>
+          <a:effectLst/>
+        </p:spPr>
+      </p:cxnSp>
+      <p:sp>
+        <p:nvSpPr>
+          <p:cNvPr id="33" name="TextBox 32"/>
+          <p:cNvSpPr txBox="1"/>
+          <p:nvPr/>
+        </p:nvSpPr>
+        <p:spPr>
+          <a:xfrm>
+            <a:off x="5740332" y="2321289"/>
+            <a:ext cx="841898" cy="307777"/>
+          </a:xfrm>
+          <a:prstGeom prst="rect">
+            <a:avLst/>
+          </a:prstGeom>
+          <a:noFill/>
+        </p:spPr>
+        <p:txBody>
+          <a:bodyPr wrap="none" rtlCol="0">
+            <a:spAutoFit/>
+          </a:bodyPr>
+          <a:lstStyle/>
+          <a:p>
+            <a:r>
+              <a:rPr lang="en-US" sz="1400" dirty="0" err="1" smtClean="0">
+                <a:solidFill>
+                  <a:srgbClr val="FF0000"/>
+                </a:solidFill>
+              </a:rPr>
+              <a:t>DGEobj</a:t>
+            </a:r>
+            <a:endParaRPr lang="en-US" sz="1400" dirty="0">
+              <a:solidFill>
+                <a:srgbClr val="FF0000"/>
+              </a:solidFill>
+            </a:endParaRPr>
+          </a:p>
+        </p:txBody>
+      </p:sp>
+      <p:cxnSp>
+        <p:nvCxnSpPr>
+          <p:cNvPr id="46" name="Elbow Connector 45"/>
+          <p:cNvCxnSpPr>
+            <a:stCxn id="8" idx="2"/>
+            <a:endCxn id="19" idx="0"/>
+          </p:cNvCxnSpPr>
+          <p:nvPr/>
+        </p:nvCxnSpPr>
+        <p:spPr bwMode="auto">
+          <a:xfrm rot="16200000" flipH="1">
+            <a:off x="2132779" y="4195664"/>
+            <a:ext cx="907329" cy="1762998"/>
+          </a:xfrm>
+          <a:prstGeom prst="bentConnector3">
+            <a:avLst>
+              <a:gd name="adj1" fmla="val 50000"/>
+            </a:avLst>
+          </a:prstGeom>
+          <a:gradFill rotWithShape="1">
+            <a:gsLst>
+              <a:gs pos="0">
+                <a:srgbClr val="E5FCFF"/>
+              </a:gs>
+              <a:gs pos="100000">
+                <a:schemeClr val="hlink"/>
+              </a:gs>
+            </a:gsLst>
+            <a:lin ang="18900000" scaled="1"/>
+          </a:gradFill>
+          <a:ln w="19050" cap="flat" cmpd="sng" algn="ctr">
+            <a:solidFill>
+              <a:schemeClr val="accent2">
+                <a:lumMod val="75000"/>
+              </a:schemeClr>
+            </a:solidFill>
+            <a:prstDash val="solid"/>
+            <a:round/>
+            <a:headEnd type="none" w="med" len="med"/>
+            <a:tailEnd type="stealth" w="lg" len="lg"/>
+          </a:ln>
+          <a:effectLst/>
+        </p:spPr>
+      </p:cxnSp>
+      <p:cxnSp>
+        <p:nvCxnSpPr>
+          <p:cNvPr id="47" name="Elbow Connector 46"/>
+          <p:cNvCxnSpPr>
+            <a:stCxn id="9" idx="2"/>
+            <a:endCxn id="19" idx="0"/>
+          </p:cNvCxnSpPr>
+          <p:nvPr/>
+        </p:nvCxnSpPr>
+        <p:spPr bwMode="auto">
+          <a:xfrm rot="5400000">
+            <a:off x="3863529" y="4227912"/>
+            <a:ext cx="907329" cy="1698502"/>
+          </a:xfrm>
+          <a:prstGeom prst="bentConnector3">
+            <a:avLst>
+              <a:gd name="adj1" fmla="val 50000"/>
+            </a:avLst>
+          </a:prstGeom>
+          <a:gradFill rotWithShape="1">
+            <a:gsLst>
+              <a:gs pos="0">
+                <a:srgbClr val="E5FCFF"/>
+              </a:gs>
+              <a:gs pos="100000">
+                <a:schemeClr val="hlink"/>
+              </a:gs>
+            </a:gsLst>
+            <a:lin ang="18900000" scaled="1"/>
+          </a:gradFill>
+          <a:ln w="19050" cap="flat" cmpd="sng" algn="ctr">
+            <a:solidFill>
+              <a:schemeClr val="accent2">
+                <a:lumMod val="75000"/>
+              </a:schemeClr>
+            </a:solidFill>
+            <a:prstDash val="solid"/>
+            <a:round/>
+            <a:headEnd type="none" w="med" len="med"/>
+            <a:tailEnd type="stealth" w="lg" len="lg"/>
+          </a:ln>
+          <a:effectLst/>
+        </p:spPr>
+      </p:cxnSp>
+      <p:sp>
+        <p:nvSpPr>
+          <p:cNvPr id="67" name="Rounded Rectangle 66"/>
+          <p:cNvSpPr/>
+          <p:nvPr/>
+        </p:nvSpPr>
+        <p:spPr bwMode="auto">
+          <a:xfrm>
+            <a:off x="2646210" y="4071049"/>
+            <a:ext cx="1643462" cy="552450"/>
+          </a:xfrm>
+          <a:prstGeom prst="roundRect">
+            <a:avLst/>
+          </a:prstGeom>
+          <a:gradFill rotWithShape="1">
+            <a:gsLst>
+              <a:gs pos="0">
+                <a:srgbClr val="E5FCFF"/>
+              </a:gs>
+              <a:gs pos="100000">
+                <a:schemeClr val="hlink"/>
+              </a:gs>
+            </a:gsLst>
+            <a:lin ang="18900000" scaled="1"/>
+          </a:gradFill>
+          <a:ln w="19050" cap="flat" cmpd="sng" algn="ctr">
+            <a:solidFill>
+              <a:schemeClr val="hlink"/>
+            </a:solidFill>
+            <a:prstDash val="solid"/>
+            <a:round/>
+            <a:headEnd type="none" w="med" len="med"/>
+            <a:tailEnd type="none" w="med" len="med"/>
+          </a:ln>
+          <a:effectLst/>
+        </p:spPr>
+        <p:txBody>
+          <a:bodyPr vert="horz" wrap="none" lIns="0" tIns="0" rIns="0" bIns="0" numCol="1" rtlCol="0" anchor="ctr" anchorCtr="0" compatLnSpc="1">
+            <a:prstTxWarp prst="textNoShape">
+              <a:avLst/>
+            </a:prstTxWarp>
+          </a:bodyPr>
+          <a:lstStyle/>
+          <a:p>
+            <a:pPr marL="0" marR="0" indent="0" algn="ctr" defTabSz="914400" rtl="0" eaLnBrk="1" fontAlgn="base" latinLnBrk="0" hangingPunct="1">
+              <a:lnSpc>
+                <a:spcPct val="100000"/>
+              </a:lnSpc>
+              <a:spcBef>
+                <a:spcPct val="0"/>
+              </a:spcBef>
+              <a:spcAft>
+                <a:spcPct val="0"/>
+              </a:spcAft>
+              <a:buClrTx/>
+              <a:buSzTx/>
+              <a:buFontTx/>
+              <a:buNone/>
+              <a:tabLst/>
+            </a:pPr>
+            <a:r>
+              <a:rPr kumimoji="0" lang="en-US" sz="1800" b="0" i="0" u="none" strike="noStrike" cap="none" normalizeH="0" baseline="0" dirty="0" smtClean="0">
+                <a:ln>
+                  <a:noFill/>
+                </a:ln>
+                <a:solidFill>
+                  <a:srgbClr val="000000"/>
+                </a:solidFill>
+                <a:effectLst/>
+              </a:rPr>
+              <a:t>runVoom</a:t>
+            </a:r>
+          </a:p>
+        </p:txBody>
+      </p:sp>
+      <p:cxnSp>
+        <p:nvCxnSpPr>
+          <p:cNvPr id="75" name="Elbow Connector 74"/>
+          <p:cNvCxnSpPr>
+            <a:stCxn id="7" idx="2"/>
+            <a:endCxn id="67" idx="0"/>
+          </p:cNvCxnSpPr>
+          <p:nvPr/>
+        </p:nvCxnSpPr>
+        <p:spPr bwMode="auto">
+          <a:xfrm rot="5400000">
+            <a:off x="3948978" y="1538264"/>
+            <a:ext cx="2051749" cy="3013821"/>
+          </a:xfrm>
+          <a:prstGeom prst="bentConnector3">
+            <a:avLst>
+              <a:gd name="adj1" fmla="val 50000"/>
+            </a:avLst>
+          </a:prstGeom>
+          <a:gradFill rotWithShape="1">
+            <a:gsLst>
+              <a:gs pos="0">
+                <a:srgbClr val="E5FCFF"/>
+              </a:gs>
+              <a:gs pos="100000">
+                <a:schemeClr val="hlink"/>
+              </a:gs>
+            </a:gsLst>
+            <a:lin ang="18900000" scaled="1"/>
+          </a:gradFill>
+          <a:ln w="19050" cap="flat" cmpd="sng" algn="ctr">
+            <a:solidFill>
+              <a:schemeClr val="accent2">
+                <a:lumMod val="75000"/>
+              </a:schemeClr>
+            </a:solidFill>
+            <a:prstDash val="solid"/>
+            <a:round/>
+            <a:headEnd type="none" w="med" len="med"/>
+            <a:tailEnd type="stealth" w="lg" len="lg"/>
+          </a:ln>
+          <a:effectLst/>
+        </p:spPr>
+      </p:cxnSp>
+      <p:cxnSp>
+        <p:nvCxnSpPr>
+          <p:cNvPr id="88" name="Straight Arrow Connector 87"/>
+          <p:cNvCxnSpPr>
+            <a:stCxn id="19" idx="3"/>
+            <a:endCxn id="89" idx="1"/>
+          </p:cNvCxnSpPr>
+          <p:nvPr/>
+        </p:nvCxnSpPr>
+        <p:spPr bwMode="auto">
+          <a:xfrm>
+            <a:off x="4225179" y="5807053"/>
+            <a:ext cx="813248" cy="0"/>
+          </a:xfrm>
+          <a:prstGeom prst="straightConnector1">
+            <a:avLst/>
+          </a:prstGeom>
+          <a:gradFill rotWithShape="1">
+            <a:gsLst>
+              <a:gs pos="0">
+                <a:srgbClr val="E5FCFF"/>
+              </a:gs>
+              <a:gs pos="100000">
+                <a:schemeClr val="hlink"/>
+              </a:gs>
+            </a:gsLst>
+            <a:lin ang="18900000" scaled="1"/>
+          </a:gradFill>
+          <a:ln w="19050" cap="flat" cmpd="sng" algn="ctr">
+            <a:solidFill>
+              <a:schemeClr val="accent2">
+                <a:lumMod val="75000"/>
+              </a:schemeClr>
+            </a:solidFill>
+            <a:prstDash val="solid"/>
+            <a:round/>
+            <a:headEnd type="none" w="lg" len="lg"/>
+            <a:tailEnd type="stealth" w="lg" len="lg"/>
+          </a:ln>
+          <a:effectLst/>
+        </p:spPr>
+      </p:cxnSp>
+      <p:sp>
+        <p:nvSpPr>
+          <p:cNvPr id="89" name="TextBox 88"/>
+          <p:cNvSpPr txBox="1"/>
+          <p:nvPr/>
+        </p:nvSpPr>
+        <p:spPr>
+          <a:xfrm>
+            <a:off x="5038427" y="5653164"/>
+            <a:ext cx="841897" cy="307777"/>
+          </a:xfrm>
+          <a:prstGeom prst="rect">
+            <a:avLst/>
+          </a:prstGeom>
+          <a:noFill/>
+        </p:spPr>
+        <p:txBody>
+          <a:bodyPr wrap="none" rtlCol="0">
+            <a:spAutoFit/>
+          </a:bodyPr>
+          <a:lstStyle/>
+          <a:p>
+            <a:r>
+              <a:rPr lang="en-US" sz="1400" dirty="0" err="1" smtClean="0">
+                <a:solidFill>
+                  <a:srgbClr val="FF0000"/>
+                </a:solidFill>
+              </a:rPr>
+              <a:t>DGEobj</a:t>
+            </a:r>
+            <a:endParaRPr lang="en-US" sz="1400" dirty="0">
+              <a:solidFill>
+                <a:srgbClr val="FF0000"/>
+              </a:solidFill>
+            </a:endParaRPr>
+          </a:p>
+        </p:txBody>
+      </p:sp>
+      <p:cxnSp>
+        <p:nvCxnSpPr>
+          <p:cNvPr id="90" name="Elbow Connector 89"/>
+          <p:cNvCxnSpPr>
+            <a:stCxn id="67" idx="2"/>
+            <a:endCxn id="19" idx="0"/>
+          </p:cNvCxnSpPr>
+          <p:nvPr/>
+        </p:nvCxnSpPr>
+        <p:spPr bwMode="auto">
+          <a:xfrm rot="16200000" flipH="1">
+            <a:off x="3014277" y="5077162"/>
+            <a:ext cx="907329" cy="1"/>
+          </a:xfrm>
+          <a:prstGeom prst="bentConnector3">
+            <a:avLst>
+              <a:gd name="adj1" fmla="val 50000"/>
+            </a:avLst>
+          </a:prstGeom>
+          <a:gradFill rotWithShape="1">
+            <a:gsLst>
+              <a:gs pos="0">
+                <a:srgbClr val="E5FCFF"/>
+              </a:gs>
+              <a:gs pos="100000">
+                <a:schemeClr val="hlink"/>
+              </a:gs>
+            </a:gsLst>
+            <a:lin ang="18900000" scaled="1"/>
+          </a:gradFill>
+          <a:ln w="19050" cap="flat" cmpd="sng" algn="ctr">
+            <a:solidFill>
+              <a:schemeClr val="accent2">
+                <a:lumMod val="75000"/>
+              </a:schemeClr>
+            </a:solidFill>
+            <a:prstDash val="solid"/>
+            <a:round/>
+            <a:headEnd type="none" w="med" len="med"/>
+            <a:tailEnd type="stealth" w="lg" len="lg"/>
+          </a:ln>
+          <a:effectLst/>
+        </p:spPr>
+      </p:cxnSp>
+      <p:sp>
+        <p:nvSpPr>
+          <p:cNvPr id="97" name="Rounded Rectangle 96"/>
+          <p:cNvSpPr/>
+          <p:nvPr/>
+        </p:nvSpPr>
+        <p:spPr bwMode="auto">
+          <a:xfrm>
+            <a:off x="7110325" y="5616236"/>
+            <a:ext cx="1357313" cy="381632"/>
+          </a:xfrm>
+          <a:prstGeom prst="roundRect">
+            <a:avLst/>
+          </a:prstGeom>
+          <a:gradFill rotWithShape="1">
+            <a:gsLst>
+              <a:gs pos="0">
+                <a:srgbClr val="E5FCFF"/>
+              </a:gs>
+              <a:gs pos="100000">
+                <a:schemeClr val="hlink"/>
+              </a:gs>
+            </a:gsLst>
+            <a:lin ang="18900000" scaled="1"/>
+          </a:gradFill>
+          <a:ln w="19050" cap="flat" cmpd="sng" algn="ctr">
+            <a:solidFill>
+              <a:schemeClr val="hlink"/>
+            </a:solidFill>
+            <a:prstDash val="solid"/>
+            <a:round/>
+            <a:headEnd type="none" w="med" len="med"/>
+            <a:tailEnd type="none" w="med" len="med"/>
+          </a:ln>
+          <a:effectLst/>
+        </p:spPr>
+        <p:txBody>
+          <a:bodyPr vert="horz" wrap="none" lIns="0" tIns="0" rIns="0" bIns="0" numCol="1" rtlCol="0" anchor="ctr" anchorCtr="0" compatLnSpc="1">
+            <a:prstTxWarp prst="textNoShape">
+              <a:avLst/>
+            </a:prstTxWarp>
+          </a:bodyPr>
+          <a:lstStyle/>
+          <a:p>
+            <a:pPr marL="0" marR="0" indent="0" algn="ctr" defTabSz="914400" rtl="0" eaLnBrk="1" fontAlgn="base" latinLnBrk="0" hangingPunct="1">
+              <a:lnSpc>
+                <a:spcPct val="100000"/>
+              </a:lnSpc>
+              <a:spcBef>
+                <a:spcPct val="0"/>
+              </a:spcBef>
+              <a:spcAft>
+                <a:spcPct val="0"/>
+              </a:spcAft>
+              <a:buClrTx/>
+              <a:buSzTx/>
+              <a:buFontTx/>
+              <a:buNone/>
+              <a:tabLst/>
+            </a:pPr>
+            <a:r>
+              <a:rPr kumimoji="0" lang="en-US" sz="1800" b="0" i="0" u="none" strike="noStrike" cap="none" normalizeH="0" baseline="0" dirty="0" smtClean="0">
+                <a:ln>
+                  <a:noFill/>
+                </a:ln>
+                <a:solidFill>
+                  <a:srgbClr val="000000"/>
+                </a:solidFill>
+                <a:effectLst/>
+              </a:rPr>
+              <a:t>Plot Tools</a:t>
+            </a:r>
+          </a:p>
+        </p:txBody>
+      </p:sp>
+      <p:cxnSp>
+        <p:nvCxnSpPr>
+          <p:cNvPr id="98" name="Straight Arrow Connector 97"/>
+          <p:cNvCxnSpPr/>
+          <p:nvPr/>
+        </p:nvCxnSpPr>
+        <p:spPr bwMode="auto">
+          <a:xfrm>
+            <a:off x="6103142" y="5807053"/>
+            <a:ext cx="762587" cy="0"/>
+          </a:xfrm>
+          <a:prstGeom prst="straightConnector1">
+            <a:avLst/>
+          </a:prstGeom>
+          <a:gradFill rotWithShape="1">
+            <a:gsLst>
+              <a:gs pos="0">
+                <a:srgbClr val="E5FCFF"/>
+              </a:gs>
+              <a:gs pos="100000">
+                <a:schemeClr val="hlink"/>
+              </a:gs>
+            </a:gsLst>
+            <a:lin ang="18900000" scaled="1"/>
+          </a:gradFill>
+          <a:ln w="19050" cap="flat" cmpd="sng" algn="ctr">
+            <a:solidFill>
+              <a:schemeClr val="accent2">
+                <a:lumMod val="75000"/>
+              </a:schemeClr>
+            </a:solidFill>
+            <a:prstDash val="solid"/>
+            <a:round/>
+            <a:headEnd type="none" w="lg" len="lg"/>
+            <a:tailEnd type="stealth" w="lg" len="lg"/>
+          </a:ln>
+          <a:effectLst/>
+        </p:spPr>
+      </p:cxnSp>
+      <p:cxnSp>
+        <p:nvCxnSpPr>
+          <p:cNvPr id="48" name="Straight Arrow Connector 47"/>
+          <p:cNvCxnSpPr/>
+          <p:nvPr/>
+        </p:nvCxnSpPr>
+        <p:spPr bwMode="auto">
+          <a:xfrm flipH="1">
+            <a:off x="6523995" y="3045174"/>
+            <a:ext cx="1098188" cy="0"/>
+          </a:xfrm>
+          <a:prstGeom prst="straightConnector1">
+            <a:avLst/>
+          </a:prstGeom>
+          <a:gradFill rotWithShape="1">
+            <a:gsLst>
+              <a:gs pos="0">
+                <a:srgbClr val="E5FCFF"/>
+              </a:gs>
+              <a:gs pos="100000">
+                <a:schemeClr val="hlink"/>
+              </a:gs>
+            </a:gsLst>
+            <a:lin ang="18900000" scaled="1"/>
+          </a:gradFill>
+          <a:ln w="19050" cap="flat" cmpd="sng" algn="ctr">
+            <a:solidFill>
+              <a:srgbClr val="FF0000"/>
+            </a:solidFill>
+            <a:prstDash val="solid"/>
+            <a:round/>
+            <a:headEnd type="none" w="lg" len="lg"/>
+            <a:tailEnd type="stealth" w="lg" len="lg"/>
+          </a:ln>
+          <a:effectLst/>
+        </p:spPr>
+      </p:cxnSp>
+      <p:cxnSp>
+        <p:nvCxnSpPr>
+          <p:cNvPr id="51" name="Straight Arrow Connector 50"/>
+          <p:cNvCxnSpPr>
+            <a:stCxn id="10" idx="0"/>
+          </p:cNvCxnSpPr>
+          <p:nvPr/>
+        </p:nvCxnSpPr>
+        <p:spPr bwMode="auto">
+          <a:xfrm flipH="1" flipV="1">
+            <a:off x="7622183" y="3045174"/>
+            <a:ext cx="21666" cy="1104766"/>
+          </a:xfrm>
+          <a:prstGeom prst="straightConnector1">
+            <a:avLst/>
+          </a:prstGeom>
+          <a:gradFill rotWithShape="1">
+            <a:gsLst>
+              <a:gs pos="0">
+                <a:srgbClr val="E5FCFF"/>
+              </a:gs>
+              <a:gs pos="100000">
+                <a:schemeClr val="hlink"/>
+              </a:gs>
+            </a:gsLst>
+            <a:lin ang="18900000" scaled="1"/>
+          </a:gradFill>
+          <a:ln w="19050" cap="flat" cmpd="sng" algn="ctr">
+            <a:solidFill>
+              <a:srgbClr val="FF0000"/>
+            </a:solidFill>
+            <a:prstDash val="solid"/>
+            <a:round/>
+            <a:headEnd type="none" w="lg" len="lg"/>
+            <a:tailEnd type="none" w="lg" len="lg"/>
+          </a:ln>
+          <a:effectLst/>
+        </p:spPr>
+      </p:cxnSp>
+      <p:sp>
+        <p:nvSpPr>
+          <p:cNvPr id="55" name="TextBox 54"/>
+          <p:cNvSpPr txBox="1"/>
+          <p:nvPr/>
+        </p:nvSpPr>
+        <p:spPr>
+          <a:xfrm>
+            <a:off x="3383281" y="5086601"/>
+            <a:ext cx="841898" cy="307777"/>
+          </a:xfrm>
+          <a:prstGeom prst="rect">
+            <a:avLst/>
+          </a:prstGeom>
+          <a:noFill/>
+        </p:spPr>
+        <p:txBody>
+          <a:bodyPr wrap="none" rtlCol="0">
+            <a:spAutoFit/>
+          </a:bodyPr>
+          <a:lstStyle/>
+          <a:p>
+            <a:r>
+              <a:rPr lang="en-US" sz="1400" dirty="0" err="1" smtClean="0">
+                <a:solidFill>
+                  <a:srgbClr val="FF0000"/>
+                </a:solidFill>
+              </a:rPr>
+              <a:t>DGEobj</a:t>
+            </a:r>
+            <a:endParaRPr lang="en-US" sz="1400" dirty="0">
+              <a:solidFill>
+                <a:srgbClr val="FF0000"/>
+              </a:solidFill>
+            </a:endParaRPr>
+          </a:p>
+        </p:txBody>
+      </p:sp>
+      <p:cxnSp>
+        <p:nvCxnSpPr>
+          <p:cNvPr id="11" name="Elbow Connector 10"/>
+          <p:cNvCxnSpPr>
+            <a:endCxn id="10" idx="2"/>
+          </p:cNvCxnSpPr>
+          <p:nvPr/>
+        </p:nvCxnSpPr>
+        <p:spPr bwMode="auto">
+          <a:xfrm flipV="1">
+            <a:off x="5230939" y="4531572"/>
+            <a:ext cx="2412910" cy="545590"/>
+          </a:xfrm>
+          <a:prstGeom prst="bentConnector2">
+            <a:avLst/>
+          </a:prstGeom>
+          <a:gradFill rotWithShape="1">
+            <a:gsLst>
+              <a:gs pos="0">
+                <a:srgbClr val="E5FCFF"/>
+              </a:gs>
+              <a:gs pos="100000">
+                <a:schemeClr val="hlink"/>
+              </a:gs>
+            </a:gsLst>
+            <a:lin ang="18900000" scaled="1"/>
+          </a:gradFill>
+          <a:ln w="19050" cap="flat" cmpd="sng" algn="ctr">
+            <a:solidFill>
+              <a:srgbClr val="FF0000"/>
+            </a:solidFill>
+            <a:prstDash val="solid"/>
+            <a:round/>
+            <a:headEnd type="none" w="lg" len="lg"/>
+            <a:tailEnd type="stealth" w="lg" len="lg"/>
+          </a:ln>
+          <a:effectLst/>
+        </p:spPr>
+      </p:cxnSp>
+      <p:sp>
+        <p:nvSpPr>
+          <p:cNvPr id="34" name="TextBox 33"/>
+          <p:cNvSpPr txBox="1"/>
+          <p:nvPr/>
+        </p:nvSpPr>
+        <p:spPr>
+          <a:xfrm>
+            <a:off x="6060814" y="4778824"/>
+            <a:ext cx="841898" cy="307777"/>
+          </a:xfrm>
+          <a:prstGeom prst="rect">
+            <a:avLst/>
+          </a:prstGeom>
+          <a:noFill/>
+        </p:spPr>
+        <p:txBody>
+          <a:bodyPr wrap="none" rtlCol="0">
+            <a:spAutoFit/>
+          </a:bodyPr>
+          <a:lstStyle/>
+          <a:p>
+            <a:r>
+              <a:rPr lang="en-US" sz="1400" dirty="0" err="1" smtClean="0">
+                <a:solidFill>
+                  <a:srgbClr val="FF0000"/>
+                </a:solidFill>
+              </a:rPr>
+              <a:t>DGEobj</a:t>
+            </a:r>
+            <a:endParaRPr lang="en-US" sz="1400" dirty="0">
+              <a:solidFill>
+                <a:srgbClr val="FF0000"/>
+              </a:solidFill>
+            </a:endParaRPr>
+          </a:p>
+        </p:txBody>
+      </p:sp>
+      <p:sp>
+        <p:nvSpPr>
+          <p:cNvPr id="35" name="TextBox 34"/>
+          <p:cNvSpPr txBox="1"/>
+          <p:nvPr/>
+        </p:nvSpPr>
+        <p:spPr>
+          <a:xfrm>
+            <a:off x="6689377" y="3048423"/>
+            <a:ext cx="841898" cy="307777"/>
+          </a:xfrm>
+          <a:prstGeom prst="rect">
+            <a:avLst/>
+          </a:prstGeom>
+          <a:noFill/>
+        </p:spPr>
+        <p:txBody>
+          <a:bodyPr wrap="none" rtlCol="0">
+            <a:spAutoFit/>
+          </a:bodyPr>
+          <a:lstStyle/>
+          <a:p>
+            <a:r>
+              <a:rPr lang="en-US" sz="1400" dirty="0" err="1" smtClean="0">
+                <a:solidFill>
+                  <a:srgbClr val="FF0000"/>
+                </a:solidFill>
+              </a:rPr>
+              <a:t>DGEobj</a:t>
+            </a:r>
+            <a:endParaRPr lang="en-US" sz="1400" dirty="0">
+              <a:solidFill>
+                <a:srgbClr val="FF0000"/>
+              </a:solidFill>
+            </a:endParaRPr>
+          </a:p>
+        </p:txBody>
+      </p:sp>
+    </p:spTree>
+    <p:extLst>
+      <p:ext uri="{BB962C8B-B14F-4D97-AF65-F5344CB8AC3E}">
+        <p14:creationId xmlns:p14="http://schemas.microsoft.com/office/powerpoint/2010/main" val="2490674983"/>
+      </p:ext>
+    </p:extLst>
+  </p:cSld>
+  <p:clrMapOvr>
+    <a:masterClrMapping/>
+  </p:clrMapOvr>
+  <p:transition>
+    <p:wipe dir="r"/>
+  </p:transition>
+  <p:timing>
+    <p:tnLst>
+      <p:par>
+        <p:cTn id="1" dur="indefinite" restart="never" nodeType="tmRoot"/>
+      </p:par>
+    </p:tnLst>
+  </p:timing>
+</p:sld>
+</file>
+
+<file path=ppt/slides/slide14.xml><?xml version="1.0" encoding="utf-8"?>
+<p:sld xmlns:a="http://schemas.openxmlformats.org/drawingml/2006/main" xmlns:r="http://schemas.openxmlformats.org/officeDocument/2006/relationships" xmlns:p="http://schemas.openxmlformats.org/presentationml/2006/main">
+  <p:cSld>
+    <p:spTree>
+      <p:nvGrpSpPr>
+        <p:cNvPr id="1" name=""/>
+        <p:cNvGrpSpPr/>
+        <p:nvPr/>
+      </p:nvGrpSpPr>
+      <p:grpSpPr>
+        <a:xfrm>
+          <a:off x="0" y="0"/>
+          <a:ext cx="0" cy="0"/>
+          <a:chOff x="0" y="0"/>
+          <a:chExt cx="0" cy="0"/>
+        </a:xfrm>
+      </p:grpSpPr>
+      <p:sp>
+        <p:nvSpPr>
+          <p:cNvPr id="2" name="Title 1"/>
+          <p:cNvSpPr>
+            <a:spLocks noGrp="1"/>
+          </p:cNvSpPr>
+          <p:nvPr>
+            <p:ph type="title"/>
+          </p:nvPr>
+        </p:nvSpPr>
+        <p:spPr/>
+        <p:txBody>
+          <a:bodyPr/>
+          <a:lstStyle/>
+          <a:p>
+            <a:r>
               <a:rPr lang="en-US" dirty="0" smtClean="0"/>
               <a:t>Use zFPKM to select expressed genes</a:t>
             </a:r>
@@ -3088,7 +5937,7 @@
 </p:sld>
 </file>
 
-<file path=ppt/slides/slide11.xml><?xml version="1.0" encoding="utf-8"?>
+<file path=ppt/slides/slide15.xml><?xml version="1.0" encoding="utf-8"?>
 <p:sld xmlns:a="http://schemas.openxmlformats.org/drawingml/2006/main" xmlns:r="http://schemas.openxmlformats.org/officeDocument/2006/relationships" xmlns:p="http://schemas.openxmlformats.org/presentationml/2006/main">
   <p:cSld>
     <p:spTree>
@@ -3303,7 +6152,7 @@
 </p:sld>
 </file>
 
-<file path=ppt/slides/slide12.xml><?xml version="1.0" encoding="utf-8"?>
+<file path=ppt/slides/slide16.xml><?xml version="1.0" encoding="utf-8"?>
 <p:sld xmlns:a="http://schemas.openxmlformats.org/drawingml/2006/main" xmlns:r="http://schemas.openxmlformats.org/officeDocument/2006/relationships" xmlns:p="http://schemas.openxmlformats.org/presentationml/2006/main">
   <p:cSld>
     <p:spTree>
@@ -3511,7 +6360,7 @@
 </p:sld>
 </file>
 
-<file path=ppt/slides/slide13.xml><?xml version="1.0" encoding="utf-8"?>
+<file path=ppt/slides/slide17.xml><?xml version="1.0" encoding="utf-8"?>
 <p:sld xmlns:a="http://schemas.openxmlformats.org/drawingml/2006/main" xmlns:r="http://schemas.openxmlformats.org/officeDocument/2006/relationships" xmlns:p="http://schemas.openxmlformats.org/presentationml/2006/main">
   <p:cSld>
     <p:spTree>
@@ -3774,7 +6623,7 @@
 </p:sld>
 </file>
 
-<file path=ppt/slides/slide14.xml><?xml version="1.0" encoding="utf-8"?>
+<file path=ppt/slides/slide18.xml><?xml version="1.0" encoding="utf-8"?>
 <p:sld xmlns:a="http://schemas.openxmlformats.org/drawingml/2006/main" xmlns:r="http://schemas.openxmlformats.org/officeDocument/2006/relationships" xmlns:p="http://schemas.openxmlformats.org/presentationml/2006/main">
   <p:cSld>
     <p:spTree>
@@ -4123,7 +6972,7 @@
 </p:sld>
 </file>
 
-<file path=ppt/slides/slide15.xml><?xml version="1.0" encoding="utf-8"?>
+<file path=ppt/slides/slide19.xml><?xml version="1.0" encoding="utf-8"?>
 <p:sld xmlns:a="http://schemas.openxmlformats.org/drawingml/2006/main" xmlns:r="http://schemas.openxmlformats.org/officeDocument/2006/relationships" xmlns:p="http://schemas.openxmlformats.org/presentationml/2006/main">
   <p:cSld>
     <p:spTree>
@@ -4356,7 +7205,250 @@
 </p:sld>
 </file>
 
-<file path=ppt/slides/slide16.xml><?xml version="1.0" encoding="utf-8"?>
+<file path=ppt/slides/slide2.xml><?xml version="1.0" encoding="utf-8"?>
+<p:sld xmlns:a="http://schemas.openxmlformats.org/drawingml/2006/main" xmlns:r="http://schemas.openxmlformats.org/officeDocument/2006/relationships" xmlns:p="http://schemas.openxmlformats.org/presentationml/2006/main">
+  <p:cSld>
+    <p:spTree>
+      <p:nvGrpSpPr>
+        <p:cNvPr id="1" name=""/>
+        <p:cNvGrpSpPr/>
+        <p:nvPr/>
+      </p:nvGrpSpPr>
+      <p:grpSpPr>
+        <a:xfrm>
+          <a:off x="0" y="0"/>
+          <a:ext cx="0" cy="0"/>
+          <a:chOff x="0" y="0"/>
+          <a:chExt cx="0" cy="0"/>
+        </a:xfrm>
+      </p:grpSpPr>
+      <p:sp>
+        <p:nvSpPr>
+          <p:cNvPr id="2" name="Title 1"/>
+          <p:cNvSpPr>
+            <a:spLocks noGrp="1"/>
+          </p:cNvSpPr>
+          <p:nvPr>
+            <p:ph type="title"/>
+          </p:nvPr>
+        </p:nvSpPr>
+        <p:spPr/>
+        <p:txBody>
+          <a:bodyPr/>
+          <a:lstStyle/>
+          <a:p>
+            <a:r>
+              <a:rPr lang="en-US" dirty="0" err="1" smtClean="0"/>
+              <a:t>DGE.Tools</a:t>
+            </a:r>
+            <a:r>
+              <a:rPr lang="en-US" dirty="0" smtClean="0"/>
+              <a:t> Motivation</a:t>
+            </a:r>
+            <a:endParaRPr lang="en-US" dirty="0"/>
+          </a:p>
+        </p:txBody>
+      </p:sp>
+      <p:sp>
+        <p:nvSpPr>
+          <p:cNvPr id="3" name="Content Placeholder 2"/>
+          <p:cNvSpPr>
+            <a:spLocks noGrp="1"/>
+          </p:cNvSpPr>
+          <p:nvPr>
+            <p:ph idx="1"/>
+          </p:nvPr>
+        </p:nvSpPr>
+        <p:spPr/>
+        <p:txBody>
+          <a:bodyPr/>
+          <a:lstStyle/>
+          <a:p>
+            <a:r>
+              <a:rPr lang="en-US" sz="2800" dirty="0"/>
+              <a:t>A suite of R functions and </a:t>
+            </a:r>
+            <a:r>
+              <a:rPr lang="en-US" sz="2800" dirty="0" smtClean="0"/>
+              <a:t>a data structure </a:t>
+            </a:r>
+            <a:r>
+              <a:rPr lang="en-US" sz="2800" dirty="0"/>
+              <a:t>to standardize </a:t>
+            </a:r>
+            <a:r>
+              <a:rPr lang="en-US" sz="2800" dirty="0" smtClean="0"/>
+              <a:t>scripted </a:t>
+            </a:r>
+            <a:r>
+              <a:rPr lang="en-US" sz="2800" dirty="0"/>
+              <a:t>DGE analysis</a:t>
+            </a:r>
+          </a:p>
+          <a:p>
+            <a:r>
+              <a:rPr lang="en-US" sz="2400" dirty="0" smtClean="0"/>
+              <a:t>Standardize functions to establish common “best practice” workflows</a:t>
+            </a:r>
+          </a:p>
+          <a:p>
+            <a:pPr marL="920750" lvl="1" indent="-457200">
+              <a:buFont typeface="Arial" panose="020B0604020202020204" pitchFamily="34" charset="0"/>
+              <a:buChar char="•"/>
+            </a:pPr>
+            <a:r>
+              <a:rPr lang="en-US" sz="1800" dirty="0" smtClean="0"/>
+              <a:t>This does NOT mean people shouldn’t experiment with variations of </a:t>
+            </a:r>
+            <a:r>
+              <a:rPr lang="en-US" sz="1800" dirty="0" err="1" smtClean="0"/>
+              <a:t>edgeR</a:t>
+            </a:r>
+            <a:r>
+              <a:rPr lang="en-US" sz="1800" dirty="0" smtClean="0"/>
+              <a:t>, DESeq2, etc.</a:t>
+            </a:r>
+          </a:p>
+          <a:p>
+            <a:pPr marL="920750" lvl="1" indent="-457200">
+              <a:buFont typeface="Arial" panose="020B0604020202020204" pitchFamily="34" charset="0"/>
+              <a:buChar char="•"/>
+            </a:pPr>
+            <a:r>
+              <a:rPr lang="en-US" sz="1800" dirty="0" smtClean="0"/>
+              <a:t>But we should establish common, rational parameters for running each of these methods</a:t>
+            </a:r>
+          </a:p>
+          <a:p>
+            <a:r>
+              <a:rPr lang="en-US" sz="2400" dirty="0" smtClean="0"/>
+              <a:t>Standardized Data Structure </a:t>
+            </a:r>
+            <a:r>
+              <a:rPr lang="en-US" sz="2400" dirty="0" smtClean="0"/>
+              <a:t>(</a:t>
+            </a:r>
+            <a:r>
+              <a:rPr lang="en-US" sz="2400" dirty="0" err="1" smtClean="0"/>
+              <a:t>DGEobj</a:t>
+            </a:r>
+            <a:r>
+              <a:rPr lang="en-US" sz="2400" dirty="0" smtClean="0"/>
+              <a:t>)</a:t>
+            </a:r>
+            <a:endParaRPr lang="en-US" sz="2400" dirty="0" smtClean="0"/>
+          </a:p>
+          <a:p>
+            <a:pPr marL="806450" lvl="1" indent="-342900">
+              <a:spcBef>
+                <a:spcPts val="500"/>
+              </a:spcBef>
+              <a:buFont typeface="Arial" panose="020B0604020202020204" pitchFamily="34" charset="0"/>
+              <a:buChar char="•"/>
+            </a:pPr>
+            <a:r>
+              <a:rPr lang="en-US" sz="1800" dirty="0" smtClean="0"/>
+              <a:t>Sharing a common data structure:</a:t>
+            </a:r>
+          </a:p>
+          <a:p>
+            <a:pPr marL="1138238" lvl="2" indent="-342900">
+              <a:spcBef>
+                <a:spcPts val="500"/>
+              </a:spcBef>
+              <a:buFont typeface="Arial" panose="020B0604020202020204" pitchFamily="34" charset="0"/>
+              <a:buChar char="•"/>
+            </a:pPr>
+            <a:r>
+              <a:rPr lang="en-US" sz="1800" dirty="0" smtClean="0"/>
+              <a:t>Improves reusability</a:t>
+            </a:r>
+          </a:p>
+          <a:p>
+            <a:pPr marL="1138238" lvl="2" indent="-342900">
+              <a:spcBef>
+                <a:spcPts val="500"/>
+              </a:spcBef>
+              <a:buFont typeface="Arial" panose="020B0604020202020204" pitchFamily="34" charset="0"/>
+              <a:buChar char="•"/>
+            </a:pPr>
+            <a:r>
+              <a:rPr lang="en-US" sz="1800" dirty="0"/>
+              <a:t>F</a:t>
+            </a:r>
+            <a:r>
+              <a:rPr lang="en-US" sz="1800" dirty="0" smtClean="0"/>
+              <a:t>osters sharing of code and data among </a:t>
+            </a:r>
+            <a:r>
+              <a:rPr lang="en-US" sz="1800" dirty="0" smtClean="0"/>
+              <a:t>analysts</a:t>
+            </a:r>
+            <a:endParaRPr lang="en-US" sz="1800" dirty="0" smtClean="0"/>
+          </a:p>
+          <a:p>
+            <a:pPr marL="1138238" lvl="2" indent="-342900">
+              <a:spcBef>
+                <a:spcPts val="500"/>
+              </a:spcBef>
+              <a:buFont typeface="Arial" panose="020B0604020202020204" pitchFamily="34" charset="0"/>
+              <a:buChar char="•"/>
+            </a:pPr>
+            <a:r>
+              <a:rPr lang="en-US" sz="1800" dirty="0" smtClean="0"/>
+              <a:t>Facilitates data re-use for downstream applications</a:t>
+            </a:r>
+            <a:endParaRPr lang="en-US" sz="1800" dirty="0"/>
+          </a:p>
+        </p:txBody>
+      </p:sp>
+      <p:sp>
+        <p:nvSpPr>
+          <p:cNvPr id="4" name="Footer Placeholder 3"/>
+          <p:cNvSpPr>
+            <a:spLocks noGrp="1"/>
+          </p:cNvSpPr>
+          <p:nvPr>
+            <p:ph type="ftr" sz="quarter" idx="11"/>
+          </p:nvPr>
+        </p:nvSpPr>
+        <p:spPr/>
+        <p:txBody>
+          <a:bodyPr/>
+          <a:lstStyle/>
+          <a:p>
+            <a:r>
+              <a:rPr lang="en-US" smtClean="0"/>
+              <a:t>BMS Confidential</a:t>
+            </a:r>
+            <a:endParaRPr lang="en-US"/>
+          </a:p>
+        </p:txBody>
+      </p:sp>
+    </p:spTree>
+    <p:extLst>
+      <p:ext uri="{BB962C8B-B14F-4D97-AF65-F5344CB8AC3E}">
+        <p14:creationId xmlns:p14="http://schemas.microsoft.com/office/powerpoint/2010/main" val="3070536540"/>
+      </p:ext>
+    </p:extLst>
+  </p:cSld>
+  <p:clrMapOvr>
+    <a:masterClrMapping/>
+  </p:clrMapOvr>
+  <p:transition>
+    <p:wipe dir="r"/>
+  </p:transition>
+  <p:timing>
+    <p:tnLst>
+      <p:par>
+        <p:cTn id="1" dur="indefinite" restart="never" nodeType="tmRoot"/>
+      </p:par>
+    </p:tnLst>
+  </p:timing>
+</p:sld>
+</file>
+
+<file path=ppt/slides/slide20.xml><?xml version="1.0" encoding="utf-8"?>
 <p:sld xmlns:a="http://schemas.openxmlformats.org/drawingml/2006/main" xmlns:r="http://schemas.openxmlformats.org/officeDocument/2006/relationships" xmlns:p="http://schemas.openxmlformats.org/presentationml/2006/main">
   <p:cSld>
     <p:spTree>
@@ -4846,7 +7938,7 @@
 </p:sld>
 </file>
 
-<file path=ppt/slides/slide17.xml><?xml version="1.0" encoding="utf-8"?>
+<file path=ppt/slides/slide21.xml><?xml version="1.0" encoding="utf-8"?>
 <p:sld xmlns:a="http://schemas.openxmlformats.org/drawingml/2006/main" xmlns:r="http://schemas.openxmlformats.org/officeDocument/2006/relationships" xmlns:p="http://schemas.openxmlformats.org/presentationml/2006/main">
   <p:cSld>
     <p:spTree>
@@ -7074,7 +10166,7 @@
 </p:sld>
 </file>
 
-<file path=ppt/slides/slide18.xml><?xml version="1.0" encoding="utf-8"?>
+<file path=ppt/slides/slide22.xml><?xml version="1.0" encoding="utf-8"?>
 <p:sld xmlns:a="http://schemas.openxmlformats.org/drawingml/2006/main" xmlns:r="http://schemas.openxmlformats.org/officeDocument/2006/relationships" xmlns:p="http://schemas.openxmlformats.org/presentationml/2006/main">
   <p:cSld>
     <p:spTree>
@@ -7368,7 +10460,7 @@
 </p:sld>
 </file>
 
-<file path=ppt/slides/slide19.xml><?xml version="1.0" encoding="utf-8"?>
+<file path=ppt/slides/slide23.xml><?xml version="1.0" encoding="utf-8"?>
 <p:sld xmlns:a="http://schemas.openxmlformats.org/drawingml/2006/main" xmlns:r="http://schemas.openxmlformats.org/officeDocument/2006/relationships" xmlns:p="http://schemas.openxmlformats.org/presentationml/2006/main">
   <p:cSld>
     <p:spTree>
@@ -7563,232 +10655,7 @@
 </p:sld>
 </file>
 
-<file path=ppt/slides/slide2.xml><?xml version="1.0" encoding="utf-8"?>
-<p:sld xmlns:a="http://schemas.openxmlformats.org/drawingml/2006/main" xmlns:r="http://schemas.openxmlformats.org/officeDocument/2006/relationships" xmlns:p="http://schemas.openxmlformats.org/presentationml/2006/main">
-  <p:cSld>
-    <p:spTree>
-      <p:nvGrpSpPr>
-        <p:cNvPr id="1" name=""/>
-        <p:cNvGrpSpPr/>
-        <p:nvPr/>
-      </p:nvGrpSpPr>
-      <p:grpSpPr>
-        <a:xfrm>
-          <a:off x="0" y="0"/>
-          <a:ext cx="0" cy="0"/>
-          <a:chOff x="0" y="0"/>
-          <a:chExt cx="0" cy="0"/>
-        </a:xfrm>
-      </p:grpSpPr>
-      <p:sp>
-        <p:nvSpPr>
-          <p:cNvPr id="2" name="Title 1"/>
-          <p:cNvSpPr>
-            <a:spLocks noGrp="1"/>
-          </p:cNvSpPr>
-          <p:nvPr>
-            <p:ph type="title"/>
-          </p:nvPr>
-        </p:nvSpPr>
-        <p:spPr/>
-        <p:txBody>
-          <a:bodyPr/>
-          <a:lstStyle/>
-          <a:p>
-            <a:r>
-              <a:rPr lang="en-US" dirty="0" err="1" smtClean="0"/>
-              <a:t>DGE.Tools</a:t>
-            </a:r>
-            <a:r>
-              <a:rPr lang="en-US" dirty="0" smtClean="0"/>
-              <a:t> Motivation</a:t>
-            </a:r>
-            <a:endParaRPr lang="en-US" dirty="0"/>
-          </a:p>
-        </p:txBody>
-      </p:sp>
-      <p:sp>
-        <p:nvSpPr>
-          <p:cNvPr id="3" name="Content Placeholder 2"/>
-          <p:cNvSpPr>
-            <a:spLocks noGrp="1"/>
-          </p:cNvSpPr>
-          <p:nvPr>
-            <p:ph idx="1"/>
-          </p:nvPr>
-        </p:nvSpPr>
-        <p:spPr/>
-        <p:txBody>
-          <a:bodyPr/>
-          <a:lstStyle/>
-          <a:p>
-            <a:r>
-              <a:rPr lang="en-US" sz="2800" dirty="0"/>
-              <a:t>A suite of R functions and </a:t>
-            </a:r>
-            <a:r>
-              <a:rPr lang="en-US" sz="2800" dirty="0" smtClean="0"/>
-              <a:t>a data structure </a:t>
-            </a:r>
-            <a:r>
-              <a:rPr lang="en-US" sz="2800" dirty="0"/>
-              <a:t>to standardize </a:t>
-            </a:r>
-            <a:r>
-              <a:rPr lang="en-US" sz="2800" dirty="0" smtClean="0"/>
-              <a:t>scripted </a:t>
-            </a:r>
-            <a:r>
-              <a:rPr lang="en-US" sz="2800" dirty="0"/>
-              <a:t>DGE analysis</a:t>
-            </a:r>
-          </a:p>
-          <a:p>
-            <a:r>
-              <a:rPr lang="en-US" sz="2400" dirty="0" smtClean="0"/>
-              <a:t>Standardize functions to establish common “best practice” workflows</a:t>
-            </a:r>
-          </a:p>
-          <a:p>
-            <a:pPr marL="920750" lvl="1" indent="-457200">
-              <a:buFont typeface="Arial" panose="020B0604020202020204" pitchFamily="34" charset="0"/>
-              <a:buChar char="•"/>
-            </a:pPr>
-            <a:r>
-              <a:rPr lang="en-US" sz="1800" dirty="0" smtClean="0"/>
-              <a:t>This does NOT mean people shouldn’t experiment with variations of </a:t>
-            </a:r>
-            <a:r>
-              <a:rPr lang="en-US" sz="1800" dirty="0" err="1" smtClean="0"/>
-              <a:t>edgeR</a:t>
-            </a:r>
-            <a:r>
-              <a:rPr lang="en-US" sz="1800" dirty="0" smtClean="0"/>
-              <a:t>, DESeq2, etc.</a:t>
-            </a:r>
-          </a:p>
-          <a:p>
-            <a:pPr marL="920750" lvl="1" indent="-457200">
-              <a:buFont typeface="Arial" panose="020B0604020202020204" pitchFamily="34" charset="0"/>
-              <a:buChar char="•"/>
-            </a:pPr>
-            <a:r>
-              <a:rPr lang="en-US" sz="1800" dirty="0" smtClean="0"/>
-              <a:t>But we should establish common, rational parameters for running each of these methods</a:t>
-            </a:r>
-          </a:p>
-          <a:p>
-            <a:r>
-              <a:rPr lang="en-US" sz="2400" dirty="0" smtClean="0"/>
-              <a:t>Standardized Data Structure </a:t>
-            </a:r>
-          </a:p>
-          <a:p>
-            <a:pPr marL="806450" lvl="1" indent="-342900">
-              <a:spcBef>
-                <a:spcPts val="500"/>
-              </a:spcBef>
-              <a:buFont typeface="Arial" panose="020B0604020202020204" pitchFamily="34" charset="0"/>
-              <a:buChar char="•"/>
-            </a:pPr>
-            <a:r>
-              <a:rPr lang="en-US" sz="1800" dirty="0" smtClean="0"/>
-              <a:t>Sharing a common data structure:</a:t>
-            </a:r>
-          </a:p>
-          <a:p>
-            <a:pPr marL="1138238" lvl="2" indent="-342900">
-              <a:spcBef>
-                <a:spcPts val="500"/>
-              </a:spcBef>
-              <a:buFont typeface="Arial" panose="020B0604020202020204" pitchFamily="34" charset="0"/>
-              <a:buChar char="•"/>
-            </a:pPr>
-            <a:r>
-              <a:rPr lang="en-US" sz="1800" dirty="0" smtClean="0"/>
-              <a:t>Improves reusability</a:t>
-            </a:r>
-          </a:p>
-          <a:p>
-            <a:pPr marL="1138238" lvl="2" indent="-342900">
-              <a:spcBef>
-                <a:spcPts val="500"/>
-              </a:spcBef>
-              <a:buFont typeface="Arial" panose="020B0604020202020204" pitchFamily="34" charset="0"/>
-              <a:buChar char="•"/>
-            </a:pPr>
-            <a:r>
-              <a:rPr lang="en-US" sz="1800" dirty="0"/>
-              <a:t>F</a:t>
-            </a:r>
-            <a:r>
-              <a:rPr lang="en-US" sz="1800" dirty="0" smtClean="0"/>
-              <a:t>osters sharing of code and data among analysts. </a:t>
-            </a:r>
-          </a:p>
-          <a:p>
-            <a:pPr marL="1138238" lvl="2" indent="-342900">
-              <a:spcBef>
-                <a:spcPts val="500"/>
-              </a:spcBef>
-              <a:buFont typeface="Arial" panose="020B0604020202020204" pitchFamily="34" charset="0"/>
-              <a:buChar char="•"/>
-            </a:pPr>
-            <a:r>
-              <a:rPr lang="en-US" sz="1800" dirty="0" smtClean="0"/>
-              <a:t>Facilitates data re-use for downstream applications</a:t>
-            </a:r>
-            <a:endParaRPr lang="en-US" sz="1800" dirty="0"/>
-          </a:p>
-        </p:txBody>
-      </p:sp>
-      <p:sp>
-        <p:nvSpPr>
-          <p:cNvPr id="4" name="Footer Placeholder 3"/>
-          <p:cNvSpPr>
-            <a:spLocks noGrp="1"/>
-          </p:cNvSpPr>
-          <p:nvPr>
-            <p:ph type="ftr" sz="quarter" idx="11"/>
-          </p:nvPr>
-        </p:nvSpPr>
-        <p:spPr/>
-        <p:txBody>
-          <a:bodyPr/>
-          <a:lstStyle/>
-          <a:p>
-            <a:r>
-              <a:rPr lang="en-US" smtClean="0"/>
-              <a:t>BMS Confidential</a:t>
-            </a:r>
-            <a:endParaRPr lang="en-US"/>
-          </a:p>
-        </p:txBody>
-      </p:sp>
-    </p:spTree>
-    <p:extLst>
-      <p:ext uri="{BB962C8B-B14F-4D97-AF65-F5344CB8AC3E}">
-        <p14:creationId xmlns:p14="http://schemas.microsoft.com/office/powerpoint/2010/main" val="3070536540"/>
-      </p:ext>
-    </p:extLst>
-  </p:cSld>
-  <p:clrMapOvr>
-    <a:masterClrMapping/>
-  </p:clrMapOvr>
-  <p:transition>
-    <p:wipe dir="r"/>
-  </p:transition>
-  <p:timing>
-    <p:tnLst>
-      <p:par>
-        <p:cTn id="1" dur="indefinite" restart="never" nodeType="tmRoot"/>
-      </p:par>
-    </p:tnLst>
-  </p:timing>
-</p:sld>
-</file>
-
-<file path=ppt/slides/slide20.xml><?xml version="1.0" encoding="utf-8"?>
+<file path=ppt/slides/slide24.xml><?xml version="1.0" encoding="utf-8"?>
 <p:sld xmlns:a="http://schemas.openxmlformats.org/drawingml/2006/main" xmlns:r="http://schemas.openxmlformats.org/officeDocument/2006/relationships" xmlns:p="http://schemas.openxmlformats.org/presentationml/2006/main">
   <p:cSld>
     <p:spTree>
@@ -7942,7 +10809,7 @@
 </p:sld>
 </file>
 
-<file path=ppt/slides/slide21.xml><?xml version="1.0" encoding="utf-8"?>
+<file path=ppt/slides/slide25.xml><?xml version="1.0" encoding="utf-8"?>
 <p:sld xmlns:a="http://schemas.openxmlformats.org/drawingml/2006/main" xmlns:r="http://schemas.openxmlformats.org/officeDocument/2006/relationships" xmlns:p="http://schemas.openxmlformats.org/presentationml/2006/main">
   <p:cSld>
     <p:spTree>
@@ -9575,11 +12442,11 @@
           <a:p>
             <a:r>
               <a:rPr lang="en-US" dirty="0" err="1" smtClean="0"/>
-              <a:t>DGE.Tools</a:t>
+              <a:t>DGEobj</a:t>
             </a:r>
             <a:r>
               <a:rPr lang="en-US" dirty="0" smtClean="0"/>
-              <a:t>: DGE Pipeline Functions</a:t>
+              <a:t> Design Overview</a:t>
             </a:r>
             <a:endParaRPr lang="en-US" dirty="0"/>
           </a:p>
@@ -9597,8 +12464,8 @@
         </p:nvSpPr>
         <p:spPr>
           <a:xfrm>
-            <a:off x="545284" y="1302036"/>
-            <a:ext cx="8196044" cy="5014873"/>
+            <a:off x="555259" y="1553384"/>
+            <a:ext cx="7769225" cy="4785756"/>
           </a:xfrm>
         </p:spPr>
         <p:txBody>
@@ -9606,486 +12473,103 @@
           <a:lstStyle/>
           <a:p>
             <a:r>
-              <a:rPr lang="en-US" sz="2000" dirty="0" smtClean="0"/>
-              <a:t>Main Functions: </a:t>
-            </a:r>
-            <a:r>
-              <a:rPr lang="en-US" sz="2000" b="0" dirty="0" smtClean="0"/>
-              <a:t>listed in typical order of use</a:t>
-            </a:r>
-          </a:p>
-          <a:p>
-            <a:pPr marL="227013" indent="-227013">
+              <a:rPr lang="en-US" dirty="0" smtClean="0"/>
+              <a:t>Fundamentally a list of data objects</a:t>
+            </a:r>
+          </a:p>
+          <a:p>
+            <a:pPr marL="920750" lvl="1" indent="-457200">
               <a:buFont typeface="Arial" panose="020B0604020202020204" pitchFamily="34" charset="0"/>
               <a:buChar char="•"/>
             </a:pPr>
             <a:r>
-              <a:rPr lang="en-US" sz="1600" b="0" dirty="0" err="1" smtClean="0"/>
-              <a:t>initDGEobj</a:t>
-            </a:r>
-            <a:r>
-              <a:rPr lang="en-US" sz="1600" b="0" dirty="0" smtClean="0"/>
-              <a:t>: Convert Text Files to RSE data structure</a:t>
-            </a:r>
-          </a:p>
-          <a:p>
-            <a:pPr marL="558801" lvl="2" indent="-227013">
-              <a:spcBef>
-                <a:spcPts val="500"/>
-              </a:spcBef>
+              <a:rPr lang="en-US" dirty="0" smtClean="0"/>
+              <a:t>Starting with raw count data</a:t>
+            </a:r>
+          </a:p>
+          <a:p>
+            <a:pPr marL="920750" lvl="1" indent="-457200">
               <a:buFont typeface="Arial" panose="020B0604020202020204" pitchFamily="34" charset="0"/>
               <a:buChar char="•"/>
             </a:pPr>
             <a:r>
-              <a:rPr lang="en-US" sz="1200" b="0" dirty="0" smtClean="0"/>
-              <a:t>Minimally requires Counts, Gene Annotation and Sample Annotation</a:t>
-            </a:r>
-          </a:p>
-          <a:p>
-            <a:pPr marL="558801" lvl="2" indent="-227013">
-              <a:spcBef>
-                <a:spcPts val="500"/>
-              </a:spcBef>
+              <a:rPr lang="en-US" dirty="0" smtClean="0"/>
+              <a:t>Proceeding to capture downstream analysis results</a:t>
+            </a:r>
+          </a:p>
+          <a:p>
+            <a:r>
+              <a:rPr lang="en-US" dirty="0" smtClean="0"/>
+              <a:t>With R “attributes” to capture metadata</a:t>
+            </a:r>
+          </a:p>
+          <a:p>
+            <a:pPr marL="920750" lvl="1" indent="-457200">
               <a:buFont typeface="Arial" panose="020B0604020202020204" pitchFamily="34" charset="0"/>
               <a:buChar char="•"/>
             </a:pPr>
             <a:r>
-              <a:rPr lang="en-US" sz="1200" b="0" dirty="0" smtClean="0"/>
-              <a:t>Produces a class </a:t>
-            </a:r>
-            <a:r>
-              <a:rPr lang="en-US" sz="1200" b="0" dirty="0" err="1" smtClean="0"/>
-              <a:t>DGEobj</a:t>
-            </a:r>
-            <a:r>
-              <a:rPr lang="en-US" sz="1200" b="0" dirty="0" smtClean="0"/>
-              <a:t> variable</a:t>
-            </a:r>
-            <a:endParaRPr lang="en-US" sz="1200" b="0" dirty="0"/>
-          </a:p>
-          <a:p>
-            <a:pPr marL="227013" indent="-227013">
+              <a:rPr lang="en-US" dirty="0" smtClean="0"/>
+              <a:t>e.g. </a:t>
+            </a:r>
+            <a:r>
+              <a:rPr lang="en-US" dirty="0" err="1" smtClean="0"/>
+              <a:t>ProjectID</a:t>
+            </a:r>
+            <a:r>
+              <a:rPr lang="en-US" dirty="0" smtClean="0"/>
+              <a:t>, TA, </a:t>
+            </a:r>
+            <a:r>
+              <a:rPr lang="en-US" dirty="0" err="1" smtClean="0"/>
+              <a:t>GenomeBuild</a:t>
+            </a:r>
+            <a:r>
+              <a:rPr lang="en-US" dirty="0" smtClean="0"/>
+              <a:t>, </a:t>
+            </a:r>
+            <a:r>
+              <a:rPr lang="en-US" dirty="0" err="1" smtClean="0"/>
+              <a:t>GeneModel</a:t>
+            </a:r>
+            <a:r>
+              <a:rPr lang="en-US" dirty="0" smtClean="0"/>
+              <a:t> version, </a:t>
+            </a:r>
+            <a:r>
+              <a:rPr lang="en-US" dirty="0" err="1" smtClean="0"/>
+              <a:t>etc</a:t>
+            </a:r>
+            <a:endParaRPr lang="en-US" dirty="0" smtClean="0"/>
+          </a:p>
+          <a:p>
+            <a:pPr marL="920750" lvl="1" indent="-457200">
               <a:buFont typeface="Arial" panose="020B0604020202020204" pitchFamily="34" charset="0"/>
               <a:buChar char="•"/>
             </a:pPr>
             <a:r>
-              <a:rPr lang="en-US" sz="1600" b="0" dirty="0" smtClean="0"/>
-              <a:t>runEdgeRNorm:  Perform </a:t>
-            </a:r>
-            <a:r>
-              <a:rPr lang="en-US" sz="1600" b="0" dirty="0" err="1" smtClean="0"/>
-              <a:t>edgeR</a:t>
-            </a:r>
-            <a:r>
-              <a:rPr lang="en-US" sz="1600" b="0" dirty="0" smtClean="0"/>
-              <a:t> TMM normalization</a:t>
-            </a:r>
-          </a:p>
-          <a:p>
-            <a:pPr marL="558801" lvl="2" indent="-227013">
-              <a:spcBef>
-                <a:spcPts val="500"/>
-              </a:spcBef>
+              <a:rPr lang="en-US" dirty="0" smtClean="0"/>
+              <a:t>Also relationships between objects </a:t>
+            </a:r>
+          </a:p>
+          <a:p>
+            <a:pPr marL="1252538" lvl="2" indent="-457200">
               <a:buFont typeface="Arial" panose="020B0604020202020204" pitchFamily="34" charset="0"/>
               <a:buChar char="•"/>
             </a:pPr>
             <a:r>
-              <a:rPr lang="en-US" sz="1200" b="0" dirty="0"/>
-              <a:t>Requires an </a:t>
-            </a:r>
-            <a:r>
-              <a:rPr lang="en-US" sz="1200" b="0" dirty="0" err="1" smtClean="0"/>
-              <a:t>DGEobj</a:t>
-            </a:r>
-            <a:endParaRPr lang="en-US" sz="1200" b="0" dirty="0"/>
-          </a:p>
-          <a:p>
-            <a:pPr marL="558801" lvl="2" indent="-227013">
-              <a:spcBef>
-                <a:spcPts val="500"/>
-              </a:spcBef>
-              <a:buFont typeface="Arial" panose="020B0604020202020204" pitchFamily="34" charset="0"/>
-              <a:buChar char="•"/>
-            </a:pPr>
-            <a:r>
-              <a:rPr lang="en-US" sz="1200" b="0" dirty="0" smtClean="0"/>
-              <a:t>Add an </a:t>
-            </a:r>
-            <a:r>
-              <a:rPr lang="en-US" sz="1200" b="0" dirty="0" err="1" smtClean="0"/>
-              <a:t>edgeR</a:t>
-            </a:r>
-            <a:r>
-              <a:rPr lang="en-US" sz="1200" b="0" dirty="0" smtClean="0"/>
-              <a:t> </a:t>
-            </a:r>
-            <a:r>
-              <a:rPr lang="en-US" sz="1200" b="0" dirty="0" err="1" smtClean="0"/>
-              <a:t>DGEList</a:t>
-            </a:r>
-            <a:r>
-              <a:rPr lang="en-US" sz="1200" b="0" dirty="0" smtClean="0"/>
-              <a:t> object containing counts and </a:t>
-            </a:r>
-            <a:r>
-              <a:rPr lang="en-US" sz="1200" b="0" dirty="0" err="1" smtClean="0"/>
-              <a:t>normFactors</a:t>
-            </a:r>
-            <a:endParaRPr lang="en-US" sz="1200" b="0" dirty="0"/>
-          </a:p>
-          <a:p>
-            <a:pPr marL="227013" indent="-227013">
-              <a:buFont typeface="Arial" panose="020B0604020202020204" pitchFamily="34" charset="0"/>
-              <a:buChar char="•"/>
-            </a:pPr>
-            <a:r>
-              <a:rPr lang="en-US" sz="1600" b="0" dirty="0" err="1"/>
-              <a:t>runVoom</a:t>
-            </a:r>
-            <a:r>
-              <a:rPr lang="en-US" sz="1600" b="0" dirty="0"/>
-              <a:t>: run </a:t>
-            </a:r>
-            <a:r>
-              <a:rPr lang="en-US" sz="1600" b="0" dirty="0" err="1"/>
-              <a:t>limma</a:t>
-            </a:r>
-            <a:r>
-              <a:rPr lang="en-US" sz="1600" b="0" dirty="0"/>
-              <a:t> </a:t>
-            </a:r>
-            <a:r>
-              <a:rPr lang="en-US" sz="1600" b="0" dirty="0" err="1"/>
-              <a:t>voom</a:t>
-            </a:r>
-            <a:r>
-              <a:rPr lang="en-US" sz="1600" b="0" dirty="0"/>
-              <a:t> and </a:t>
-            </a:r>
-            <a:r>
-              <a:rPr lang="en-US" sz="1600" b="0" dirty="0" err="1" smtClean="0"/>
-              <a:t>lmFit</a:t>
-            </a:r>
-            <a:endParaRPr lang="en-US" sz="1600" b="0" dirty="0"/>
-          </a:p>
-          <a:p>
-            <a:pPr marL="558801" lvl="2" indent="-227013">
-              <a:spcBef>
-                <a:spcPts val="500"/>
-              </a:spcBef>
-              <a:buFont typeface="Arial" panose="020B0604020202020204" pitchFamily="34" charset="0"/>
-              <a:buChar char="•"/>
-            </a:pPr>
-            <a:r>
-              <a:rPr lang="en-US" sz="1200" b="0" dirty="0"/>
-              <a:t>Require an </a:t>
-            </a:r>
-            <a:r>
-              <a:rPr lang="en-US" sz="1200" b="0" dirty="0" err="1" smtClean="0"/>
-              <a:t>DGEobj</a:t>
-            </a:r>
-            <a:r>
-              <a:rPr lang="en-US" sz="1200" b="0" dirty="0" smtClean="0"/>
-              <a:t> (with </a:t>
-            </a:r>
-            <a:r>
-              <a:rPr lang="en-US" sz="1200" b="0" dirty="0" err="1" smtClean="0"/>
-              <a:t>DGEList</a:t>
-            </a:r>
-            <a:r>
-              <a:rPr lang="en-US" sz="1200" b="0" dirty="0" smtClean="0"/>
-              <a:t>), and design matrix </a:t>
-            </a:r>
-          </a:p>
-          <a:p>
-            <a:pPr marL="558801" lvl="2" indent="-227013">
-              <a:spcBef>
-                <a:spcPts val="500"/>
-              </a:spcBef>
-              <a:buFont typeface="Arial" panose="020B0604020202020204" pitchFamily="34" charset="0"/>
-              <a:buChar char="•"/>
-            </a:pPr>
-            <a:r>
-              <a:rPr lang="en-US" sz="1200" b="0" dirty="0" smtClean="0"/>
-              <a:t>Fits </a:t>
-            </a:r>
-            <a:r>
-              <a:rPr lang="en-US" sz="1200" b="0" dirty="0"/>
-              <a:t>the model and adds the Fit object to the </a:t>
-            </a:r>
-            <a:r>
-              <a:rPr lang="en-US" sz="1200" b="0" dirty="0" err="1" smtClean="0"/>
-              <a:t>DGEobj</a:t>
-            </a:r>
-            <a:endParaRPr lang="en-US" sz="1200" b="0" dirty="0"/>
-          </a:p>
-          <a:p>
-            <a:pPr marL="558801" lvl="2" indent="-227013">
-              <a:spcBef>
-                <a:spcPts val="500"/>
-              </a:spcBef>
-              <a:buFont typeface="Arial" panose="020B0604020202020204" pitchFamily="34" charset="0"/>
-              <a:buChar char="•"/>
-            </a:pPr>
-            <a:r>
-              <a:rPr lang="en-US" sz="1200" b="0" dirty="0"/>
-              <a:t>Optionally supports </a:t>
-            </a:r>
-            <a:r>
-              <a:rPr lang="en-US" sz="1200" b="0" dirty="0" err="1"/>
-              <a:t>QualityWeights</a:t>
-            </a:r>
-            <a:r>
-              <a:rPr lang="en-US" sz="1200" b="0" dirty="0"/>
-              <a:t> and </a:t>
-            </a:r>
-            <a:r>
-              <a:rPr lang="en-US" sz="1200" b="0" dirty="0" err="1"/>
-              <a:t>DuplicateCorrelation</a:t>
-            </a:r>
-            <a:r>
-              <a:rPr lang="en-US" sz="1200" b="0" dirty="0"/>
-              <a:t> analyses</a:t>
-            </a:r>
-          </a:p>
-          <a:p>
-            <a:pPr marL="227013" indent="-227013">
-              <a:buFont typeface="Arial" panose="020B0604020202020204" pitchFamily="34" charset="0"/>
-              <a:buChar char="•"/>
-            </a:pPr>
-            <a:r>
-              <a:rPr lang="en-US" sz="1600" b="0" dirty="0" err="1" smtClean="0"/>
-              <a:t>runSVA</a:t>
-            </a:r>
-            <a:r>
-              <a:rPr lang="en-US" sz="1600" b="0" dirty="0" smtClean="0"/>
-              <a:t>: Surrogate Variable analysis for </a:t>
-            </a:r>
-            <a:r>
-              <a:rPr lang="en-US" sz="1600" b="0" dirty="0" err="1" smtClean="0"/>
-              <a:t>detrending</a:t>
-            </a:r>
-            <a:r>
-              <a:rPr lang="en-US" sz="1600" b="0" dirty="0" smtClean="0"/>
-              <a:t> unknown factors</a:t>
-            </a:r>
-          </a:p>
-          <a:p>
-            <a:pPr marL="558801" lvl="2" indent="-227013">
-              <a:spcBef>
-                <a:spcPts val="500"/>
-              </a:spcBef>
-              <a:buFont typeface="Arial" panose="020B0604020202020204" pitchFamily="34" charset="0"/>
-              <a:buChar char="•"/>
-            </a:pPr>
-            <a:r>
-              <a:rPr lang="en-US" sz="1200" b="0" dirty="0"/>
-              <a:t>Requires </a:t>
-            </a:r>
-            <a:r>
-              <a:rPr lang="en-US" sz="1200" b="0" dirty="0" smtClean="0"/>
-              <a:t>a </a:t>
-            </a:r>
-            <a:r>
-              <a:rPr lang="en-US" sz="1200" b="0" dirty="0" err="1" smtClean="0"/>
-              <a:t>DGEobj</a:t>
-            </a:r>
-            <a:r>
-              <a:rPr lang="en-US" sz="1200" b="0" dirty="0" smtClean="0"/>
-              <a:t> with a Fit object and design matrix  </a:t>
-            </a:r>
-          </a:p>
-          <a:p>
-            <a:pPr marL="558801" lvl="2" indent="-227013">
-              <a:spcBef>
-                <a:spcPts val="500"/>
-              </a:spcBef>
-              <a:buFont typeface="Arial" panose="020B0604020202020204" pitchFamily="34" charset="0"/>
-              <a:buChar char="•"/>
-            </a:pPr>
-            <a:r>
-              <a:rPr lang="en-US" sz="1200" b="0" dirty="0" smtClean="0"/>
-              <a:t>Adds </a:t>
-            </a:r>
-            <a:r>
-              <a:rPr lang="en-US" sz="1200" b="0" dirty="0"/>
-              <a:t>surrogate factors to </a:t>
-            </a:r>
-            <a:r>
-              <a:rPr lang="en-US" sz="1200" b="0" dirty="0" smtClean="0"/>
-              <a:t>the design matrix</a:t>
-            </a:r>
-          </a:p>
-          <a:p>
-            <a:pPr marL="558801" lvl="2" indent="-227013">
-              <a:spcBef>
-                <a:spcPts val="500"/>
-              </a:spcBef>
-              <a:buFont typeface="Arial" panose="020B0604020202020204" pitchFamily="34" charset="0"/>
-              <a:buChar char="•"/>
-            </a:pPr>
-            <a:r>
-              <a:rPr lang="en-US" sz="1200" b="0" dirty="0" smtClean="0"/>
-              <a:t>Captures the </a:t>
-            </a:r>
-            <a:r>
-              <a:rPr lang="en-US" sz="1200" b="0" dirty="0" err="1" smtClean="0"/>
-              <a:t>svobj</a:t>
-            </a:r>
-            <a:r>
-              <a:rPr lang="en-US" sz="1200" b="0" dirty="0" smtClean="0"/>
-              <a:t> for further inspection</a:t>
-            </a:r>
-            <a:endParaRPr lang="en-US" sz="1200" b="0" dirty="0"/>
-          </a:p>
-          <a:p>
-            <a:pPr marL="227013" indent="-227013">
-              <a:buFont typeface="Arial" panose="020B0604020202020204" pitchFamily="34" charset="0"/>
-              <a:buChar char="•"/>
-            </a:pPr>
-            <a:r>
-              <a:rPr lang="en-US" sz="1600" b="0" dirty="0" err="1" smtClean="0"/>
-              <a:t>runContrasts</a:t>
-            </a:r>
-            <a:r>
-              <a:rPr lang="en-US" sz="1600" b="0" dirty="0" smtClean="0"/>
-              <a:t>: run multiple contrasts against the </a:t>
-            </a:r>
-            <a:r>
-              <a:rPr lang="en-US" sz="1600" b="0" dirty="0" err="1" smtClean="0"/>
-              <a:t>lmFit</a:t>
-            </a:r>
-            <a:r>
-              <a:rPr lang="en-US" sz="1600" b="0" dirty="0" smtClean="0"/>
-              <a:t> Fit object</a:t>
-            </a:r>
-          </a:p>
-          <a:p>
-            <a:pPr marL="558801" lvl="2" indent="-227013">
-              <a:spcBef>
-                <a:spcPts val="500"/>
-              </a:spcBef>
-              <a:buFont typeface="Arial" panose="020B0604020202020204" pitchFamily="34" charset="0"/>
-              <a:buChar char="•"/>
-            </a:pPr>
-            <a:r>
-              <a:rPr lang="en-US" sz="1200" b="0" dirty="0"/>
-              <a:t>Requires </a:t>
-            </a:r>
-            <a:r>
-              <a:rPr lang="en-US" sz="1200" b="0" dirty="0" smtClean="0"/>
-              <a:t>a </a:t>
-            </a:r>
-            <a:r>
-              <a:rPr lang="en-US" sz="1200" b="0" dirty="0" err="1" smtClean="0"/>
-              <a:t>DGEobj</a:t>
-            </a:r>
-            <a:r>
-              <a:rPr lang="en-US" sz="1200" b="0" dirty="0" smtClean="0"/>
-              <a:t> with </a:t>
-            </a:r>
-            <a:r>
-              <a:rPr lang="en-US" sz="1200" b="0" dirty="0"/>
-              <a:t>Fit; </a:t>
-            </a:r>
-            <a:r>
-              <a:rPr lang="en-US" sz="1200" b="0" dirty="0" smtClean="0"/>
-              <a:t>Adds </a:t>
-            </a:r>
-            <a:r>
-              <a:rPr lang="en-US" sz="1200" b="0" dirty="0" err="1" smtClean="0"/>
-              <a:t>topTable</a:t>
-            </a:r>
-            <a:r>
-              <a:rPr lang="en-US" sz="1200" b="0" dirty="0" smtClean="0"/>
-              <a:t> </a:t>
-            </a:r>
-            <a:r>
-              <a:rPr lang="en-US" sz="1200" b="0" dirty="0"/>
-              <a:t>and </a:t>
-            </a:r>
-            <a:r>
-              <a:rPr lang="en-US" sz="1200" b="0" dirty="0" err="1"/>
-              <a:t>topTreat</a:t>
-            </a:r>
-            <a:r>
-              <a:rPr lang="en-US" sz="1200" b="0" dirty="0"/>
-              <a:t> contrast </a:t>
-            </a:r>
-            <a:r>
-              <a:rPr lang="en-US" sz="1200" b="0" dirty="0" smtClean="0"/>
-              <a:t>tables</a:t>
-            </a:r>
-            <a:endParaRPr lang="en-US" sz="1800" b="0" dirty="0"/>
-          </a:p>
-          <a:p>
-            <a:pPr marL="227013" lvl="1" indent="-227013">
-              <a:spcBef>
-                <a:spcPts val="500"/>
-              </a:spcBef>
-              <a:buFont typeface="Arial" panose="020B0604020202020204" pitchFamily="34" charset="0"/>
-              <a:buChar char="•"/>
-            </a:pPr>
-            <a:r>
-              <a:rPr lang="en-US" sz="1600" b="0" dirty="0" err="1">
-                <a:solidFill>
-                  <a:srgbClr val="0066CC"/>
-                </a:solidFill>
-                <a:ea typeface="+mn-ea"/>
-                <a:cs typeface="+mn-cs"/>
-              </a:rPr>
-              <a:t>runQvalue</a:t>
-            </a:r>
-            <a:r>
-              <a:rPr lang="en-US" sz="1600" b="0" dirty="0">
-                <a:solidFill>
-                  <a:srgbClr val="0066CC"/>
-                </a:solidFill>
-                <a:ea typeface="+mn-ea"/>
-                <a:cs typeface="+mn-cs"/>
-              </a:rPr>
-              <a:t>, </a:t>
-            </a:r>
-            <a:r>
-              <a:rPr lang="en-US" sz="1600" b="0" dirty="0" err="1">
-                <a:solidFill>
-                  <a:srgbClr val="0066CC"/>
-                </a:solidFill>
-                <a:ea typeface="+mn-ea"/>
-                <a:cs typeface="+mn-cs"/>
-              </a:rPr>
-              <a:t>runIHW</a:t>
-            </a:r>
-            <a:r>
-              <a:rPr lang="en-US" sz="1600" b="0" dirty="0">
-                <a:solidFill>
-                  <a:srgbClr val="0066CC"/>
-                </a:solidFill>
-                <a:ea typeface="+mn-ea"/>
-                <a:cs typeface="+mn-cs"/>
-              </a:rPr>
-              <a:t>:  </a:t>
-            </a:r>
-            <a:r>
-              <a:rPr lang="en-US" sz="1600" b="0" dirty="0" smtClean="0">
-                <a:solidFill>
-                  <a:srgbClr val="0066CC"/>
-                </a:solidFill>
-                <a:ea typeface="+mn-ea"/>
-                <a:cs typeface="+mn-cs"/>
-              </a:rPr>
-              <a:t>Provide Alternative </a:t>
-            </a:r>
-            <a:r>
-              <a:rPr lang="en-US" sz="1600" b="0" dirty="0">
-                <a:solidFill>
-                  <a:srgbClr val="0066CC"/>
-                </a:solidFill>
-                <a:ea typeface="+mn-ea"/>
-                <a:cs typeface="+mn-cs"/>
-              </a:rPr>
-              <a:t>FDR methods</a:t>
-            </a:r>
+              <a:rPr lang="en-US" dirty="0" smtClean="0"/>
+              <a:t>e.g. Contrast X has fit Y as parent</a:t>
+            </a:r>
+          </a:p>
+          <a:p>
+            <a:endParaRPr lang="en-US" dirty="0" smtClean="0"/>
+          </a:p>
+          <a:p>
+            <a:endParaRPr lang="en-US" dirty="0" smtClean="0"/>
+          </a:p>
+          <a:p>
+            <a:endParaRPr lang="en-US" dirty="0"/>
           </a:p>
         </p:txBody>
       </p:sp>
@@ -10115,7 +12599,7 @@
     </p:spTree>
     <p:extLst>
       <p:ext uri="{BB962C8B-B14F-4D97-AF65-F5344CB8AC3E}">
-        <p14:creationId xmlns:p14="http://schemas.microsoft.com/office/powerpoint/2010/main" val="4186631559"/>
+        <p14:creationId xmlns:p14="http://schemas.microsoft.com/office/powerpoint/2010/main" val="2851536174"/>
       </p:ext>
     </p:extLst>
   </p:cSld>
@@ -10125,13 +12609,6 @@
   <p:transition>
     <p:wipe dir="r"/>
   </p:transition>
-  <p:timing>
-    <p:tnLst>
-      <p:par>
-        <p:cTn id="1" dur="indefinite" restart="never" nodeType="tmRoot"/>
-      </p:par>
-    </p:tnLst>
-  </p:timing>
 </p:sld>
 </file>
 
@@ -10168,12 +12645,16 @@
           <a:lstStyle/>
           <a:p>
             <a:r>
+              <a:rPr lang="en-US" dirty="0" smtClean="0"/>
+              <a:t>Manipulating </a:t>
+            </a:r>
+            <a:r>
               <a:rPr lang="en-US" dirty="0" err="1" smtClean="0"/>
-              <a:t>DGE.Tools</a:t>
+              <a:t>DGEobj</a:t>
             </a:r>
             <a:r>
               <a:rPr lang="en-US" dirty="0" smtClean="0"/>
-              <a:t>: DGE Plotting Functions</a:t>
+              <a:t> data</a:t>
             </a:r>
             <a:endParaRPr lang="en-US" dirty="0"/>
           </a:p>
@@ -10189,247 +12670,158 @@
             <p:ph idx="1"/>
           </p:nvPr>
         </p:nvSpPr>
-        <p:spPr>
-          <a:xfrm>
-            <a:off x="685800" y="1302037"/>
-            <a:ext cx="7769225" cy="4785756"/>
-          </a:xfrm>
-        </p:spPr>
+        <p:spPr/>
         <p:txBody>
           <a:bodyPr/>
           <a:lstStyle/>
           <a:p>
             <a:r>
               <a:rPr lang="en-US" dirty="0" smtClean="0"/>
-              <a:t>QC Plots:</a:t>
-            </a:r>
-          </a:p>
-          <a:p>
-            <a:pPr marL="457200" indent="-457200">
+              <a:t>Constructor function: counts + gene and sample annotation required to build</a:t>
+            </a:r>
+          </a:p>
+          <a:p>
+            <a:r>
+              <a:rPr lang="en-US" dirty="0" smtClean="0"/>
+              <a:t>Inspection, add/retrieve, </a:t>
+            </a:r>
+            <a:r>
+              <a:rPr lang="en-US" dirty="0" err="1" smtClean="0"/>
+              <a:t>subsetting</a:t>
+            </a:r>
+            <a:r>
+              <a:rPr lang="en-US" dirty="0" smtClean="0"/>
+              <a:t> functions</a:t>
+            </a:r>
+          </a:p>
+          <a:p>
+            <a:pPr marL="920750" lvl="1" indent="-457200">
               <a:buFont typeface="Arial" panose="020B0604020202020204" pitchFamily="34" charset="0"/>
               <a:buChar char="•"/>
             </a:pPr>
             <a:r>
-              <a:rPr lang="en-US" sz="1800" b="0" dirty="0" err="1" smtClean="0"/>
-              <a:t>plotDisp</a:t>
-            </a:r>
-            <a:r>
-              <a:rPr lang="en-US" sz="1800" b="0" dirty="0" smtClean="0"/>
-              <a:t>: </a:t>
-            </a:r>
-            <a:r>
-              <a:rPr lang="en-US" sz="1800" b="0" dirty="0" err="1" smtClean="0"/>
-              <a:t>ggplot</a:t>
-            </a:r>
-            <a:r>
-              <a:rPr lang="en-US" sz="1800" b="0" dirty="0" smtClean="0"/>
-              <a:t> version of </a:t>
-            </a:r>
-            <a:r>
-              <a:rPr lang="en-US" sz="1800" b="0" dirty="0" err="1" smtClean="0"/>
-              <a:t>EdgeR</a:t>
-            </a:r>
-            <a:r>
-              <a:rPr lang="en-US" sz="1800" b="0" dirty="0" smtClean="0"/>
-              <a:t> dispersion plot</a:t>
-            </a:r>
-            <a:endParaRPr lang="en-US" sz="1800" b="0" dirty="0"/>
-          </a:p>
-          <a:p>
-            <a:pPr marL="457200" indent="-457200">
+              <a:rPr lang="en-US" dirty="0" smtClean="0"/>
+              <a:t>print(summarize(</a:t>
+            </a:r>
+            <a:r>
+              <a:rPr lang="en-US" dirty="0" err="1" smtClean="0"/>
+              <a:t>DGEobj</a:t>
+            </a:r>
+            <a:r>
+              <a:rPr lang="en-US" dirty="0" smtClean="0"/>
+              <a:t>))</a:t>
+            </a:r>
+          </a:p>
+          <a:p>
+            <a:pPr marL="920750" lvl="1" indent="-457200">
               <a:buFont typeface="Arial" panose="020B0604020202020204" pitchFamily="34" charset="0"/>
               <a:buChar char="•"/>
             </a:pPr>
             <a:r>
-              <a:rPr lang="en-US" sz="1800" b="0" dirty="0" smtClean="0"/>
-              <a:t>Mean-variance:  </a:t>
-            </a:r>
-            <a:r>
-              <a:rPr lang="en-US" sz="1800" b="0" dirty="0" err="1" smtClean="0"/>
-              <a:t>voom</a:t>
-            </a:r>
-            <a:r>
-              <a:rPr lang="en-US" sz="1800" b="0" dirty="0" smtClean="0"/>
-              <a:t> mean variance plots</a:t>
-            </a:r>
-          </a:p>
-          <a:p>
-            <a:pPr marL="457200" indent="-457200">
+              <a:rPr lang="en-US" dirty="0" err="1" smtClean="0"/>
+              <a:t>getItem</a:t>
+            </a:r>
+            <a:r>
+              <a:rPr lang="en-US" dirty="0" smtClean="0"/>
+              <a:t>(</a:t>
+            </a:r>
+            <a:r>
+              <a:rPr lang="en-US" dirty="0" err="1" smtClean="0"/>
+              <a:t>DGEobj</a:t>
+            </a:r>
+            <a:r>
+              <a:rPr lang="en-US" dirty="0" smtClean="0"/>
+              <a:t>, “counts”)</a:t>
+            </a:r>
+          </a:p>
+          <a:p>
+            <a:pPr marL="920750" lvl="1" indent="-457200">
               <a:buFont typeface="Arial" panose="020B0604020202020204" pitchFamily="34" charset="0"/>
               <a:buChar char="•"/>
             </a:pPr>
             <a:r>
-              <a:rPr lang="en-US" sz="1800" b="0" dirty="0" smtClean="0"/>
-              <a:t>Quality Weights: </a:t>
-            </a:r>
-            <a:r>
-              <a:rPr lang="en-US" sz="1800" b="0" dirty="0" err="1" smtClean="0"/>
-              <a:t>voom</a:t>
-            </a:r>
-            <a:r>
-              <a:rPr lang="en-US" sz="1800" b="0" dirty="0" smtClean="0"/>
-              <a:t> </a:t>
-            </a:r>
-            <a:r>
-              <a:rPr lang="en-US" sz="1800" b="0" dirty="0" err="1" smtClean="0"/>
-              <a:t>barplot</a:t>
-            </a:r>
-            <a:r>
-              <a:rPr lang="en-US" sz="1800" b="0" dirty="0" smtClean="0"/>
-              <a:t> of quality weights</a:t>
-            </a:r>
-          </a:p>
-          <a:p>
-            <a:pPr marL="457200" indent="-457200">
+              <a:rPr lang="en-US" dirty="0" err="1" smtClean="0"/>
+              <a:t>addItem</a:t>
+            </a:r>
+            <a:r>
+              <a:rPr lang="en-US" dirty="0" smtClean="0"/>
+              <a:t>(</a:t>
+            </a:r>
+            <a:r>
+              <a:rPr lang="en-US" dirty="0" err="1" smtClean="0"/>
+              <a:t>DGEobj</a:t>
+            </a:r>
+            <a:r>
+              <a:rPr lang="en-US" dirty="0" smtClean="0"/>
+              <a:t>, </a:t>
+            </a:r>
+            <a:r>
+              <a:rPr lang="en-US" dirty="0" err="1" smtClean="0"/>
+              <a:t>mycontrast</a:t>
+            </a:r>
+            <a:r>
+              <a:rPr lang="en-US" dirty="0" smtClean="0"/>
+              <a:t>, type=</a:t>
+            </a:r>
+            <a:r>
+              <a:rPr lang="en-US" dirty="0" err="1" smtClean="0"/>
+              <a:t>topTable</a:t>
+            </a:r>
+            <a:r>
+              <a:rPr lang="en-US" dirty="0" smtClean="0"/>
+              <a:t>)</a:t>
+            </a:r>
+          </a:p>
+          <a:p>
+            <a:pPr marL="920750" lvl="1" indent="-457200">
               <a:buFont typeface="Arial" panose="020B0604020202020204" pitchFamily="34" charset="0"/>
               <a:buChar char="•"/>
             </a:pPr>
             <a:r>
-              <a:rPr lang="en-US" sz="1800" b="0" dirty="0" err="1" smtClean="0"/>
-              <a:t>plotPvalHist</a:t>
-            </a:r>
-            <a:r>
-              <a:rPr lang="en-US" sz="1800" b="0" dirty="0" smtClean="0"/>
-              <a:t>: evaluate distribution of </a:t>
-            </a:r>
-            <a:r>
-              <a:rPr lang="en-US" sz="1800" b="0" dirty="0" err="1" smtClean="0"/>
-              <a:t>pvalues</a:t>
-            </a:r>
-            <a:endParaRPr lang="en-US" sz="1800" b="0" dirty="0" smtClean="0"/>
-          </a:p>
-          <a:p>
-            <a:pPr marL="457200" indent="-457200">
+              <a:rPr lang="en-US" dirty="0" err="1" smtClean="0"/>
+              <a:t>DGEobj</a:t>
+            </a:r>
+            <a:r>
+              <a:rPr lang="en-US" dirty="0" smtClean="0"/>
+              <a:t>[1:1000, 1:5]  (subset the 1</a:t>
+            </a:r>
+            <a:r>
+              <a:rPr lang="en-US" baseline="30000" dirty="0" smtClean="0"/>
+              <a:t>st</a:t>
+            </a:r>
+            <a:r>
+              <a:rPr lang="en-US" dirty="0" smtClean="0"/>
+              <a:t> 1K genes and 1</a:t>
+            </a:r>
+            <a:r>
+              <a:rPr lang="en-US" baseline="30000" dirty="0" smtClean="0"/>
+              <a:t>st</a:t>
+            </a:r>
+            <a:r>
+              <a:rPr lang="en-US" dirty="0" smtClean="0"/>
+              <a:t> 5 samples</a:t>
+            </a:r>
+          </a:p>
+          <a:p>
+            <a:pPr marL="1252538" lvl="2" indent="-457200">
               <a:buFont typeface="Arial" panose="020B0604020202020204" pitchFamily="34" charset="0"/>
               <a:buChar char="•"/>
             </a:pPr>
             <a:r>
-              <a:rPr lang="en-US" sz="1800" b="0" dirty="0" err="1" smtClean="0"/>
-              <a:t>plotCDF</a:t>
-            </a:r>
-            <a:r>
-              <a:rPr lang="en-US" sz="1800" b="0" dirty="0" smtClean="0"/>
-              <a:t>: alternative way to evaluate </a:t>
-            </a:r>
-            <a:r>
-              <a:rPr lang="en-US" sz="1800" b="0" dirty="0" err="1" smtClean="0"/>
-              <a:t>pvalue</a:t>
-            </a:r>
-            <a:r>
-              <a:rPr lang="en-US" sz="1800" b="0" dirty="0" smtClean="0"/>
-              <a:t> distributions</a:t>
-            </a:r>
-          </a:p>
-          <a:p>
-            <a:r>
               <a:rPr lang="en-US" dirty="0" smtClean="0"/>
-              <a:t>Data Exploration Plots</a:t>
-            </a:r>
-          </a:p>
-          <a:p>
-            <a:pPr marL="457200" indent="-457200">
-              <a:buFont typeface="Arial" panose="020B0604020202020204" pitchFamily="34" charset="0"/>
-              <a:buChar char="•"/>
-            </a:pPr>
-            <a:r>
-              <a:rPr lang="en-US" sz="2000" b="0" dirty="0" err="1" smtClean="0"/>
-              <a:t>profilePlot</a:t>
-            </a:r>
-            <a:r>
-              <a:rPr lang="en-US" sz="2000" b="0" dirty="0" smtClean="0"/>
-              <a:t>:  </a:t>
-            </a:r>
-            <a:r>
-              <a:rPr lang="en-US" sz="2000" b="0" dirty="0" err="1" smtClean="0"/>
-              <a:t>LogIntensity</a:t>
-            </a:r>
-            <a:r>
-              <a:rPr lang="en-US" sz="2000" b="0" dirty="0" smtClean="0"/>
-              <a:t> vs </a:t>
-            </a:r>
-            <a:r>
-              <a:rPr lang="en-US" sz="2000" b="0" dirty="0" err="1" smtClean="0"/>
-              <a:t>LogRatio</a:t>
-            </a:r>
-            <a:endParaRPr lang="en-US" sz="2000" b="0" dirty="0" smtClean="0"/>
-          </a:p>
-          <a:p>
-            <a:pPr marL="457200" indent="-457200">
-              <a:buFont typeface="Arial" panose="020B0604020202020204" pitchFamily="34" charset="0"/>
-              <a:buChar char="•"/>
-            </a:pPr>
-            <a:r>
-              <a:rPr lang="en-US" sz="2000" b="0" dirty="0" err="1" smtClean="0"/>
-              <a:t>volcanoPlot</a:t>
-            </a:r>
-            <a:r>
-              <a:rPr lang="en-US" sz="2000" b="0" dirty="0" smtClean="0"/>
-              <a:t>: </a:t>
-            </a:r>
-            <a:r>
-              <a:rPr lang="en-US" sz="2000" b="0" dirty="0" err="1" smtClean="0"/>
-              <a:t>LogRatio</a:t>
-            </a:r>
-            <a:r>
-              <a:rPr lang="en-US" sz="2000" b="0" dirty="0" smtClean="0"/>
-              <a:t> vs </a:t>
-            </a:r>
-            <a:r>
-              <a:rPr lang="en-US" sz="2000" b="0" dirty="0" err="1" smtClean="0"/>
-              <a:t>NegLogPval</a:t>
-            </a:r>
-            <a:endParaRPr lang="en-US" sz="2000" b="0" dirty="0" smtClean="0"/>
-          </a:p>
-          <a:p>
-            <a:pPr marL="457200" indent="-457200">
-              <a:buFont typeface="Arial" panose="020B0604020202020204" pitchFamily="34" charset="0"/>
-              <a:buChar char="•"/>
-            </a:pPr>
-            <a:r>
-              <a:rPr lang="en-US" sz="2000" b="0" dirty="0" err="1" smtClean="0"/>
-              <a:t>comparePlot</a:t>
-            </a:r>
-            <a:r>
-              <a:rPr lang="en-US" sz="2000" b="0" dirty="0" smtClean="0"/>
-              <a:t>: </a:t>
-            </a:r>
-            <a:r>
-              <a:rPr lang="en-US" sz="2000" b="0" dirty="0" err="1" smtClean="0"/>
-              <a:t>LogRatio</a:t>
-            </a:r>
-            <a:r>
-              <a:rPr lang="en-US" sz="2000" b="0" dirty="0" smtClean="0"/>
-              <a:t> of 2 treatment groups</a:t>
-            </a:r>
-          </a:p>
-          <a:p>
-            <a:pPr marL="457200" indent="-457200">
-              <a:buFont typeface="Arial" panose="020B0604020202020204" pitchFamily="34" charset="0"/>
-              <a:buChar char="•"/>
-            </a:pPr>
-            <a:r>
-              <a:rPr lang="en-US" sz="2000" b="0" dirty="0" err="1" smtClean="0"/>
-              <a:t>JRT_heatmap</a:t>
-            </a:r>
-            <a:r>
-              <a:rPr lang="en-US" sz="2000" b="0" dirty="0" smtClean="0"/>
-              <a:t>: Convenience wrapper for </a:t>
-            </a:r>
-            <a:r>
-              <a:rPr lang="en-US" sz="2000" b="0" dirty="0" err="1" smtClean="0"/>
-              <a:t>pheatmap</a:t>
-            </a:r>
-            <a:r>
-              <a:rPr lang="en-US" sz="2000" b="0" dirty="0" smtClean="0"/>
-              <a:t> function</a:t>
-            </a:r>
-          </a:p>
-          <a:p>
-            <a:pPr marL="457200" indent="-457200">
-              <a:buFont typeface="Arial" panose="020B0604020202020204" pitchFamily="34" charset="0"/>
-              <a:buChar char="•"/>
-            </a:pPr>
-            <a:endParaRPr lang="en-US" sz="2000" b="0" dirty="0"/>
+              <a:t>Overloaded bracket function knows how to subset each item based on its “</a:t>
+            </a:r>
+            <a:r>
+              <a:rPr lang="en-US" dirty="0" err="1" smtClean="0"/>
+              <a:t>basetype</a:t>
+            </a:r>
+            <a:r>
+              <a:rPr lang="en-US" dirty="0" smtClean="0"/>
+              <a:t>”</a:t>
+            </a:r>
+          </a:p>
+          <a:p>
+            <a:endParaRPr lang="en-US" dirty="0"/>
           </a:p>
         </p:txBody>
       </p:sp>
@@ -10459,7 +12851,7 @@
     </p:spTree>
     <p:extLst>
       <p:ext uri="{BB962C8B-B14F-4D97-AF65-F5344CB8AC3E}">
-        <p14:creationId xmlns:p14="http://schemas.microsoft.com/office/powerpoint/2010/main" val="3947087361"/>
+        <p14:creationId xmlns:p14="http://schemas.microsoft.com/office/powerpoint/2010/main" val="3819289105"/>
       </p:ext>
     </p:extLst>
   </p:cSld>
@@ -10469,13 +12861,6 @@
   <p:transition>
     <p:wipe dir="r"/>
   </p:transition>
-  <p:timing>
-    <p:tnLst>
-      <p:par>
-        <p:cTn id="1" dur="indefinite" restart="never" nodeType="tmRoot"/>
-      </p:par>
-    </p:tnLst>
-  </p:timing>
 </p:sld>
 </file>
 
@@ -10513,192 +12898,11 @@
           <a:p>
             <a:r>
               <a:rPr lang="en-US" dirty="0" smtClean="0"/>
-              <a:t>Basic </a:t>
+              <a:t>Inspecting a </a:t>
             </a:r>
             <a:r>
               <a:rPr lang="en-US" dirty="0" err="1" smtClean="0"/>
-              <a:t>Voom</a:t>
-            </a:r>
-            <a:r>
-              <a:rPr lang="en-US" dirty="0" smtClean="0"/>
-              <a:t> – </a:t>
-            </a:r>
-            <a:r>
-              <a:rPr lang="en-US" dirty="0" err="1" smtClean="0"/>
-              <a:t>lmFit</a:t>
-            </a:r>
-            <a:r>
-              <a:rPr lang="en-US" dirty="0" smtClean="0"/>
-              <a:t> pipeline</a:t>
-            </a:r>
-            <a:endParaRPr lang="en-US" dirty="0"/>
-          </a:p>
-        </p:txBody>
-      </p:sp>
-      <p:sp>
-        <p:nvSpPr>
-          <p:cNvPr id="3" name="Content Placeholder 2"/>
-          <p:cNvSpPr>
-            <a:spLocks noGrp="1"/>
-          </p:cNvSpPr>
-          <p:nvPr>
-            <p:ph idx="1"/>
-          </p:nvPr>
-        </p:nvSpPr>
-        <p:spPr>
-          <a:xfrm>
-            <a:off x="684213" y="1377538"/>
-            <a:ext cx="8127278" cy="3757170"/>
-          </a:xfrm>
-        </p:spPr>
-        <p:txBody>
-          <a:bodyPr/>
-          <a:lstStyle/>
-          <a:p>
-            <a:r>
-              <a:rPr lang="en-US" dirty="0" err="1" smtClean="0"/>
-              <a:t>MyFit</a:t>
-            </a:r>
-            <a:r>
-              <a:rPr lang="en-US" dirty="0" smtClean="0"/>
-              <a:t> &lt;- Counts %&gt;% </a:t>
-            </a:r>
-          </a:p>
-          <a:p>
-            <a:r>
-              <a:rPr lang="en-US" dirty="0"/>
-              <a:t>	</a:t>
-            </a:r>
-            <a:r>
-              <a:rPr lang="en-US" dirty="0" smtClean="0"/>
-              <a:t>edger::</a:t>
-            </a:r>
-            <a:r>
-              <a:rPr lang="en-US" dirty="0" err="1" smtClean="0"/>
-              <a:t>calcNormFactors</a:t>
-            </a:r>
-            <a:r>
-              <a:rPr lang="en-US" dirty="0" smtClean="0"/>
-              <a:t>() %&gt;%</a:t>
-            </a:r>
-          </a:p>
-          <a:p>
-            <a:r>
-              <a:rPr lang="en-US" dirty="0"/>
-              <a:t>	</a:t>
-            </a:r>
-            <a:r>
-              <a:rPr lang="en-US" dirty="0" err="1" smtClean="0"/>
-              <a:t>limma</a:t>
-            </a:r>
-            <a:r>
-              <a:rPr lang="en-US" dirty="0" smtClean="0"/>
-              <a:t>::</a:t>
-            </a:r>
-            <a:r>
-              <a:rPr lang="en-US" dirty="0" err="1" smtClean="0"/>
-              <a:t>voom</a:t>
-            </a:r>
-            <a:r>
-              <a:rPr lang="en-US" dirty="0" smtClean="0"/>
-              <a:t>(design=</a:t>
-            </a:r>
-            <a:r>
-              <a:rPr lang="en-US" dirty="0" err="1" smtClean="0"/>
-              <a:t>mydesignmatrix</a:t>
-            </a:r>
-            <a:r>
-              <a:rPr lang="en-US" dirty="0" smtClean="0"/>
-              <a:t>) %&gt;%</a:t>
-            </a:r>
-          </a:p>
-          <a:p>
-            <a:r>
-              <a:rPr lang="en-US" dirty="0"/>
-              <a:t>	</a:t>
-            </a:r>
-            <a:r>
-              <a:rPr lang="en-US" dirty="0" err="1" smtClean="0"/>
-              <a:t>limma</a:t>
-            </a:r>
-            <a:r>
-              <a:rPr lang="en-US" dirty="0" smtClean="0"/>
-              <a:t>::</a:t>
-            </a:r>
-            <a:r>
-              <a:rPr lang="en-US" dirty="0" err="1" smtClean="0"/>
-              <a:t>lmFit</a:t>
-            </a:r>
-            <a:r>
-              <a:rPr lang="en-US" dirty="0" smtClean="0"/>
-              <a:t> (design=</a:t>
-            </a:r>
-            <a:r>
-              <a:rPr lang="en-US" dirty="0" err="1" smtClean="0"/>
-              <a:t>mydesignmatrix</a:t>
-            </a:r>
-            <a:r>
-              <a:rPr lang="en-US" dirty="0" smtClean="0"/>
-              <a:t>)</a:t>
-            </a:r>
-          </a:p>
-          <a:p>
-            <a:endParaRPr lang="en-US" dirty="0"/>
-          </a:p>
-          <a:p>
-            <a:r>
-              <a:rPr lang="en-US" dirty="0" err="1" smtClean="0"/>
-              <a:t>MyContrasts</a:t>
-            </a:r>
-            <a:r>
-              <a:rPr lang="en-US" dirty="0" smtClean="0"/>
-              <a:t> &lt;- </a:t>
-            </a:r>
-            <a:r>
-              <a:rPr lang="en-US" dirty="0" err="1" smtClean="0"/>
-              <a:t>topTable</a:t>
-            </a:r>
-            <a:r>
-              <a:rPr lang="en-US" dirty="0" smtClean="0"/>
-              <a:t>(</a:t>
-            </a:r>
-            <a:r>
-              <a:rPr lang="en-US" dirty="0" err="1" smtClean="0"/>
-              <a:t>MyFit</a:t>
-            </a:r>
-            <a:r>
-              <a:rPr lang="en-US" dirty="0" smtClean="0"/>
-              <a:t>, …)</a:t>
-            </a:r>
-          </a:p>
-          <a:p>
-            <a:r>
-              <a:rPr lang="en-US" dirty="0" smtClean="0"/>
-              <a:t>	Result is </a:t>
-            </a:r>
-            <a:r>
-              <a:rPr lang="en-US" dirty="0" err="1" smtClean="0"/>
-              <a:t>Dataframe</a:t>
-            </a:r>
-            <a:r>
-              <a:rPr lang="en-US" dirty="0" smtClean="0"/>
-              <a:t> with </a:t>
-            </a:r>
-            <a:r>
-              <a:rPr lang="en-US" dirty="0" err="1" smtClean="0"/>
-              <a:t>logFC</a:t>
-            </a:r>
-            <a:r>
-              <a:rPr lang="en-US" dirty="0" smtClean="0"/>
-              <a:t>, </a:t>
-            </a:r>
-            <a:r>
-              <a:rPr lang="en-US" dirty="0" err="1" smtClean="0"/>
-              <a:t>pval</a:t>
-            </a:r>
-            <a:r>
-              <a:rPr lang="en-US" dirty="0" smtClean="0"/>
-              <a:t> etc.</a:t>
+              <a:t>DGEobj</a:t>
             </a:r>
             <a:endParaRPr lang="en-US" dirty="0"/>
           </a:p>
@@ -10727,10 +12931,34 @@
           </a:p>
         </p:txBody>
       </p:sp>
+      <p:pic>
+        <p:nvPicPr>
+          <p:cNvPr id="5" name="Picture 4"/>
+          <p:cNvPicPr>
+            <a:picLocks noChangeAspect="1"/>
+          </p:cNvPicPr>
+          <p:nvPr/>
+        </p:nvPicPr>
+        <p:blipFill>
+          <a:blip r:embed="rId2"/>
+          <a:stretch>
+            <a:fillRect/>
+          </a:stretch>
+        </p:blipFill>
+        <p:spPr>
+          <a:xfrm>
+            <a:off x="551718" y="1333866"/>
+            <a:ext cx="7829550" cy="4752975"/>
+          </a:xfrm>
+          <a:prstGeom prst="rect">
+            <a:avLst/>
+          </a:prstGeom>
+        </p:spPr>
+      </p:pic>
     </p:spTree>
     <p:extLst>
       <p:ext uri="{BB962C8B-B14F-4D97-AF65-F5344CB8AC3E}">
-        <p14:creationId xmlns:p14="http://schemas.microsoft.com/office/powerpoint/2010/main" val="4264999029"/>
+        <p14:creationId xmlns:p14="http://schemas.microsoft.com/office/powerpoint/2010/main" val="1293610017"/>
       </p:ext>
     </p:extLst>
   </p:cSld>
@@ -10776,18 +13004,145 @@
           <a:lstStyle/>
           <a:p>
             <a:r>
+              <a:rPr lang="en-US" dirty="0" err="1" smtClean="0"/>
+              <a:t>DGEobj</a:t>
+            </a:r>
+            <a:r>
               <a:rPr lang="en-US" dirty="0" smtClean="0"/>
-              <a:t>DGE </a:t>
-            </a:r>
-            <a:r>
-              <a:rPr lang="en-US" smtClean="0"/>
-              <a:t>Workflows : Illustrated </a:t>
-            </a:r>
+              <a:t> Extensibility</a:t>
+            </a:r>
+            <a:endParaRPr lang="en-US" dirty="0"/>
+          </a:p>
+        </p:txBody>
+      </p:sp>
+      <p:sp>
+        <p:nvSpPr>
+          <p:cNvPr id="3" name="Content Placeholder 2"/>
+          <p:cNvSpPr>
+            <a:spLocks noGrp="1"/>
+          </p:cNvSpPr>
+          <p:nvPr>
+            <p:ph idx="1"/>
+          </p:nvPr>
+        </p:nvSpPr>
+        <p:spPr/>
+        <p:txBody>
+          <a:bodyPr/>
+          <a:lstStyle/>
+          <a:p>
             <a:r>
               <a:rPr lang="en-US" dirty="0" smtClean="0"/>
-              <a:t>Overview</a:t>
-            </a:r>
-            <a:endParaRPr lang="en-US" dirty="0"/>
+              <a:t>Can define new data types</a:t>
+            </a:r>
+          </a:p>
+          <a:p>
+            <a:pPr marL="920750" lvl="1" indent="-457200">
+              <a:buFont typeface="Arial" panose="020B0604020202020204" pitchFamily="34" charset="0"/>
+              <a:buChar char="•"/>
+            </a:pPr>
+            <a:r>
+              <a:rPr lang="en-US" dirty="0" err="1" smtClean="0"/>
+              <a:t>newType</a:t>
+            </a:r>
+            <a:r>
+              <a:rPr lang="en-US" dirty="0" smtClean="0"/>
+              <a:t>(</a:t>
+            </a:r>
+            <a:r>
+              <a:rPr lang="en-US" dirty="0" err="1" smtClean="0"/>
+              <a:t>DGEobj</a:t>
+            </a:r>
+            <a:r>
+              <a:rPr lang="en-US" dirty="0" smtClean="0"/>
+              <a:t>, </a:t>
+            </a:r>
+            <a:br>
+              <a:rPr lang="en-US" dirty="0" smtClean="0"/>
+            </a:br>
+            <a:r>
+              <a:rPr lang="en-US" dirty="0" smtClean="0"/>
+              <a:t>	</a:t>
+            </a:r>
+            <a:r>
+              <a:rPr lang="en-US" dirty="0" err="1" smtClean="0"/>
+              <a:t>itemType</a:t>
+            </a:r>
+            <a:r>
+              <a:rPr lang="en-US" dirty="0" smtClean="0"/>
+              <a:t> = “IHC”,</a:t>
+            </a:r>
+            <a:r>
+              <a:rPr lang="en-US" dirty="0"/>
+              <a:t/>
+            </a:r>
+            <a:br>
+              <a:rPr lang="en-US" dirty="0"/>
+            </a:br>
+            <a:r>
+              <a:rPr lang="en-US" dirty="0" smtClean="0"/>
+              <a:t>	</a:t>
+            </a:r>
+            <a:r>
+              <a:rPr lang="en-US" dirty="0" err="1" smtClean="0"/>
+              <a:t>baseType</a:t>
+            </a:r>
+            <a:r>
+              <a:rPr lang="en-US" dirty="0" smtClean="0"/>
+              <a:t> = “assay”) </a:t>
+            </a:r>
+          </a:p>
+          <a:p>
+            <a:pPr marL="920750" lvl="1" indent="-457200">
+              <a:buFont typeface="Arial" panose="020B0604020202020204" pitchFamily="34" charset="0"/>
+              <a:buChar char="•"/>
+            </a:pPr>
+            <a:r>
+              <a:rPr lang="en-US" dirty="0" smtClean="0"/>
+              <a:t>The type definitions are stored within the </a:t>
+            </a:r>
+            <a:r>
+              <a:rPr lang="en-US" dirty="0" err="1" smtClean="0"/>
+              <a:t>DGEobj</a:t>
+            </a:r>
+            <a:endParaRPr lang="en-US" dirty="0" smtClean="0"/>
+          </a:p>
+          <a:p>
+            <a:r>
+              <a:rPr lang="en-US" dirty="0" smtClean="0"/>
+              <a:t>Can define whether an </a:t>
+            </a:r>
+            <a:r>
+              <a:rPr lang="en-US" dirty="0" err="1" smtClean="0"/>
+              <a:t>itemType</a:t>
+            </a:r>
+            <a:r>
+              <a:rPr lang="en-US" dirty="0" smtClean="0"/>
+              <a:t> is unique (can only have one instance)</a:t>
+            </a:r>
+          </a:p>
+          <a:p>
+            <a:pPr marL="920750" lvl="1" indent="-457200">
+              <a:buFont typeface="Arial" panose="020B0604020202020204" pitchFamily="34" charset="0"/>
+              <a:buChar char="•"/>
+            </a:pPr>
+            <a:r>
+              <a:rPr lang="en-US" dirty="0" smtClean="0"/>
+              <a:t>For RNA-seq  “counts” data is unique</a:t>
+            </a:r>
+          </a:p>
+          <a:p>
+            <a:r>
+              <a:rPr lang="en-US" dirty="0" smtClean="0"/>
+              <a:t>Allows customizing </a:t>
+            </a:r>
+            <a:r>
+              <a:rPr lang="en-US" dirty="0" err="1" smtClean="0"/>
+              <a:t>DGEobj</a:t>
+            </a:r>
+            <a:r>
+              <a:rPr lang="en-US" dirty="0" smtClean="0"/>
+              <a:t> for other datatypes and workflows</a:t>
+            </a:r>
           </a:p>
         </p:txBody>
       </p:sp>
@@ -10814,1563 +13169,10 @@
           </a:p>
         </p:txBody>
       </p:sp>
-      <p:sp>
-        <p:nvSpPr>
-          <p:cNvPr id="5" name="Rounded Rectangle 4"/>
-          <p:cNvSpPr/>
-          <p:nvPr/>
-        </p:nvSpPr>
-        <p:spPr bwMode="auto">
-          <a:xfrm>
-            <a:off x="523875" y="1562100"/>
-            <a:ext cx="1390650" cy="457200"/>
-          </a:xfrm>
-          <a:prstGeom prst="roundRect">
-            <a:avLst/>
-          </a:prstGeom>
-          <a:gradFill rotWithShape="1">
-            <a:gsLst>
-              <a:gs pos="0">
-                <a:srgbClr val="E5FCFF"/>
-              </a:gs>
-              <a:gs pos="100000">
-                <a:schemeClr val="hlink"/>
-              </a:gs>
-            </a:gsLst>
-            <a:lin ang="18900000" scaled="1"/>
-          </a:gradFill>
-          <a:ln w="19050" cap="flat" cmpd="sng" algn="ctr">
-            <a:solidFill>
-              <a:schemeClr val="hlink"/>
-            </a:solidFill>
-            <a:prstDash val="solid"/>
-            <a:round/>
-            <a:headEnd type="none" w="med" len="med"/>
-            <a:tailEnd type="none" w="med" len="med"/>
-          </a:ln>
-          <a:effectLst/>
-        </p:spPr>
-        <p:txBody>
-          <a:bodyPr vert="horz" wrap="none" lIns="0" tIns="0" rIns="0" bIns="0" numCol="1" rtlCol="0" anchor="ctr" anchorCtr="0" compatLnSpc="1">
-            <a:prstTxWarp prst="textNoShape">
-              <a:avLst/>
-            </a:prstTxWarp>
-          </a:bodyPr>
-          <a:lstStyle/>
-          <a:p>
-            <a:pPr marL="0" marR="0" indent="0" algn="ctr" defTabSz="914400" rtl="0" eaLnBrk="1" fontAlgn="base" latinLnBrk="0" hangingPunct="1">
-              <a:lnSpc>
-                <a:spcPct val="100000"/>
-              </a:lnSpc>
-              <a:spcBef>
-                <a:spcPct val="0"/>
-              </a:spcBef>
-              <a:spcAft>
-                <a:spcPct val="0"/>
-              </a:spcAft>
-              <a:buClrTx/>
-              <a:buSzTx/>
-              <a:buFontTx/>
-              <a:buNone/>
-              <a:tabLst/>
-            </a:pPr>
-            <a:r>
-              <a:rPr kumimoji="0" lang="en-US" sz="1800" b="0" i="0" u="none" strike="noStrike" cap="none" normalizeH="0" baseline="0" dirty="0" err="1" smtClean="0">
-                <a:ln>
-                  <a:noFill/>
-                </a:ln>
-                <a:solidFill>
-                  <a:srgbClr val="000000"/>
-                </a:solidFill>
-                <a:effectLst/>
-                <a:latin typeface="Arial" charset="0"/>
-              </a:rPr>
-              <a:t>initDGEobj</a:t>
-            </a:r>
-            <a:endParaRPr kumimoji="0" lang="en-US" sz="1800" b="0" i="0" u="none" strike="noStrike" cap="none" normalizeH="0" baseline="0" dirty="0" smtClean="0">
-              <a:ln>
-                <a:noFill/>
-              </a:ln>
-              <a:solidFill>
-                <a:srgbClr val="000000"/>
-              </a:solidFill>
-              <a:effectLst/>
-              <a:latin typeface="Arial" charset="0"/>
-            </a:endParaRPr>
-          </a:p>
-        </p:txBody>
-      </p:sp>
-      <p:sp>
-        <p:nvSpPr>
-          <p:cNvPr id="6" name="Rounded Rectangle 5"/>
-          <p:cNvSpPr/>
-          <p:nvPr/>
-        </p:nvSpPr>
-        <p:spPr bwMode="auto">
-          <a:xfrm>
-            <a:off x="2855792" y="1562100"/>
-            <a:ext cx="1682158" cy="457200"/>
-          </a:xfrm>
-          <a:prstGeom prst="roundRect">
-            <a:avLst/>
-          </a:prstGeom>
-          <a:gradFill rotWithShape="1">
-            <a:gsLst>
-              <a:gs pos="0">
-                <a:srgbClr val="E5FCFF"/>
-              </a:gs>
-              <a:gs pos="100000">
-                <a:schemeClr val="hlink"/>
-              </a:gs>
-            </a:gsLst>
-            <a:lin ang="18900000" scaled="1"/>
-          </a:gradFill>
-          <a:ln w="19050" cap="flat" cmpd="sng" algn="ctr">
-            <a:solidFill>
-              <a:schemeClr val="hlink"/>
-            </a:solidFill>
-            <a:prstDash val="solid"/>
-            <a:round/>
-            <a:headEnd type="none" w="med" len="med"/>
-            <a:tailEnd type="none" w="med" len="med"/>
-          </a:ln>
-          <a:effectLst/>
-        </p:spPr>
-        <p:txBody>
-          <a:bodyPr vert="horz" wrap="none" lIns="0" tIns="0" rIns="0" bIns="0" numCol="1" rtlCol="0" anchor="ctr" anchorCtr="0" compatLnSpc="1">
-            <a:prstTxWarp prst="textNoShape">
-              <a:avLst/>
-            </a:prstTxWarp>
-          </a:bodyPr>
-          <a:lstStyle/>
-          <a:p>
-            <a:pPr marL="0" marR="0" indent="0" algn="ctr" defTabSz="914400" rtl="0" eaLnBrk="1" fontAlgn="base" latinLnBrk="0" hangingPunct="1">
-              <a:lnSpc>
-                <a:spcPct val="100000"/>
-              </a:lnSpc>
-              <a:spcBef>
-                <a:spcPct val="0"/>
-              </a:spcBef>
-              <a:spcAft>
-                <a:spcPct val="0"/>
-              </a:spcAft>
-              <a:buClrTx/>
-              <a:buSzTx/>
-              <a:buFontTx/>
-              <a:buNone/>
-              <a:tabLst/>
-            </a:pPr>
-            <a:r>
-              <a:rPr kumimoji="0" lang="en-US" sz="1800" b="0" i="0" u="none" strike="noStrike" cap="none" normalizeH="0" baseline="0" dirty="0" smtClean="0">
-                <a:ln>
-                  <a:noFill/>
-                </a:ln>
-                <a:solidFill>
-                  <a:srgbClr val="000000"/>
-                </a:solidFill>
-                <a:effectLst/>
-                <a:latin typeface="Arial" charset="0"/>
-              </a:rPr>
-              <a:t>Low </a:t>
-            </a:r>
-            <a:r>
-              <a:rPr kumimoji="0" lang="en-US" sz="1800" b="0" i="0" u="none" strike="noStrike" cap="none" normalizeH="0" baseline="0" dirty="0" err="1" smtClean="0">
-                <a:ln>
-                  <a:noFill/>
-                </a:ln>
-                <a:solidFill>
-                  <a:srgbClr val="000000"/>
-                </a:solidFill>
-                <a:effectLst/>
-                <a:latin typeface="Arial" charset="0"/>
-              </a:rPr>
-              <a:t>int</a:t>
-            </a:r>
-            <a:r>
-              <a:rPr kumimoji="0" lang="en-US" sz="1800" b="0" i="0" u="none" strike="noStrike" cap="none" normalizeH="0" baseline="0" dirty="0" smtClean="0">
-                <a:ln>
-                  <a:noFill/>
-                </a:ln>
-                <a:solidFill>
-                  <a:srgbClr val="000000"/>
-                </a:solidFill>
-                <a:effectLst/>
-                <a:latin typeface="Arial" charset="0"/>
-              </a:rPr>
-              <a:t> filtering</a:t>
-            </a:r>
-          </a:p>
-        </p:txBody>
-      </p:sp>
-      <p:sp>
-        <p:nvSpPr>
-          <p:cNvPr id="7" name="Rounded Rectangle 6"/>
-          <p:cNvSpPr/>
-          <p:nvPr/>
-        </p:nvSpPr>
-        <p:spPr bwMode="auto">
-          <a:xfrm>
-            <a:off x="5531643" y="1562100"/>
-            <a:ext cx="1900238" cy="457200"/>
-          </a:xfrm>
-          <a:prstGeom prst="roundRect">
-            <a:avLst/>
-          </a:prstGeom>
-          <a:gradFill rotWithShape="1">
-            <a:gsLst>
-              <a:gs pos="0">
-                <a:srgbClr val="E5FCFF"/>
-              </a:gs>
-              <a:gs pos="100000">
-                <a:schemeClr val="hlink"/>
-              </a:gs>
-            </a:gsLst>
-            <a:lin ang="18900000" scaled="1"/>
-          </a:gradFill>
-          <a:ln w="19050" cap="flat" cmpd="sng" algn="ctr">
-            <a:solidFill>
-              <a:schemeClr val="hlink"/>
-            </a:solidFill>
-            <a:prstDash val="solid"/>
-            <a:round/>
-            <a:headEnd type="none" w="med" len="med"/>
-            <a:tailEnd type="none" w="med" len="med"/>
-          </a:ln>
-          <a:effectLst/>
-        </p:spPr>
-        <p:txBody>
-          <a:bodyPr vert="horz" wrap="none" lIns="0" tIns="0" rIns="0" bIns="0" numCol="1" rtlCol="0" anchor="ctr" anchorCtr="0" compatLnSpc="1">
-            <a:prstTxWarp prst="textNoShape">
-              <a:avLst/>
-            </a:prstTxWarp>
-          </a:bodyPr>
-          <a:lstStyle/>
-          <a:p>
-            <a:pPr marL="0" marR="0" indent="0" algn="ctr" defTabSz="914400" rtl="0" eaLnBrk="1" fontAlgn="base" latinLnBrk="0" hangingPunct="1">
-              <a:lnSpc>
-                <a:spcPct val="100000"/>
-              </a:lnSpc>
-              <a:spcBef>
-                <a:spcPct val="0"/>
-              </a:spcBef>
-              <a:spcAft>
-                <a:spcPct val="0"/>
-              </a:spcAft>
-              <a:buClrTx/>
-              <a:buSzTx/>
-              <a:buFontTx/>
-              <a:buNone/>
-              <a:tabLst/>
-            </a:pPr>
-            <a:r>
-              <a:rPr kumimoji="0" lang="en-US" sz="1800" b="0" i="0" u="none" strike="noStrike" cap="none" normalizeH="0" baseline="0" dirty="0" smtClean="0">
-                <a:ln>
-                  <a:noFill/>
-                </a:ln>
-                <a:solidFill>
-                  <a:srgbClr val="000000"/>
-                </a:solidFill>
-                <a:effectLst/>
-                <a:latin typeface="Arial" charset="0"/>
-              </a:rPr>
-              <a:t>runEdgeRNorm</a:t>
-            </a:r>
-          </a:p>
-        </p:txBody>
-      </p:sp>
-      <p:sp>
-        <p:nvSpPr>
-          <p:cNvPr id="8" name="Rounded Rectangle 7"/>
-          <p:cNvSpPr/>
-          <p:nvPr/>
-        </p:nvSpPr>
-        <p:spPr bwMode="auto">
-          <a:xfrm>
-            <a:off x="883213" y="4071049"/>
-            <a:ext cx="1643462" cy="552450"/>
-          </a:xfrm>
-          <a:prstGeom prst="roundRect">
-            <a:avLst/>
-          </a:prstGeom>
-          <a:gradFill rotWithShape="1">
-            <a:gsLst>
-              <a:gs pos="0">
-                <a:srgbClr val="E5FCFF"/>
-              </a:gs>
-              <a:gs pos="100000">
-                <a:schemeClr val="hlink"/>
-              </a:gs>
-            </a:gsLst>
-            <a:lin ang="18900000" scaled="1"/>
-          </a:gradFill>
-          <a:ln w="19050" cap="flat" cmpd="sng" algn="ctr">
-            <a:solidFill>
-              <a:schemeClr val="hlink"/>
-            </a:solidFill>
-            <a:prstDash val="solid"/>
-            <a:round/>
-            <a:headEnd type="none" w="med" len="med"/>
-            <a:tailEnd type="none" w="med" len="med"/>
-          </a:ln>
-          <a:effectLst/>
-        </p:spPr>
-        <p:txBody>
-          <a:bodyPr vert="horz" wrap="none" lIns="0" tIns="0" rIns="0" bIns="0" numCol="1" rtlCol="0" anchor="ctr" anchorCtr="0" compatLnSpc="1">
-            <a:prstTxWarp prst="textNoShape">
-              <a:avLst/>
-            </a:prstTxWarp>
-          </a:bodyPr>
-          <a:lstStyle/>
-          <a:p>
-            <a:pPr marL="0" marR="0" indent="0" algn="ctr" defTabSz="914400" rtl="0" eaLnBrk="1" fontAlgn="base" latinLnBrk="0" hangingPunct="1">
-              <a:lnSpc>
-                <a:spcPct val="100000"/>
-              </a:lnSpc>
-              <a:spcBef>
-                <a:spcPct val="0"/>
-              </a:spcBef>
-              <a:spcAft>
-                <a:spcPct val="0"/>
-              </a:spcAft>
-              <a:buClrTx/>
-              <a:buSzTx/>
-              <a:buFontTx/>
-              <a:buNone/>
-              <a:tabLst/>
-            </a:pPr>
-            <a:r>
-              <a:rPr kumimoji="0" lang="en-US" sz="1800" b="0" i="0" u="none" strike="noStrike" cap="none" normalizeH="0" baseline="0" dirty="0" smtClean="0">
-                <a:ln>
-                  <a:noFill/>
-                </a:ln>
-                <a:solidFill>
-                  <a:srgbClr val="000000"/>
-                </a:solidFill>
-                <a:effectLst/>
-              </a:rPr>
-              <a:t>runVoom</a:t>
-            </a:r>
-          </a:p>
-          <a:p>
-            <a:pPr marL="0" marR="0" indent="0" algn="ctr" defTabSz="914400" rtl="0" eaLnBrk="1" fontAlgn="base" latinLnBrk="0" hangingPunct="1">
-              <a:lnSpc>
-                <a:spcPct val="100000"/>
-              </a:lnSpc>
-              <a:spcBef>
-                <a:spcPct val="0"/>
-              </a:spcBef>
-              <a:spcAft>
-                <a:spcPct val="0"/>
-              </a:spcAft>
-              <a:buClrTx/>
-              <a:buSzTx/>
-              <a:buFontTx/>
-              <a:buNone/>
-              <a:tabLst/>
-            </a:pPr>
-            <a:r>
-              <a:rPr lang="en-US" sz="1200" b="0" dirty="0" smtClean="0"/>
-              <a:t>qualityWeights=FALSE</a:t>
-            </a:r>
-            <a:endParaRPr kumimoji="0" lang="en-US" sz="1200" b="0" i="0" u="none" strike="noStrike" cap="none" normalizeH="0" baseline="0" dirty="0" smtClean="0">
-              <a:ln>
-                <a:noFill/>
-              </a:ln>
-              <a:solidFill>
-                <a:srgbClr val="000000"/>
-              </a:solidFill>
-              <a:effectLst/>
-            </a:endParaRPr>
-          </a:p>
-        </p:txBody>
-      </p:sp>
-      <p:sp>
-        <p:nvSpPr>
-          <p:cNvPr id="9" name="Rounded Rectangle 8"/>
-          <p:cNvSpPr/>
-          <p:nvPr/>
-        </p:nvSpPr>
-        <p:spPr bwMode="auto">
-          <a:xfrm>
-            <a:off x="4409206" y="4071049"/>
-            <a:ext cx="1514475" cy="552450"/>
-          </a:xfrm>
-          <a:prstGeom prst="roundRect">
-            <a:avLst/>
-          </a:prstGeom>
-          <a:gradFill rotWithShape="1">
-            <a:gsLst>
-              <a:gs pos="0">
-                <a:srgbClr val="E5FCFF"/>
-              </a:gs>
-              <a:gs pos="100000">
-                <a:schemeClr val="hlink"/>
-              </a:gs>
-            </a:gsLst>
-            <a:lin ang="18900000" scaled="1"/>
-          </a:gradFill>
-          <a:ln w="19050" cap="flat" cmpd="sng" algn="ctr">
-            <a:solidFill>
-              <a:schemeClr val="hlink"/>
-            </a:solidFill>
-            <a:prstDash val="solid"/>
-            <a:round/>
-            <a:headEnd type="none" w="med" len="med"/>
-            <a:tailEnd type="none" w="med" len="med"/>
-          </a:ln>
-          <a:effectLst/>
-        </p:spPr>
-        <p:txBody>
-          <a:bodyPr vert="horz" wrap="none" lIns="0" tIns="0" rIns="0" bIns="0" numCol="1" rtlCol="0" anchor="ctr" anchorCtr="0" compatLnSpc="1">
-            <a:prstTxWarp prst="textNoShape">
-              <a:avLst/>
-            </a:prstTxWarp>
-          </a:bodyPr>
-          <a:lstStyle/>
-          <a:p>
-            <a:r>
-              <a:rPr kumimoji="0" lang="en-US" sz="1800" b="0" i="0" u="none" strike="noStrike" cap="none" normalizeH="0" baseline="0" dirty="0" smtClean="0">
-                <a:ln>
-                  <a:noFill/>
-                </a:ln>
-                <a:solidFill>
-                  <a:srgbClr val="000000"/>
-                </a:solidFill>
-                <a:effectLst/>
-              </a:rPr>
-              <a:t>runVoom</a:t>
-            </a:r>
-          </a:p>
-          <a:p>
-            <a:r>
-              <a:rPr lang="en-US" sz="1200" b="0" dirty="0" smtClean="0"/>
-              <a:t>dupCor=TRUE</a:t>
-            </a:r>
-            <a:endParaRPr lang="en-US" sz="1200" b="0" dirty="0"/>
-          </a:p>
-        </p:txBody>
-      </p:sp>
-      <p:sp>
-        <p:nvSpPr>
-          <p:cNvPr id="10" name="Rounded Rectangle 9"/>
-          <p:cNvSpPr/>
-          <p:nvPr/>
-        </p:nvSpPr>
-        <p:spPr bwMode="auto">
-          <a:xfrm>
-            <a:off x="6965192" y="4149940"/>
-            <a:ext cx="1357313" cy="381632"/>
-          </a:xfrm>
-          <a:prstGeom prst="roundRect">
-            <a:avLst/>
-          </a:prstGeom>
-          <a:gradFill rotWithShape="1">
-            <a:gsLst>
-              <a:gs pos="0">
-                <a:srgbClr val="E5FCFF"/>
-              </a:gs>
-              <a:gs pos="100000">
-                <a:schemeClr val="hlink"/>
-              </a:gs>
-            </a:gsLst>
-            <a:lin ang="18900000" scaled="1"/>
-          </a:gradFill>
-          <a:ln w="19050" cap="flat" cmpd="sng" algn="ctr">
-            <a:solidFill>
-              <a:schemeClr val="hlink"/>
-            </a:solidFill>
-            <a:prstDash val="solid"/>
-            <a:round/>
-            <a:headEnd type="none" w="med" len="med"/>
-            <a:tailEnd type="none" w="med" len="med"/>
-          </a:ln>
-          <a:effectLst/>
-        </p:spPr>
-        <p:txBody>
-          <a:bodyPr vert="horz" wrap="none" lIns="0" tIns="0" rIns="0" bIns="0" numCol="1" rtlCol="0" anchor="ctr" anchorCtr="0" compatLnSpc="1">
-            <a:prstTxWarp prst="textNoShape">
-              <a:avLst/>
-            </a:prstTxWarp>
-          </a:bodyPr>
-          <a:lstStyle/>
-          <a:p>
-            <a:pPr marL="0" marR="0" indent="0" algn="ctr" defTabSz="914400" rtl="0" eaLnBrk="1" fontAlgn="base" latinLnBrk="0" hangingPunct="1">
-              <a:lnSpc>
-                <a:spcPct val="100000"/>
-              </a:lnSpc>
-              <a:spcBef>
-                <a:spcPct val="0"/>
-              </a:spcBef>
-              <a:spcAft>
-                <a:spcPct val="0"/>
-              </a:spcAft>
-              <a:buClrTx/>
-              <a:buSzTx/>
-              <a:buFontTx/>
-              <a:buNone/>
-              <a:tabLst/>
-            </a:pPr>
-            <a:r>
-              <a:rPr kumimoji="0" lang="en-US" sz="1800" b="0" i="0" u="none" strike="noStrike" cap="none" normalizeH="0" baseline="0" dirty="0" smtClean="0">
-                <a:ln>
-                  <a:noFill/>
-                </a:ln>
-                <a:solidFill>
-                  <a:srgbClr val="000000"/>
-                </a:solidFill>
-                <a:effectLst/>
-              </a:rPr>
-              <a:t>runSVA</a:t>
-            </a:r>
-          </a:p>
-        </p:txBody>
-      </p:sp>
-      <p:cxnSp>
-        <p:nvCxnSpPr>
-          <p:cNvPr id="13" name="Straight Arrow Connector 12"/>
-          <p:cNvCxnSpPr>
-            <a:stCxn id="5" idx="3"/>
-            <a:endCxn id="6" idx="1"/>
-          </p:cNvCxnSpPr>
-          <p:nvPr/>
-        </p:nvCxnSpPr>
-        <p:spPr bwMode="auto">
-          <a:xfrm>
-            <a:off x="1914525" y="1790700"/>
-            <a:ext cx="941267" cy="0"/>
-          </a:xfrm>
-          <a:prstGeom prst="straightConnector1">
-            <a:avLst/>
-          </a:prstGeom>
-          <a:gradFill rotWithShape="1">
-            <a:gsLst>
-              <a:gs pos="0">
-                <a:srgbClr val="E5FCFF"/>
-              </a:gs>
-              <a:gs pos="100000">
-                <a:schemeClr val="hlink"/>
-              </a:gs>
-            </a:gsLst>
-            <a:lin ang="18900000" scaled="1"/>
-          </a:gradFill>
-          <a:ln w="19050" cap="flat" cmpd="sng" algn="ctr">
-            <a:solidFill>
-              <a:schemeClr val="accent2">
-                <a:lumMod val="75000"/>
-              </a:schemeClr>
-            </a:solidFill>
-            <a:prstDash val="solid"/>
-            <a:round/>
-            <a:headEnd type="none" w="lg" len="lg"/>
-            <a:tailEnd type="stealth" w="lg" len="lg"/>
-          </a:ln>
-          <a:effectLst/>
-        </p:spPr>
-      </p:cxnSp>
-      <p:cxnSp>
-        <p:nvCxnSpPr>
-          <p:cNvPr id="17" name="Straight Arrow Connector 16"/>
-          <p:cNvCxnSpPr>
-            <a:stCxn id="6" idx="3"/>
-            <a:endCxn id="7" idx="1"/>
-          </p:cNvCxnSpPr>
-          <p:nvPr/>
-        </p:nvCxnSpPr>
-        <p:spPr bwMode="auto">
-          <a:xfrm>
-            <a:off x="4537950" y="1790700"/>
-            <a:ext cx="993693" cy="0"/>
-          </a:xfrm>
-          <a:prstGeom prst="straightConnector1">
-            <a:avLst/>
-          </a:prstGeom>
-          <a:gradFill rotWithShape="1">
-            <a:gsLst>
-              <a:gs pos="0">
-                <a:srgbClr val="E5FCFF"/>
-              </a:gs>
-              <a:gs pos="100000">
-                <a:schemeClr val="hlink"/>
-              </a:gs>
-            </a:gsLst>
-            <a:lin ang="18900000" scaled="1"/>
-          </a:gradFill>
-          <a:ln w="19050" cap="flat" cmpd="sng" algn="ctr">
-            <a:solidFill>
-              <a:schemeClr val="accent2">
-                <a:lumMod val="75000"/>
-              </a:schemeClr>
-            </a:solidFill>
-            <a:prstDash val="solid"/>
-            <a:round/>
-            <a:headEnd type="none" w="lg" len="lg"/>
-            <a:tailEnd type="stealth" w="lg" len="lg"/>
-          </a:ln>
-          <a:effectLst/>
-        </p:spPr>
-      </p:cxnSp>
-      <p:sp>
-        <p:nvSpPr>
-          <p:cNvPr id="19" name="Rounded Rectangle 18"/>
-          <p:cNvSpPr/>
-          <p:nvPr/>
-        </p:nvSpPr>
-        <p:spPr bwMode="auto">
-          <a:xfrm>
-            <a:off x="2710704" y="5530828"/>
-            <a:ext cx="1514475" cy="552450"/>
-          </a:xfrm>
-          <a:prstGeom prst="roundRect">
-            <a:avLst/>
-          </a:prstGeom>
-          <a:gradFill rotWithShape="1">
-            <a:gsLst>
-              <a:gs pos="0">
-                <a:srgbClr val="E5FCFF"/>
-              </a:gs>
-              <a:gs pos="100000">
-                <a:schemeClr val="hlink"/>
-              </a:gs>
-            </a:gsLst>
-            <a:lin ang="18900000" scaled="1"/>
-          </a:gradFill>
-          <a:ln w="19050" cap="flat" cmpd="sng" algn="ctr">
-            <a:solidFill>
-              <a:schemeClr val="hlink"/>
-            </a:solidFill>
-            <a:prstDash val="solid"/>
-            <a:round/>
-            <a:headEnd type="none" w="med" len="med"/>
-            <a:tailEnd type="none" w="med" len="med"/>
-          </a:ln>
-          <a:effectLst/>
-        </p:spPr>
-        <p:txBody>
-          <a:bodyPr vert="horz" wrap="none" lIns="0" tIns="0" rIns="0" bIns="0" numCol="1" rtlCol="0" anchor="ctr" anchorCtr="0" compatLnSpc="1">
-            <a:prstTxWarp prst="textNoShape">
-              <a:avLst/>
-            </a:prstTxWarp>
-          </a:bodyPr>
-          <a:lstStyle/>
-          <a:p>
-            <a:pPr marL="0" marR="0" indent="0" algn="ctr" defTabSz="914400" rtl="0" eaLnBrk="1" fontAlgn="base" latinLnBrk="0" hangingPunct="1">
-              <a:lnSpc>
-                <a:spcPct val="100000"/>
-              </a:lnSpc>
-              <a:spcBef>
-                <a:spcPct val="0"/>
-              </a:spcBef>
-              <a:spcAft>
-                <a:spcPct val="0"/>
-              </a:spcAft>
-              <a:buClrTx/>
-              <a:buSzTx/>
-              <a:buFontTx/>
-              <a:buNone/>
-              <a:tabLst/>
-            </a:pPr>
-            <a:r>
-              <a:rPr kumimoji="0" lang="en-US" sz="1800" b="0" i="0" u="none" strike="noStrike" cap="none" normalizeH="0" baseline="0" dirty="0" err="1" smtClean="0">
-                <a:ln>
-                  <a:noFill/>
-                </a:ln>
-                <a:solidFill>
-                  <a:srgbClr val="000000"/>
-                </a:solidFill>
-                <a:effectLst/>
-              </a:rPr>
-              <a:t>runContrasts</a:t>
-            </a:r>
-            <a:endParaRPr kumimoji="0" lang="en-US" sz="1800" b="0" i="0" u="none" strike="noStrike" cap="none" normalizeH="0" baseline="0" dirty="0" smtClean="0">
-              <a:ln>
-                <a:noFill/>
-              </a:ln>
-              <a:solidFill>
-                <a:srgbClr val="000000"/>
-              </a:solidFill>
-              <a:effectLst/>
-            </a:endParaRPr>
-          </a:p>
-        </p:txBody>
-      </p:sp>
-      <p:sp>
-        <p:nvSpPr>
-          <p:cNvPr id="23" name="TextBox 22"/>
-          <p:cNvSpPr txBox="1"/>
-          <p:nvPr/>
-        </p:nvSpPr>
-        <p:spPr>
-          <a:xfrm>
-            <a:off x="1997550" y="1542294"/>
-            <a:ext cx="841898" cy="307777"/>
-          </a:xfrm>
-          <a:prstGeom prst="rect">
-            <a:avLst/>
-          </a:prstGeom>
-          <a:noFill/>
-        </p:spPr>
-        <p:txBody>
-          <a:bodyPr wrap="none" rtlCol="0">
-            <a:spAutoFit/>
-          </a:bodyPr>
-          <a:lstStyle/>
-          <a:p>
-            <a:r>
-              <a:rPr lang="en-US" sz="1400" dirty="0" err="1" smtClean="0">
-                <a:solidFill>
-                  <a:srgbClr val="FF0000"/>
-                </a:solidFill>
-              </a:rPr>
-              <a:t>DGEobj</a:t>
-            </a:r>
-            <a:endParaRPr lang="en-US" sz="1400" dirty="0">
-              <a:solidFill>
-                <a:srgbClr val="FF0000"/>
-              </a:solidFill>
-            </a:endParaRPr>
-          </a:p>
-        </p:txBody>
-      </p:sp>
-      <p:sp>
-        <p:nvSpPr>
-          <p:cNvPr id="24" name="TextBox 23"/>
-          <p:cNvSpPr txBox="1"/>
-          <p:nvPr/>
-        </p:nvSpPr>
-        <p:spPr>
-          <a:xfrm>
-            <a:off x="4468017" y="1542295"/>
-            <a:ext cx="841898" cy="307777"/>
-          </a:xfrm>
-          <a:prstGeom prst="rect">
-            <a:avLst/>
-          </a:prstGeom>
-          <a:noFill/>
-        </p:spPr>
-        <p:txBody>
-          <a:bodyPr wrap="none" rtlCol="0">
-            <a:spAutoFit/>
-          </a:bodyPr>
-          <a:lstStyle/>
-          <a:p>
-            <a:r>
-              <a:rPr lang="en-US" sz="1400" dirty="0" err="1" smtClean="0">
-                <a:solidFill>
-                  <a:srgbClr val="FF0000"/>
-                </a:solidFill>
-              </a:rPr>
-              <a:t>DGEobj</a:t>
-            </a:r>
-            <a:endParaRPr lang="en-US" sz="1400" dirty="0">
-              <a:solidFill>
-                <a:srgbClr val="FF0000"/>
-              </a:solidFill>
-            </a:endParaRPr>
-          </a:p>
-        </p:txBody>
-      </p:sp>
-      <p:cxnSp>
-        <p:nvCxnSpPr>
-          <p:cNvPr id="27" name="Elbow Connector 26"/>
-          <p:cNvCxnSpPr>
-            <a:stCxn id="7" idx="2"/>
-            <a:endCxn id="9" idx="0"/>
-          </p:cNvCxnSpPr>
-          <p:nvPr/>
-        </p:nvCxnSpPr>
-        <p:spPr bwMode="auto">
-          <a:xfrm rot="5400000">
-            <a:off x="4798229" y="2387515"/>
-            <a:ext cx="2051749" cy="1315318"/>
-          </a:xfrm>
-          <a:prstGeom prst="bentConnector3">
-            <a:avLst/>
-          </a:prstGeom>
-          <a:gradFill rotWithShape="1">
-            <a:gsLst>
-              <a:gs pos="0">
-                <a:srgbClr val="E5FCFF"/>
-              </a:gs>
-              <a:gs pos="100000">
-                <a:schemeClr val="hlink"/>
-              </a:gs>
-            </a:gsLst>
-            <a:lin ang="18900000" scaled="1"/>
-          </a:gradFill>
-          <a:ln w="19050" cap="flat" cmpd="sng" algn="ctr">
-            <a:solidFill>
-              <a:schemeClr val="accent2">
-                <a:lumMod val="75000"/>
-              </a:schemeClr>
-            </a:solidFill>
-            <a:prstDash val="solid"/>
-            <a:round/>
-            <a:headEnd type="none" w="med" len="med"/>
-            <a:tailEnd type="stealth" w="lg" len="lg"/>
-          </a:ln>
-          <a:effectLst/>
-        </p:spPr>
-      </p:cxnSp>
-      <p:cxnSp>
-        <p:nvCxnSpPr>
-          <p:cNvPr id="28" name="Elbow Connector 27"/>
-          <p:cNvCxnSpPr>
-            <a:stCxn id="7" idx="2"/>
-            <a:endCxn id="8" idx="0"/>
-          </p:cNvCxnSpPr>
-          <p:nvPr/>
-        </p:nvCxnSpPr>
-        <p:spPr bwMode="auto">
-          <a:xfrm rot="5400000">
-            <a:off x="3067479" y="656765"/>
-            <a:ext cx="2051749" cy="4776818"/>
-          </a:xfrm>
-          <a:prstGeom prst="bentConnector3">
-            <a:avLst>
-              <a:gd name="adj1" fmla="val 50000"/>
-            </a:avLst>
-          </a:prstGeom>
-          <a:gradFill rotWithShape="1">
-            <a:gsLst>
-              <a:gs pos="0">
-                <a:srgbClr val="E5FCFF"/>
-              </a:gs>
-              <a:gs pos="100000">
-                <a:schemeClr val="hlink"/>
-              </a:gs>
-            </a:gsLst>
-            <a:lin ang="18900000" scaled="1"/>
-          </a:gradFill>
-          <a:ln w="19050" cap="flat" cmpd="sng" algn="ctr">
-            <a:solidFill>
-              <a:schemeClr val="accent2">
-                <a:lumMod val="75000"/>
-              </a:schemeClr>
-            </a:solidFill>
-            <a:prstDash val="solid"/>
-            <a:round/>
-            <a:headEnd type="none" w="med" len="med"/>
-            <a:tailEnd type="stealth" w="lg" len="lg"/>
-          </a:ln>
-          <a:effectLst/>
-        </p:spPr>
-      </p:cxnSp>
-      <p:sp>
-        <p:nvSpPr>
-          <p:cNvPr id="33" name="TextBox 32"/>
-          <p:cNvSpPr txBox="1"/>
-          <p:nvPr/>
-        </p:nvSpPr>
-        <p:spPr>
-          <a:xfrm>
-            <a:off x="5740332" y="2321289"/>
-            <a:ext cx="841898" cy="307777"/>
-          </a:xfrm>
-          <a:prstGeom prst="rect">
-            <a:avLst/>
-          </a:prstGeom>
-          <a:noFill/>
-        </p:spPr>
-        <p:txBody>
-          <a:bodyPr wrap="none" rtlCol="0">
-            <a:spAutoFit/>
-          </a:bodyPr>
-          <a:lstStyle/>
-          <a:p>
-            <a:r>
-              <a:rPr lang="en-US" sz="1400" dirty="0" err="1" smtClean="0">
-                <a:solidFill>
-                  <a:srgbClr val="FF0000"/>
-                </a:solidFill>
-              </a:rPr>
-              <a:t>DGEobj</a:t>
-            </a:r>
-            <a:endParaRPr lang="en-US" sz="1400" dirty="0">
-              <a:solidFill>
-                <a:srgbClr val="FF0000"/>
-              </a:solidFill>
-            </a:endParaRPr>
-          </a:p>
-        </p:txBody>
-      </p:sp>
-      <p:cxnSp>
-        <p:nvCxnSpPr>
-          <p:cNvPr id="46" name="Elbow Connector 45"/>
-          <p:cNvCxnSpPr>
-            <a:stCxn id="8" idx="2"/>
-            <a:endCxn id="19" idx="0"/>
-          </p:cNvCxnSpPr>
-          <p:nvPr/>
-        </p:nvCxnSpPr>
-        <p:spPr bwMode="auto">
-          <a:xfrm rot="16200000" flipH="1">
-            <a:off x="2132779" y="4195664"/>
-            <a:ext cx="907329" cy="1762998"/>
-          </a:xfrm>
-          <a:prstGeom prst="bentConnector3">
-            <a:avLst>
-              <a:gd name="adj1" fmla="val 50000"/>
-            </a:avLst>
-          </a:prstGeom>
-          <a:gradFill rotWithShape="1">
-            <a:gsLst>
-              <a:gs pos="0">
-                <a:srgbClr val="E5FCFF"/>
-              </a:gs>
-              <a:gs pos="100000">
-                <a:schemeClr val="hlink"/>
-              </a:gs>
-            </a:gsLst>
-            <a:lin ang="18900000" scaled="1"/>
-          </a:gradFill>
-          <a:ln w="19050" cap="flat" cmpd="sng" algn="ctr">
-            <a:solidFill>
-              <a:schemeClr val="accent2">
-                <a:lumMod val="75000"/>
-              </a:schemeClr>
-            </a:solidFill>
-            <a:prstDash val="solid"/>
-            <a:round/>
-            <a:headEnd type="none" w="med" len="med"/>
-            <a:tailEnd type="stealth" w="lg" len="lg"/>
-          </a:ln>
-          <a:effectLst/>
-        </p:spPr>
-      </p:cxnSp>
-      <p:cxnSp>
-        <p:nvCxnSpPr>
-          <p:cNvPr id="47" name="Elbow Connector 46"/>
-          <p:cNvCxnSpPr>
-            <a:stCxn id="9" idx="2"/>
-            <a:endCxn id="19" idx="0"/>
-          </p:cNvCxnSpPr>
-          <p:nvPr/>
-        </p:nvCxnSpPr>
-        <p:spPr bwMode="auto">
-          <a:xfrm rot="5400000">
-            <a:off x="3863529" y="4227912"/>
-            <a:ext cx="907329" cy="1698502"/>
-          </a:xfrm>
-          <a:prstGeom prst="bentConnector3">
-            <a:avLst>
-              <a:gd name="adj1" fmla="val 50000"/>
-            </a:avLst>
-          </a:prstGeom>
-          <a:gradFill rotWithShape="1">
-            <a:gsLst>
-              <a:gs pos="0">
-                <a:srgbClr val="E5FCFF"/>
-              </a:gs>
-              <a:gs pos="100000">
-                <a:schemeClr val="hlink"/>
-              </a:gs>
-            </a:gsLst>
-            <a:lin ang="18900000" scaled="1"/>
-          </a:gradFill>
-          <a:ln w="19050" cap="flat" cmpd="sng" algn="ctr">
-            <a:solidFill>
-              <a:schemeClr val="accent2">
-                <a:lumMod val="75000"/>
-              </a:schemeClr>
-            </a:solidFill>
-            <a:prstDash val="solid"/>
-            <a:round/>
-            <a:headEnd type="none" w="med" len="med"/>
-            <a:tailEnd type="stealth" w="lg" len="lg"/>
-          </a:ln>
-          <a:effectLst/>
-        </p:spPr>
-      </p:cxnSp>
-      <p:sp>
-        <p:nvSpPr>
-          <p:cNvPr id="67" name="Rounded Rectangle 66"/>
-          <p:cNvSpPr/>
-          <p:nvPr/>
-        </p:nvSpPr>
-        <p:spPr bwMode="auto">
-          <a:xfrm>
-            <a:off x="2646210" y="4071049"/>
-            <a:ext cx="1643462" cy="552450"/>
-          </a:xfrm>
-          <a:prstGeom prst="roundRect">
-            <a:avLst/>
-          </a:prstGeom>
-          <a:gradFill rotWithShape="1">
-            <a:gsLst>
-              <a:gs pos="0">
-                <a:srgbClr val="E5FCFF"/>
-              </a:gs>
-              <a:gs pos="100000">
-                <a:schemeClr val="hlink"/>
-              </a:gs>
-            </a:gsLst>
-            <a:lin ang="18900000" scaled="1"/>
-          </a:gradFill>
-          <a:ln w="19050" cap="flat" cmpd="sng" algn="ctr">
-            <a:solidFill>
-              <a:schemeClr val="hlink"/>
-            </a:solidFill>
-            <a:prstDash val="solid"/>
-            <a:round/>
-            <a:headEnd type="none" w="med" len="med"/>
-            <a:tailEnd type="none" w="med" len="med"/>
-          </a:ln>
-          <a:effectLst/>
-        </p:spPr>
-        <p:txBody>
-          <a:bodyPr vert="horz" wrap="none" lIns="0" tIns="0" rIns="0" bIns="0" numCol="1" rtlCol="0" anchor="ctr" anchorCtr="0" compatLnSpc="1">
-            <a:prstTxWarp prst="textNoShape">
-              <a:avLst/>
-            </a:prstTxWarp>
-          </a:bodyPr>
-          <a:lstStyle/>
-          <a:p>
-            <a:pPr marL="0" marR="0" indent="0" algn="ctr" defTabSz="914400" rtl="0" eaLnBrk="1" fontAlgn="base" latinLnBrk="0" hangingPunct="1">
-              <a:lnSpc>
-                <a:spcPct val="100000"/>
-              </a:lnSpc>
-              <a:spcBef>
-                <a:spcPct val="0"/>
-              </a:spcBef>
-              <a:spcAft>
-                <a:spcPct val="0"/>
-              </a:spcAft>
-              <a:buClrTx/>
-              <a:buSzTx/>
-              <a:buFontTx/>
-              <a:buNone/>
-              <a:tabLst/>
-            </a:pPr>
-            <a:r>
-              <a:rPr kumimoji="0" lang="en-US" sz="1800" b="0" i="0" u="none" strike="noStrike" cap="none" normalizeH="0" baseline="0" dirty="0" smtClean="0">
-                <a:ln>
-                  <a:noFill/>
-                </a:ln>
-                <a:solidFill>
-                  <a:srgbClr val="000000"/>
-                </a:solidFill>
-                <a:effectLst/>
-              </a:rPr>
-              <a:t>runVoom</a:t>
-            </a:r>
-          </a:p>
-        </p:txBody>
-      </p:sp>
-      <p:cxnSp>
-        <p:nvCxnSpPr>
-          <p:cNvPr id="75" name="Elbow Connector 74"/>
-          <p:cNvCxnSpPr>
-            <a:stCxn id="7" idx="2"/>
-            <a:endCxn id="67" idx="0"/>
-          </p:cNvCxnSpPr>
-          <p:nvPr/>
-        </p:nvCxnSpPr>
-        <p:spPr bwMode="auto">
-          <a:xfrm rot="5400000">
-            <a:off x="3948978" y="1538264"/>
-            <a:ext cx="2051749" cy="3013821"/>
-          </a:xfrm>
-          <a:prstGeom prst="bentConnector3">
-            <a:avLst>
-              <a:gd name="adj1" fmla="val 50000"/>
-            </a:avLst>
-          </a:prstGeom>
-          <a:gradFill rotWithShape="1">
-            <a:gsLst>
-              <a:gs pos="0">
-                <a:srgbClr val="E5FCFF"/>
-              </a:gs>
-              <a:gs pos="100000">
-                <a:schemeClr val="hlink"/>
-              </a:gs>
-            </a:gsLst>
-            <a:lin ang="18900000" scaled="1"/>
-          </a:gradFill>
-          <a:ln w="19050" cap="flat" cmpd="sng" algn="ctr">
-            <a:solidFill>
-              <a:schemeClr val="accent2">
-                <a:lumMod val="75000"/>
-              </a:schemeClr>
-            </a:solidFill>
-            <a:prstDash val="solid"/>
-            <a:round/>
-            <a:headEnd type="none" w="med" len="med"/>
-            <a:tailEnd type="stealth" w="lg" len="lg"/>
-          </a:ln>
-          <a:effectLst/>
-        </p:spPr>
-      </p:cxnSp>
-      <p:cxnSp>
-        <p:nvCxnSpPr>
-          <p:cNvPr id="88" name="Straight Arrow Connector 87"/>
-          <p:cNvCxnSpPr>
-            <a:stCxn id="19" idx="3"/>
-            <a:endCxn id="89" idx="1"/>
-          </p:cNvCxnSpPr>
-          <p:nvPr/>
-        </p:nvCxnSpPr>
-        <p:spPr bwMode="auto">
-          <a:xfrm>
-            <a:off x="4225179" y="5807053"/>
-            <a:ext cx="813248" cy="0"/>
-          </a:xfrm>
-          <a:prstGeom prst="straightConnector1">
-            <a:avLst/>
-          </a:prstGeom>
-          <a:gradFill rotWithShape="1">
-            <a:gsLst>
-              <a:gs pos="0">
-                <a:srgbClr val="E5FCFF"/>
-              </a:gs>
-              <a:gs pos="100000">
-                <a:schemeClr val="hlink"/>
-              </a:gs>
-            </a:gsLst>
-            <a:lin ang="18900000" scaled="1"/>
-          </a:gradFill>
-          <a:ln w="19050" cap="flat" cmpd="sng" algn="ctr">
-            <a:solidFill>
-              <a:schemeClr val="accent2">
-                <a:lumMod val="75000"/>
-              </a:schemeClr>
-            </a:solidFill>
-            <a:prstDash val="solid"/>
-            <a:round/>
-            <a:headEnd type="none" w="lg" len="lg"/>
-            <a:tailEnd type="stealth" w="lg" len="lg"/>
-          </a:ln>
-          <a:effectLst/>
-        </p:spPr>
-      </p:cxnSp>
-      <p:sp>
-        <p:nvSpPr>
-          <p:cNvPr id="89" name="TextBox 88"/>
-          <p:cNvSpPr txBox="1"/>
-          <p:nvPr/>
-        </p:nvSpPr>
-        <p:spPr>
-          <a:xfrm>
-            <a:off x="5038427" y="5653164"/>
-            <a:ext cx="841897" cy="307777"/>
-          </a:xfrm>
-          <a:prstGeom prst="rect">
-            <a:avLst/>
-          </a:prstGeom>
-          <a:noFill/>
-        </p:spPr>
-        <p:txBody>
-          <a:bodyPr wrap="none" rtlCol="0">
-            <a:spAutoFit/>
-          </a:bodyPr>
-          <a:lstStyle/>
-          <a:p>
-            <a:r>
-              <a:rPr lang="en-US" sz="1400" dirty="0" err="1" smtClean="0">
-                <a:solidFill>
-                  <a:srgbClr val="FF0000"/>
-                </a:solidFill>
-              </a:rPr>
-              <a:t>DGEobj</a:t>
-            </a:r>
-            <a:endParaRPr lang="en-US" sz="1400" dirty="0">
-              <a:solidFill>
-                <a:srgbClr val="FF0000"/>
-              </a:solidFill>
-            </a:endParaRPr>
-          </a:p>
-        </p:txBody>
-      </p:sp>
-      <p:cxnSp>
-        <p:nvCxnSpPr>
-          <p:cNvPr id="90" name="Elbow Connector 89"/>
-          <p:cNvCxnSpPr>
-            <a:stCxn id="67" idx="2"/>
-            <a:endCxn id="19" idx="0"/>
-          </p:cNvCxnSpPr>
-          <p:nvPr/>
-        </p:nvCxnSpPr>
-        <p:spPr bwMode="auto">
-          <a:xfrm rot="16200000" flipH="1">
-            <a:off x="3014277" y="5077162"/>
-            <a:ext cx="907329" cy="1"/>
-          </a:xfrm>
-          <a:prstGeom prst="bentConnector3">
-            <a:avLst>
-              <a:gd name="adj1" fmla="val 50000"/>
-            </a:avLst>
-          </a:prstGeom>
-          <a:gradFill rotWithShape="1">
-            <a:gsLst>
-              <a:gs pos="0">
-                <a:srgbClr val="E5FCFF"/>
-              </a:gs>
-              <a:gs pos="100000">
-                <a:schemeClr val="hlink"/>
-              </a:gs>
-            </a:gsLst>
-            <a:lin ang="18900000" scaled="1"/>
-          </a:gradFill>
-          <a:ln w="19050" cap="flat" cmpd="sng" algn="ctr">
-            <a:solidFill>
-              <a:schemeClr val="accent2">
-                <a:lumMod val="75000"/>
-              </a:schemeClr>
-            </a:solidFill>
-            <a:prstDash val="solid"/>
-            <a:round/>
-            <a:headEnd type="none" w="med" len="med"/>
-            <a:tailEnd type="stealth" w="lg" len="lg"/>
-          </a:ln>
-          <a:effectLst/>
-        </p:spPr>
-      </p:cxnSp>
-      <p:sp>
-        <p:nvSpPr>
-          <p:cNvPr id="97" name="Rounded Rectangle 96"/>
-          <p:cNvSpPr/>
-          <p:nvPr/>
-        </p:nvSpPr>
-        <p:spPr bwMode="auto">
-          <a:xfrm>
-            <a:off x="7110325" y="5616236"/>
-            <a:ext cx="1357313" cy="381632"/>
-          </a:xfrm>
-          <a:prstGeom prst="roundRect">
-            <a:avLst/>
-          </a:prstGeom>
-          <a:gradFill rotWithShape="1">
-            <a:gsLst>
-              <a:gs pos="0">
-                <a:srgbClr val="E5FCFF"/>
-              </a:gs>
-              <a:gs pos="100000">
-                <a:schemeClr val="hlink"/>
-              </a:gs>
-            </a:gsLst>
-            <a:lin ang="18900000" scaled="1"/>
-          </a:gradFill>
-          <a:ln w="19050" cap="flat" cmpd="sng" algn="ctr">
-            <a:solidFill>
-              <a:schemeClr val="hlink"/>
-            </a:solidFill>
-            <a:prstDash val="solid"/>
-            <a:round/>
-            <a:headEnd type="none" w="med" len="med"/>
-            <a:tailEnd type="none" w="med" len="med"/>
-          </a:ln>
-          <a:effectLst/>
-        </p:spPr>
-        <p:txBody>
-          <a:bodyPr vert="horz" wrap="none" lIns="0" tIns="0" rIns="0" bIns="0" numCol="1" rtlCol="0" anchor="ctr" anchorCtr="0" compatLnSpc="1">
-            <a:prstTxWarp prst="textNoShape">
-              <a:avLst/>
-            </a:prstTxWarp>
-          </a:bodyPr>
-          <a:lstStyle/>
-          <a:p>
-            <a:pPr marL="0" marR="0" indent="0" algn="ctr" defTabSz="914400" rtl="0" eaLnBrk="1" fontAlgn="base" latinLnBrk="0" hangingPunct="1">
-              <a:lnSpc>
-                <a:spcPct val="100000"/>
-              </a:lnSpc>
-              <a:spcBef>
-                <a:spcPct val="0"/>
-              </a:spcBef>
-              <a:spcAft>
-                <a:spcPct val="0"/>
-              </a:spcAft>
-              <a:buClrTx/>
-              <a:buSzTx/>
-              <a:buFontTx/>
-              <a:buNone/>
-              <a:tabLst/>
-            </a:pPr>
-            <a:r>
-              <a:rPr kumimoji="0" lang="en-US" sz="1800" b="0" i="0" u="none" strike="noStrike" cap="none" normalizeH="0" baseline="0" dirty="0" smtClean="0">
-                <a:ln>
-                  <a:noFill/>
-                </a:ln>
-                <a:solidFill>
-                  <a:srgbClr val="000000"/>
-                </a:solidFill>
-                <a:effectLst/>
-              </a:rPr>
-              <a:t>Plot Tools</a:t>
-            </a:r>
-          </a:p>
-        </p:txBody>
-      </p:sp>
-      <p:cxnSp>
-        <p:nvCxnSpPr>
-          <p:cNvPr id="98" name="Straight Arrow Connector 97"/>
-          <p:cNvCxnSpPr/>
-          <p:nvPr/>
-        </p:nvCxnSpPr>
-        <p:spPr bwMode="auto">
-          <a:xfrm>
-            <a:off x="6103142" y="5807053"/>
-            <a:ext cx="762587" cy="0"/>
-          </a:xfrm>
-          <a:prstGeom prst="straightConnector1">
-            <a:avLst/>
-          </a:prstGeom>
-          <a:gradFill rotWithShape="1">
-            <a:gsLst>
-              <a:gs pos="0">
-                <a:srgbClr val="E5FCFF"/>
-              </a:gs>
-              <a:gs pos="100000">
-                <a:schemeClr val="hlink"/>
-              </a:gs>
-            </a:gsLst>
-            <a:lin ang="18900000" scaled="1"/>
-          </a:gradFill>
-          <a:ln w="19050" cap="flat" cmpd="sng" algn="ctr">
-            <a:solidFill>
-              <a:schemeClr val="accent2">
-                <a:lumMod val="75000"/>
-              </a:schemeClr>
-            </a:solidFill>
-            <a:prstDash val="solid"/>
-            <a:round/>
-            <a:headEnd type="none" w="lg" len="lg"/>
-            <a:tailEnd type="stealth" w="lg" len="lg"/>
-          </a:ln>
-          <a:effectLst/>
-        </p:spPr>
-      </p:cxnSp>
-      <p:cxnSp>
-        <p:nvCxnSpPr>
-          <p:cNvPr id="48" name="Straight Arrow Connector 47"/>
-          <p:cNvCxnSpPr/>
-          <p:nvPr/>
-        </p:nvCxnSpPr>
-        <p:spPr bwMode="auto">
-          <a:xfrm flipH="1">
-            <a:off x="6523995" y="3045174"/>
-            <a:ext cx="1098188" cy="0"/>
-          </a:xfrm>
-          <a:prstGeom prst="straightConnector1">
-            <a:avLst/>
-          </a:prstGeom>
-          <a:gradFill rotWithShape="1">
-            <a:gsLst>
-              <a:gs pos="0">
-                <a:srgbClr val="E5FCFF"/>
-              </a:gs>
-              <a:gs pos="100000">
-                <a:schemeClr val="hlink"/>
-              </a:gs>
-            </a:gsLst>
-            <a:lin ang="18900000" scaled="1"/>
-          </a:gradFill>
-          <a:ln w="19050" cap="flat" cmpd="sng" algn="ctr">
-            <a:solidFill>
-              <a:srgbClr val="FF0000"/>
-            </a:solidFill>
-            <a:prstDash val="solid"/>
-            <a:round/>
-            <a:headEnd type="none" w="lg" len="lg"/>
-            <a:tailEnd type="stealth" w="lg" len="lg"/>
-          </a:ln>
-          <a:effectLst/>
-        </p:spPr>
-      </p:cxnSp>
-      <p:cxnSp>
-        <p:nvCxnSpPr>
-          <p:cNvPr id="51" name="Straight Arrow Connector 50"/>
-          <p:cNvCxnSpPr>
-            <a:stCxn id="10" idx="0"/>
-          </p:cNvCxnSpPr>
-          <p:nvPr/>
-        </p:nvCxnSpPr>
-        <p:spPr bwMode="auto">
-          <a:xfrm flipH="1" flipV="1">
-            <a:off x="7622183" y="3045174"/>
-            <a:ext cx="21666" cy="1104766"/>
-          </a:xfrm>
-          <a:prstGeom prst="straightConnector1">
-            <a:avLst/>
-          </a:prstGeom>
-          <a:gradFill rotWithShape="1">
-            <a:gsLst>
-              <a:gs pos="0">
-                <a:srgbClr val="E5FCFF"/>
-              </a:gs>
-              <a:gs pos="100000">
-                <a:schemeClr val="hlink"/>
-              </a:gs>
-            </a:gsLst>
-            <a:lin ang="18900000" scaled="1"/>
-          </a:gradFill>
-          <a:ln w="19050" cap="flat" cmpd="sng" algn="ctr">
-            <a:solidFill>
-              <a:srgbClr val="FF0000"/>
-            </a:solidFill>
-            <a:prstDash val="solid"/>
-            <a:round/>
-            <a:headEnd type="none" w="lg" len="lg"/>
-            <a:tailEnd type="none" w="lg" len="lg"/>
-          </a:ln>
-          <a:effectLst/>
-        </p:spPr>
-      </p:cxnSp>
-      <p:sp>
-        <p:nvSpPr>
-          <p:cNvPr id="55" name="TextBox 54"/>
-          <p:cNvSpPr txBox="1"/>
-          <p:nvPr/>
-        </p:nvSpPr>
-        <p:spPr>
-          <a:xfrm>
-            <a:off x="3383281" y="5086601"/>
-            <a:ext cx="841898" cy="307777"/>
-          </a:xfrm>
-          <a:prstGeom prst="rect">
-            <a:avLst/>
-          </a:prstGeom>
-          <a:noFill/>
-        </p:spPr>
-        <p:txBody>
-          <a:bodyPr wrap="none" rtlCol="0">
-            <a:spAutoFit/>
-          </a:bodyPr>
-          <a:lstStyle/>
-          <a:p>
-            <a:r>
-              <a:rPr lang="en-US" sz="1400" dirty="0" err="1" smtClean="0">
-                <a:solidFill>
-                  <a:srgbClr val="FF0000"/>
-                </a:solidFill>
-              </a:rPr>
-              <a:t>DGEobj</a:t>
-            </a:r>
-            <a:endParaRPr lang="en-US" sz="1400" dirty="0">
-              <a:solidFill>
-                <a:srgbClr val="FF0000"/>
-              </a:solidFill>
-            </a:endParaRPr>
-          </a:p>
-        </p:txBody>
-      </p:sp>
-      <p:cxnSp>
-        <p:nvCxnSpPr>
-          <p:cNvPr id="11" name="Elbow Connector 10"/>
-          <p:cNvCxnSpPr>
-            <a:endCxn id="10" idx="2"/>
-          </p:cNvCxnSpPr>
-          <p:nvPr/>
-        </p:nvCxnSpPr>
-        <p:spPr bwMode="auto">
-          <a:xfrm flipV="1">
-            <a:off x="5230939" y="4531572"/>
-            <a:ext cx="2412910" cy="545590"/>
-          </a:xfrm>
-          <a:prstGeom prst="bentConnector2">
-            <a:avLst/>
-          </a:prstGeom>
-          <a:gradFill rotWithShape="1">
-            <a:gsLst>
-              <a:gs pos="0">
-                <a:srgbClr val="E5FCFF"/>
-              </a:gs>
-              <a:gs pos="100000">
-                <a:schemeClr val="hlink"/>
-              </a:gs>
-            </a:gsLst>
-            <a:lin ang="18900000" scaled="1"/>
-          </a:gradFill>
-          <a:ln w="19050" cap="flat" cmpd="sng" algn="ctr">
-            <a:solidFill>
-              <a:srgbClr val="FF0000"/>
-            </a:solidFill>
-            <a:prstDash val="solid"/>
-            <a:round/>
-            <a:headEnd type="none" w="lg" len="lg"/>
-            <a:tailEnd type="stealth" w="lg" len="lg"/>
-          </a:ln>
-          <a:effectLst/>
-        </p:spPr>
-      </p:cxnSp>
-      <p:sp>
-        <p:nvSpPr>
-          <p:cNvPr id="34" name="TextBox 33"/>
-          <p:cNvSpPr txBox="1"/>
-          <p:nvPr/>
-        </p:nvSpPr>
-        <p:spPr>
-          <a:xfrm>
-            <a:off x="6060814" y="4778824"/>
-            <a:ext cx="841898" cy="307777"/>
-          </a:xfrm>
-          <a:prstGeom prst="rect">
-            <a:avLst/>
-          </a:prstGeom>
-          <a:noFill/>
-        </p:spPr>
-        <p:txBody>
-          <a:bodyPr wrap="none" rtlCol="0">
-            <a:spAutoFit/>
-          </a:bodyPr>
-          <a:lstStyle/>
-          <a:p>
-            <a:r>
-              <a:rPr lang="en-US" sz="1400" dirty="0" err="1" smtClean="0">
-                <a:solidFill>
-                  <a:srgbClr val="FF0000"/>
-                </a:solidFill>
-              </a:rPr>
-              <a:t>DGEobj</a:t>
-            </a:r>
-            <a:endParaRPr lang="en-US" sz="1400" dirty="0">
-              <a:solidFill>
-                <a:srgbClr val="FF0000"/>
-              </a:solidFill>
-            </a:endParaRPr>
-          </a:p>
-        </p:txBody>
-      </p:sp>
-      <p:sp>
-        <p:nvSpPr>
-          <p:cNvPr id="35" name="TextBox 34"/>
-          <p:cNvSpPr txBox="1"/>
-          <p:nvPr/>
-        </p:nvSpPr>
-        <p:spPr>
-          <a:xfrm>
-            <a:off x="6689377" y="3048423"/>
-            <a:ext cx="841898" cy="307777"/>
-          </a:xfrm>
-          <a:prstGeom prst="rect">
-            <a:avLst/>
-          </a:prstGeom>
-          <a:noFill/>
-        </p:spPr>
-        <p:txBody>
-          <a:bodyPr wrap="none" rtlCol="0">
-            <a:spAutoFit/>
-          </a:bodyPr>
-          <a:lstStyle/>
-          <a:p>
-            <a:r>
-              <a:rPr lang="en-US" sz="1400" dirty="0" err="1" smtClean="0">
-                <a:solidFill>
-                  <a:srgbClr val="FF0000"/>
-                </a:solidFill>
-              </a:rPr>
-              <a:t>DGEobj</a:t>
-            </a:r>
-            <a:endParaRPr lang="en-US" sz="1400" dirty="0">
-              <a:solidFill>
-                <a:srgbClr val="FF0000"/>
-              </a:solidFill>
-            </a:endParaRPr>
-          </a:p>
-        </p:txBody>
-      </p:sp>
     </p:spTree>
     <p:extLst>
       <p:ext uri="{BB962C8B-B14F-4D97-AF65-F5344CB8AC3E}">
-        <p14:creationId xmlns:p14="http://schemas.microsoft.com/office/powerpoint/2010/main" val="2490674983"/>
+        <p14:creationId xmlns:p14="http://schemas.microsoft.com/office/powerpoint/2010/main" val="125758069"/>
       </p:ext>
     </p:extLst>
   </p:cSld>
@@ -12380,13 +13182,6 @@
   <p:transition>
     <p:wipe dir="r"/>
   </p:transition>
-  <p:timing>
-    <p:tnLst>
-      <p:par>
-        <p:cTn id="1" dur="indefinite" restart="never" nodeType="tmRoot"/>
-      </p:par>
-    </p:tnLst>
-  </p:timing>
 </p:sld>
 </file>
 
@@ -13917,6 +14712,24 @@
 </file>
 
 <file path=customXml/item1.xml><?xml version="1.0" encoding="utf-8"?>
+<p:properties xmlns:p="http://schemas.microsoft.com/office/2006/metadata/properties" xmlns:xsi="http://www.w3.org/2001/XMLSchema-instance">
+  <documentManagement>
+    <PublishingExpirationDate xmlns="http://schemas.microsoft.com/sharepoint/v3" xsi:nil="true"/>
+    <PublishingStartDate xmlns="http://schemas.microsoft.com/sharepoint/v3" xsi:nil="true"/>
+  </documentManagement>
+</p:properties>
+</file>
+
+<file path=customXml/item2.xml><?xml version="1.0" encoding="utf-8"?>
+<?mso-contentType ?>
+<FormTemplates xmlns="http://schemas.microsoft.com/sharepoint/v3/contenttype/forms">
+  <Display>DocumentLibraryForm</Display>
+  <Edit>DocumentLibraryForm</Edit>
+  <New>DocumentLibraryForm</New>
+</FormTemplates>
+</file>
+
+<file path=customXml/item3.xml><?xml version="1.0" encoding="utf-8"?>
 <ct:contentTypeSchema xmlns:ct="http://schemas.microsoft.com/office/2006/metadata/contentType" xmlns:ma="http://schemas.microsoft.com/office/2006/metadata/properties/metaAttributes" ct:_="" ma:_="" ma:contentTypeName="Document" ma:contentTypeID="0x010100B7D717AD26BB54428463ED26CB0D7E9E" ma:contentTypeVersion="3" ma:contentTypeDescription="Create a new document." ma:contentTypeScope="" ma:versionID="bf8986cc7c868353b5915001fefac325">
   <xsd:schema xmlns:xsd="http://www.w3.org/2001/XMLSchema" xmlns:p="http://schemas.microsoft.com/office/2006/metadata/properties" xmlns:ns1="http://schemas.microsoft.com/sharepoint/v3" targetNamespace="http://schemas.microsoft.com/office/2006/metadata/properties" ma:root="true" ma:fieldsID="ddb0c952b897a810c8a4e377cff6bff8" ns1:_="">
     <xsd:import namespace="http://schemas.microsoft.com/sharepoint/v3"/>
@@ -13982,25 +14795,30 @@
 </ct:contentTypeSchema>
 </file>
 
-<file path=customXml/item2.xml><?xml version="1.0" encoding="utf-8"?>
-<?mso-contentType ?>
-<FormTemplates xmlns="http://schemas.microsoft.com/sharepoint/v3/contenttype/forms">
-  <Display>DocumentLibraryForm</Display>
-  <Edit>DocumentLibraryForm</Edit>
-  <New>DocumentLibraryForm</New>
-</FormTemplates>
+<file path=customXml/itemProps1.xml><?xml version="1.0" encoding="utf-8"?>
+<ds:datastoreItem xmlns:ds="http://schemas.openxmlformats.org/officeDocument/2006/customXml" ds:itemID="{22D02B40-73A0-49EC-984E-6E21484878D7}">
+  <ds:schemaRefs>
+    <ds:schemaRef ds:uri="http://www.w3.org/XML/1998/namespace"/>
+    <ds:schemaRef ds:uri="http://schemas.microsoft.com/sharepoint/v3"/>
+    <ds:schemaRef ds:uri="http://purl.org/dc/elements/1.1/"/>
+    <ds:schemaRef ds:uri="http://schemas.microsoft.com/office/2006/documentManagement/types"/>
+    <ds:schemaRef ds:uri="http://schemas.microsoft.com/office/2006/metadata/properties"/>
+    <ds:schemaRef ds:uri="http://schemas.openxmlformats.org/package/2006/metadata/core-properties"/>
+    <ds:schemaRef ds:uri="http://purl.org/dc/dcmitype/"/>
+    <ds:schemaRef ds:uri="http://purl.org/dc/terms/"/>
+  </ds:schemaRefs>
+</ds:datastoreItem>
 </file>
 
-<file path=customXml/item3.xml><?xml version="1.0" encoding="utf-8"?>
-<p:properties xmlns:p="http://schemas.microsoft.com/office/2006/metadata/properties" xmlns:xsi="http://www.w3.org/2001/XMLSchema-instance">
-  <documentManagement>
-    <PublishingExpirationDate xmlns="http://schemas.microsoft.com/sharepoint/v3" xsi:nil="true"/>
-    <PublishingStartDate xmlns="http://schemas.microsoft.com/sharepoint/v3" xsi:nil="true"/>
-  </documentManagement>
-</p:properties>
+<file path=customXml/itemProps2.xml><?xml version="1.0" encoding="utf-8"?>
+<ds:datastoreItem xmlns:ds="http://schemas.openxmlformats.org/officeDocument/2006/customXml" ds:itemID="{7BEEAFA4-C65A-43C8-B565-5092855FE3D8}">
+  <ds:schemaRefs>
+    <ds:schemaRef ds:uri="http://schemas.microsoft.com/sharepoint/v3/contenttype/forms"/>
+  </ds:schemaRefs>
+</ds:datastoreItem>
 </file>
 
-<file path=customXml/itemProps1.xml><?xml version="1.0" encoding="utf-8"?>
+<file path=customXml/itemProps3.xml><?xml version="1.0" encoding="utf-8"?>
 <ds:datastoreItem xmlns:ds="http://schemas.openxmlformats.org/officeDocument/2006/customXml" ds:itemID="{419E58A6-6FDB-417D-B366-2AEECAC86031}">
   <ds:schemaRefs>
     <ds:schemaRef ds:uri="http://schemas.microsoft.com/office/2006/metadata/contentType"/>
@@ -14015,27 +14833,4 @@
     <ds:schemaRef ds:uri="http://schemas.microsoft.com/office/internal/2005/internalDocumentation"/>
   </ds:schemaRefs>
 </ds:datastoreItem>
-</file>
-
-<file path=customXml/itemProps2.xml><?xml version="1.0" encoding="utf-8"?>
-<ds:datastoreItem xmlns:ds="http://schemas.openxmlformats.org/officeDocument/2006/customXml" ds:itemID="{7BEEAFA4-C65A-43C8-B565-5092855FE3D8}">
-  <ds:schemaRefs>
-    <ds:schemaRef ds:uri="http://schemas.microsoft.com/sharepoint/v3/contenttype/forms"/>
-  </ds:schemaRefs>
-</ds:datastoreItem>
-</file>
-
-<file path=customXml/itemProps3.xml><?xml version="1.0" encoding="utf-8"?>
-<ds:datastoreItem xmlns:ds="http://schemas.openxmlformats.org/officeDocument/2006/customXml" ds:itemID="{22D02B40-73A0-49EC-984E-6E21484878D7}">
-  <ds:schemaRefs>
-    <ds:schemaRef ds:uri="http://www.w3.org/XML/1998/namespace"/>
-    <ds:schemaRef ds:uri="http://schemas.microsoft.com/sharepoint/v3"/>
-    <ds:schemaRef ds:uri="http://purl.org/dc/elements/1.1/"/>
-    <ds:schemaRef ds:uri="http://schemas.microsoft.com/office/2006/documentManagement/types"/>
-    <ds:schemaRef ds:uri="http://schemas.microsoft.com/office/2006/metadata/properties"/>
-    <ds:schemaRef ds:uri="http://schemas.openxmlformats.org/package/2006/metadata/core-properties"/>
-    <ds:schemaRef ds:uri="http://purl.org/dc/dcmitype/"/>
-    <ds:schemaRef ds:uri="http://purl.org/dc/terms/"/>
-  </ds:schemaRefs>
-</ds:datastoreItem>
 </file>
--- a/DGE_Tools Rollout 2017.pptx
+++ b/DGE_Tools Rollout 2017.pptx
@@ -3903,12 +3903,51 @@
           <a:lstStyle/>
           <a:p>
             <a:r>
+              <a:rPr lang="en-US" sz="2800" dirty="0" err="1" smtClean="0"/>
+              <a:t>Mydesignmatrix</a:t>
+            </a:r>
+            <a:r>
+              <a:rPr lang="en-US" sz="2800" dirty="0" smtClean="0"/>
+              <a:t> = </a:t>
+            </a:r>
+            <a:r>
+              <a:rPr lang="en-US" sz="2800" dirty="0" err="1"/>
+              <a:t>model.matrix</a:t>
+            </a:r>
+            <a:r>
+              <a:rPr lang="en-US" sz="2800" dirty="0"/>
+              <a:t>(</a:t>
+            </a:r>
+            <a:r>
+              <a:rPr lang="en-US" sz="2800" dirty="0" err="1"/>
+              <a:t>myformula</a:t>
+            </a:r>
+            <a:r>
+              <a:rPr lang="en-US" sz="2800" dirty="0"/>
+              <a:t>, </a:t>
+            </a:r>
+            <a:r>
+              <a:rPr lang="en-US" sz="2800" dirty="0" err="1"/>
+              <a:t>mydesign</a:t>
+            </a:r>
+            <a:r>
+              <a:rPr lang="en-US" sz="2800" dirty="0" smtClean="0"/>
+              <a:t>)</a:t>
+            </a:r>
+            <a:endParaRPr lang="en-US" dirty="0" smtClean="0"/>
+          </a:p>
+          <a:p>
+            <a:r>
               <a:rPr lang="en-US" dirty="0" err="1" smtClean="0"/>
               <a:t>MyFit</a:t>
             </a:r>
             <a:r>
               <a:rPr lang="en-US" dirty="0" smtClean="0"/>
-              <a:t> &lt;- Counts %&gt;% </a:t>
+              <a:t> </a:t>
+            </a:r>
+            <a:r>
+              <a:rPr lang="en-US" dirty="0" smtClean="0"/>
+              <a:t>&lt;- Counts %&gt;% </a:t>
             </a:r>
           </a:p>
           <a:p>
@@ -3986,20 +4025,28 @@
             </a:r>
             <a:r>
               <a:rPr lang="en-US" dirty="0" smtClean="0"/>
-              <a:t>)</a:t>
-            </a:r>
-          </a:p>
-          <a:p>
+              <a:t>) %&gt;% </a:t>
+            </a:r>
+          </a:p>
+          <a:p>
+            <a:r>
+              <a:rPr lang="en-US" dirty="0"/>
+              <a:t>	</a:t>
+            </a:r>
+            <a:r>
+              <a:rPr lang="en-US" dirty="0" err="1" smtClean="0"/>
+              <a:t>eBayes</a:t>
+            </a:r>
             <a:endParaRPr lang="en-US" dirty="0"/>
           </a:p>
           <a:p>
             <a:r>
-              <a:rPr lang="en-US" dirty="0" err="1" smtClean="0"/>
-              <a:t>MyContrasts</a:t>
+              <a:rPr lang="en-US" smtClean="0"/>
+              <a:t>MyContrast </a:t>
             </a:r>
             <a:r>
               <a:rPr lang="en-US" dirty="0" smtClean="0"/>
-              <a:t> &lt;- </a:t>
+              <a:t>&lt;- </a:t>
             </a:r>
             <a:r>
               <a:rPr lang="en-US" dirty="0" err="1" smtClean="0"/>
@@ -7322,11 +7369,7 @@
           <a:p>
             <a:r>
               <a:rPr lang="en-US" sz="2400" dirty="0" smtClean="0"/>
-              <a:t>Standardized Data Structure </a:t>
-            </a:r>
-            <a:r>
-              <a:rPr lang="en-US" sz="2400" dirty="0" smtClean="0"/>
-              <a:t>(</a:t>
+              <a:t>Standardized Data Structure (</a:t>
             </a:r>
             <a:r>
               <a:rPr lang="en-US" sz="2400" dirty="0" err="1" smtClean="0"/>
@@ -7336,7 +7379,6 @@
               <a:rPr lang="en-US" sz="2400" dirty="0" smtClean="0"/>
               <a:t>)</a:t>
             </a:r>
-            <a:endParaRPr lang="en-US" sz="2400" dirty="0" smtClean="0"/>
           </a:p>
           <a:p>
             <a:pPr marL="806450" lvl="1" indent="-342900">
@@ -7378,13 +7420,8 @@
             </a:r>
             <a:r>
               <a:rPr lang="en-US" sz="1800" dirty="0" smtClean="0"/>
-              <a:t>osters sharing of code and data among </a:t>
-            </a:r>
-            <a:r>
-              <a:rPr lang="en-US" sz="1800" dirty="0" smtClean="0"/>
-              <a:t>analysts</a:t>
-            </a:r>
-            <a:endParaRPr lang="en-US" sz="1800" dirty="0" smtClean="0"/>
+              <a:t>osters sharing of code and data among analysts</a:t>
+            </a:r>
           </a:p>
           <a:p>
             <a:pPr marL="1138238" lvl="2" indent="-342900">
@@ -14712,24 +14749,6 @@
 </file>
 
 <file path=customXml/item1.xml><?xml version="1.0" encoding="utf-8"?>
-<p:properties xmlns:p="http://schemas.microsoft.com/office/2006/metadata/properties" xmlns:xsi="http://www.w3.org/2001/XMLSchema-instance">
-  <documentManagement>
-    <PublishingExpirationDate xmlns="http://schemas.microsoft.com/sharepoint/v3" xsi:nil="true"/>
-    <PublishingStartDate xmlns="http://schemas.microsoft.com/sharepoint/v3" xsi:nil="true"/>
-  </documentManagement>
-</p:properties>
-</file>
-
-<file path=customXml/item2.xml><?xml version="1.0" encoding="utf-8"?>
-<?mso-contentType ?>
-<FormTemplates xmlns="http://schemas.microsoft.com/sharepoint/v3/contenttype/forms">
-  <Display>DocumentLibraryForm</Display>
-  <Edit>DocumentLibraryForm</Edit>
-  <New>DocumentLibraryForm</New>
-</FormTemplates>
-</file>
-
-<file path=customXml/item3.xml><?xml version="1.0" encoding="utf-8"?>
 <ct:contentTypeSchema xmlns:ct="http://schemas.microsoft.com/office/2006/metadata/contentType" xmlns:ma="http://schemas.microsoft.com/office/2006/metadata/properties/metaAttributes" ct:_="" ma:_="" ma:contentTypeName="Document" ma:contentTypeID="0x010100B7D717AD26BB54428463ED26CB0D7E9E" ma:contentTypeVersion="3" ma:contentTypeDescription="Create a new document." ma:contentTypeScope="" ma:versionID="bf8986cc7c868353b5915001fefac325">
   <xsd:schema xmlns:xsd="http://www.w3.org/2001/XMLSchema" xmlns:p="http://schemas.microsoft.com/office/2006/metadata/properties" xmlns:ns1="http://schemas.microsoft.com/sharepoint/v3" targetNamespace="http://schemas.microsoft.com/office/2006/metadata/properties" ma:root="true" ma:fieldsID="ddb0c952b897a810c8a4e377cff6bff8" ns1:_="">
     <xsd:import namespace="http://schemas.microsoft.com/sharepoint/v3"/>
@@ -14795,30 +14814,25 @@
 </ct:contentTypeSchema>
 </file>
 
-<file path=customXml/itemProps1.xml><?xml version="1.0" encoding="utf-8"?>
-<ds:datastoreItem xmlns:ds="http://schemas.openxmlformats.org/officeDocument/2006/customXml" ds:itemID="{22D02B40-73A0-49EC-984E-6E21484878D7}">
-  <ds:schemaRefs>
-    <ds:schemaRef ds:uri="http://www.w3.org/XML/1998/namespace"/>
-    <ds:schemaRef ds:uri="http://schemas.microsoft.com/sharepoint/v3"/>
-    <ds:schemaRef ds:uri="http://purl.org/dc/elements/1.1/"/>
-    <ds:schemaRef ds:uri="http://schemas.microsoft.com/office/2006/documentManagement/types"/>
-    <ds:schemaRef ds:uri="http://schemas.microsoft.com/office/2006/metadata/properties"/>
-    <ds:schemaRef ds:uri="http://schemas.openxmlformats.org/package/2006/metadata/core-properties"/>
-    <ds:schemaRef ds:uri="http://purl.org/dc/dcmitype/"/>
-    <ds:schemaRef ds:uri="http://purl.org/dc/terms/"/>
-  </ds:schemaRefs>
-</ds:datastoreItem>
+<file path=customXml/item2.xml><?xml version="1.0" encoding="utf-8"?>
+<?mso-contentType ?>
+<FormTemplates xmlns="http://schemas.microsoft.com/sharepoint/v3/contenttype/forms">
+  <Display>DocumentLibraryForm</Display>
+  <Edit>DocumentLibraryForm</Edit>
+  <New>DocumentLibraryForm</New>
+</FormTemplates>
 </file>
 
-<file path=customXml/itemProps2.xml><?xml version="1.0" encoding="utf-8"?>
-<ds:datastoreItem xmlns:ds="http://schemas.openxmlformats.org/officeDocument/2006/customXml" ds:itemID="{7BEEAFA4-C65A-43C8-B565-5092855FE3D8}">
-  <ds:schemaRefs>
-    <ds:schemaRef ds:uri="http://schemas.microsoft.com/sharepoint/v3/contenttype/forms"/>
-  </ds:schemaRefs>
-</ds:datastoreItem>
+<file path=customXml/item3.xml><?xml version="1.0" encoding="utf-8"?>
+<p:properties xmlns:p="http://schemas.microsoft.com/office/2006/metadata/properties" xmlns:xsi="http://www.w3.org/2001/XMLSchema-instance">
+  <documentManagement>
+    <PublishingExpirationDate xmlns="http://schemas.microsoft.com/sharepoint/v3" xsi:nil="true"/>
+    <PublishingStartDate xmlns="http://schemas.microsoft.com/sharepoint/v3" xsi:nil="true"/>
+  </documentManagement>
+</p:properties>
 </file>
 
-<file path=customXml/itemProps3.xml><?xml version="1.0" encoding="utf-8"?>
+<file path=customXml/itemProps1.xml><?xml version="1.0" encoding="utf-8"?>
 <ds:datastoreItem xmlns:ds="http://schemas.openxmlformats.org/officeDocument/2006/customXml" ds:itemID="{419E58A6-6FDB-417D-B366-2AEECAC86031}">
   <ds:schemaRefs>
     <ds:schemaRef ds:uri="http://schemas.microsoft.com/office/2006/metadata/contentType"/>
@@ -14833,4 +14847,27 @@
     <ds:schemaRef ds:uri="http://schemas.microsoft.com/office/internal/2005/internalDocumentation"/>
   </ds:schemaRefs>
 </ds:datastoreItem>
+</file>
+
+<file path=customXml/itemProps2.xml><?xml version="1.0" encoding="utf-8"?>
+<ds:datastoreItem xmlns:ds="http://schemas.openxmlformats.org/officeDocument/2006/customXml" ds:itemID="{7BEEAFA4-C65A-43C8-B565-5092855FE3D8}">
+  <ds:schemaRefs>
+    <ds:schemaRef ds:uri="http://schemas.microsoft.com/sharepoint/v3/contenttype/forms"/>
+  </ds:schemaRefs>
+</ds:datastoreItem>
+</file>
+
+<file path=customXml/itemProps3.xml><?xml version="1.0" encoding="utf-8"?>
+<ds:datastoreItem xmlns:ds="http://schemas.openxmlformats.org/officeDocument/2006/customXml" ds:itemID="{22D02B40-73A0-49EC-984E-6E21484878D7}">
+  <ds:schemaRefs>
+    <ds:schemaRef ds:uri="http://www.w3.org/XML/1998/namespace"/>
+    <ds:schemaRef ds:uri="http://schemas.microsoft.com/sharepoint/v3"/>
+    <ds:schemaRef ds:uri="http://purl.org/dc/elements/1.1/"/>
+    <ds:schemaRef ds:uri="http://schemas.microsoft.com/office/2006/documentManagement/types"/>
+    <ds:schemaRef ds:uri="http://schemas.microsoft.com/office/2006/metadata/properties"/>
+    <ds:schemaRef ds:uri="http://schemas.openxmlformats.org/package/2006/metadata/core-properties"/>
+    <ds:schemaRef ds:uri="http://purl.org/dc/dcmitype/"/>
+    <ds:schemaRef ds:uri="http://purl.org/dc/terms/"/>
+  </ds:schemaRefs>
+</ds:datastoreItem>
 </file>